--- a/materials/lecture_18.pptx
+++ b/materials/lecture_18.pptx
@@ -5,7 +5,7 @@
     <p:sldMasterId id="2147483660" r:id="rId1"/>
   </p:sldMasterIdLst>
   <p:notesMasterIdLst>
-    <p:notesMasterId r:id="rId9"/>
+    <p:notesMasterId r:id="rId10"/>
   </p:notesMasterIdLst>
   <p:sldIdLst>
     <p:sldId id="256" r:id="rId2"/>
@@ -15,6 +15,7 @@
     <p:sldId id="261" r:id="rId6"/>
     <p:sldId id="262" r:id="rId7"/>
     <p:sldId id="263" r:id="rId8"/>
+    <p:sldId id="265" r:id="rId9"/>
   </p:sldIdLst>
   <p:sldSz cx="12192000" cy="3657600"/>
   <p:notesSz cx="6858000" cy="9144000"/>
@@ -113,6 +114,11 @@
       </a:defRPr>
     </a:lvl9pPr>
   </p:defaultTextStyle>
+  <p:extLst>
+    <p:ext uri="{EFAFB233-063F-42B5-8137-9DF3F51BA10A}">
+      <p15:sldGuideLst xmlns:p15="http://schemas.microsoft.com/office/powerpoint/2012/main"/>
+    </p:ext>
+  </p:extLst>
 </p:presentation>
 </file>
 
@@ -1209,6 +1215,117 @@
     <p:extLst>
       <p:ext uri="{BB962C8B-B14F-4D97-AF65-F5344CB8AC3E}">
         <p14:creationId xmlns:p14="http://schemas.microsoft.com/office/powerpoint/2010/main" val="107673622"/>
+      </p:ext>
+    </p:extLst>
+  </p:cSld>
+  <p:clrMapOvr>
+    <a:masterClrMapping/>
+  </p:clrMapOvr>
+</p:notes>
+</file>
+
+<file path=ppt/notesSlides/notesSlide8.xml><?xml version="1.0" encoding="utf-8"?>
+<p:notes xmlns:a="http://schemas.openxmlformats.org/drawingml/2006/main" xmlns:r="http://schemas.openxmlformats.org/officeDocument/2006/relationships" xmlns:p="http://schemas.openxmlformats.org/presentationml/2006/main">
+  <p:cSld>
+    <p:spTree>
+      <p:nvGrpSpPr>
+        <p:cNvPr id="1" name="">
+          <a:extLst>
+            <a:ext uri="{FF2B5EF4-FFF2-40B4-BE49-F238E27FC236}">
+              <a16:creationId xmlns:a16="http://schemas.microsoft.com/office/drawing/2014/main" id="{E3B61FEF-08F4-02A3-4276-DA2E39732727}"/>
+            </a:ext>
+          </a:extLst>
+        </p:cNvPr>
+        <p:cNvGrpSpPr/>
+        <p:nvPr/>
+      </p:nvGrpSpPr>
+      <p:grpSpPr>
+        <a:xfrm>
+          <a:off x="0" y="0"/>
+          <a:ext cx="0" cy="0"/>
+          <a:chOff x="0" y="0"/>
+          <a:chExt cx="0" cy="0"/>
+        </a:xfrm>
+      </p:grpSpPr>
+      <p:sp>
+        <p:nvSpPr>
+          <p:cNvPr id="2" name="Slide Image Placeholder 1">
+            <a:extLst>
+              <a:ext uri="{FF2B5EF4-FFF2-40B4-BE49-F238E27FC236}">
+                <a16:creationId xmlns:a16="http://schemas.microsoft.com/office/drawing/2014/main" id="{33E33B99-5022-983E-16CB-641F6B25B566}"/>
+              </a:ext>
+            </a:extLst>
+          </p:cNvPr>
+          <p:cNvSpPr>
+            <a:spLocks noGrp="1" noRot="1" noChangeAspect="1"/>
+          </p:cNvSpPr>
+          <p:nvPr>
+            <p:ph type="sldImg"/>
+          </p:nvPr>
+        </p:nvSpPr>
+        <p:spPr/>
+      </p:sp>
+      <p:sp>
+        <p:nvSpPr>
+          <p:cNvPr id="3" name="Notes Placeholder 2">
+            <a:extLst>
+              <a:ext uri="{FF2B5EF4-FFF2-40B4-BE49-F238E27FC236}">
+                <a16:creationId xmlns:a16="http://schemas.microsoft.com/office/drawing/2014/main" id="{4683EA68-ED4F-9323-E131-906FCFC37578}"/>
+              </a:ext>
+            </a:extLst>
+          </p:cNvPr>
+          <p:cNvSpPr>
+            <a:spLocks noGrp="1"/>
+          </p:cNvSpPr>
+          <p:nvPr>
+            <p:ph type="body" idx="1"/>
+          </p:nvPr>
+        </p:nvSpPr>
+        <p:spPr/>
+        <p:txBody>
+          <a:bodyPr/>
+          <a:lstStyle/>
+          <a:p>
+            <a:r>
+              <a:rPr lang="en-US" dirty="0"/>
+              <a:t>Double nested design</a:t>
+            </a:r>
+          </a:p>
+        </p:txBody>
+      </p:sp>
+      <p:sp>
+        <p:nvSpPr>
+          <p:cNvPr id="4" name="Slide Number Placeholder 3">
+            <a:extLst>
+              <a:ext uri="{FF2B5EF4-FFF2-40B4-BE49-F238E27FC236}">
+                <a16:creationId xmlns:a16="http://schemas.microsoft.com/office/drawing/2014/main" id="{E5F7F6BF-BA70-A963-FB0B-AFE55EB35141}"/>
+              </a:ext>
+            </a:extLst>
+          </p:cNvPr>
+          <p:cNvSpPr>
+            <a:spLocks noGrp="1"/>
+          </p:cNvSpPr>
+          <p:nvPr>
+            <p:ph type="sldNum" sz="quarter" idx="5"/>
+          </p:nvPr>
+        </p:nvSpPr>
+        <p:spPr/>
+        <p:txBody>
+          <a:bodyPr/>
+          <a:lstStyle/>
+          <a:p>
+            <a:fld id="{F7C71EB2-F41A-BC4A-9EA3-D6C045544FCF}" type="slidenum">
+              <a:rPr lang="en-US" smtClean="0"/>
+              <a:t>8</a:t>
+            </a:fld>
+            <a:endParaRPr lang="en-US"/>
+          </a:p>
+        </p:txBody>
+      </p:sp>
+    </p:spTree>
+    <p:extLst>
+      <p:ext uri="{BB962C8B-B14F-4D97-AF65-F5344CB8AC3E}">
+        <p14:creationId xmlns:p14="http://schemas.microsoft.com/office/powerpoint/2010/main" val="2845369009"/>
       </p:ext>
     </p:extLst>
   </p:cSld>
@@ -15554,6 +15671,4379 @@
     <p:extLst>
       <p:ext uri="{BB962C8B-B14F-4D97-AF65-F5344CB8AC3E}">
         <p14:creationId xmlns:p14="http://schemas.microsoft.com/office/powerpoint/2010/main" val="84652921"/>
+      </p:ext>
+    </p:extLst>
+  </p:cSld>
+  <p:clrMapOvr>
+    <a:masterClrMapping/>
+  </p:clrMapOvr>
+</p:sld>
+</file>
+
+<file path=ppt/slides/slide8.xml><?xml version="1.0" encoding="utf-8"?>
+<p:sld xmlns:a="http://schemas.openxmlformats.org/drawingml/2006/main" xmlns:r="http://schemas.openxmlformats.org/officeDocument/2006/relationships" xmlns:p="http://schemas.openxmlformats.org/presentationml/2006/main">
+  <p:cSld>
+    <p:spTree>
+      <p:nvGrpSpPr>
+        <p:cNvPr id="1" name="">
+          <a:extLst>
+            <a:ext uri="{FF2B5EF4-FFF2-40B4-BE49-F238E27FC236}">
+              <a16:creationId xmlns:a16="http://schemas.microsoft.com/office/drawing/2014/main" id="{73F2E425-9715-28DD-99B9-5F69F65BC221}"/>
+            </a:ext>
+          </a:extLst>
+        </p:cNvPr>
+        <p:cNvGrpSpPr/>
+        <p:nvPr/>
+      </p:nvGrpSpPr>
+      <p:grpSpPr>
+        <a:xfrm>
+          <a:off x="0" y="0"/>
+          <a:ext cx="0" cy="0"/>
+          <a:chOff x="0" y="0"/>
+          <a:chExt cx="0" cy="0"/>
+        </a:xfrm>
+      </p:grpSpPr>
+      <p:sp>
+        <p:nvSpPr>
+          <p:cNvPr id="6" name="Rectangle 5">
+            <a:extLst>
+              <a:ext uri="{FF2B5EF4-FFF2-40B4-BE49-F238E27FC236}">
+                <a16:creationId xmlns:a16="http://schemas.microsoft.com/office/drawing/2014/main" id="{A940B7B2-7E29-B38B-E950-39E3B18BC5A6}"/>
+              </a:ext>
+            </a:extLst>
+          </p:cNvPr>
+          <p:cNvSpPr/>
+          <p:nvPr/>
+        </p:nvSpPr>
+        <p:spPr>
+          <a:xfrm>
+            <a:off x="377328" y="344219"/>
+            <a:ext cx="2475202" cy="2651113"/>
+          </a:xfrm>
+          <a:prstGeom prst="rect">
+            <a:avLst/>
+          </a:prstGeom>
+          <a:noFill/>
+          <a:ln w="88900"/>
+        </p:spPr>
+        <p:style>
+          <a:lnRef idx="2">
+            <a:schemeClr val="accent1">
+              <a:shade val="15000"/>
+            </a:schemeClr>
+          </a:lnRef>
+          <a:fillRef idx="1">
+            <a:schemeClr val="accent1"/>
+          </a:fillRef>
+          <a:effectRef idx="0">
+            <a:schemeClr val="accent1"/>
+          </a:effectRef>
+          <a:fontRef idx="minor">
+            <a:schemeClr val="lt1"/>
+          </a:fontRef>
+        </p:style>
+        <p:txBody>
+          <a:bodyPr rtlCol="0" anchor="ctr"/>
+          <a:lstStyle/>
+          <a:p>
+            <a:pPr algn="ctr"/>
+            <a:endParaRPr lang="en-US"/>
+          </a:p>
+        </p:txBody>
+      </p:sp>
+      <p:sp>
+        <p:nvSpPr>
+          <p:cNvPr id="7" name="Rectangle 6">
+            <a:extLst>
+              <a:ext uri="{FF2B5EF4-FFF2-40B4-BE49-F238E27FC236}">
+                <a16:creationId xmlns:a16="http://schemas.microsoft.com/office/drawing/2014/main" id="{FEBB2834-0961-D428-0E93-4673FA797D21}"/>
+              </a:ext>
+            </a:extLst>
+          </p:cNvPr>
+          <p:cNvSpPr/>
+          <p:nvPr/>
+        </p:nvSpPr>
+        <p:spPr>
+          <a:xfrm>
+            <a:off x="3243111" y="344218"/>
+            <a:ext cx="2475202" cy="2651113"/>
+          </a:xfrm>
+          <a:prstGeom prst="rect">
+            <a:avLst/>
+          </a:prstGeom>
+          <a:noFill/>
+          <a:ln w="88900"/>
+        </p:spPr>
+        <p:style>
+          <a:lnRef idx="2">
+            <a:schemeClr val="accent1">
+              <a:shade val="15000"/>
+            </a:schemeClr>
+          </a:lnRef>
+          <a:fillRef idx="1">
+            <a:schemeClr val="accent1"/>
+          </a:fillRef>
+          <a:effectRef idx="0">
+            <a:schemeClr val="accent1"/>
+          </a:effectRef>
+          <a:fontRef idx="minor">
+            <a:schemeClr val="lt1"/>
+          </a:fontRef>
+        </p:style>
+        <p:txBody>
+          <a:bodyPr rtlCol="0" anchor="ctr"/>
+          <a:lstStyle/>
+          <a:p>
+            <a:pPr algn="ctr"/>
+            <a:endParaRPr lang="en-US"/>
+          </a:p>
+        </p:txBody>
+      </p:sp>
+      <p:sp>
+        <p:nvSpPr>
+          <p:cNvPr id="8" name="Rectangle 7">
+            <a:extLst>
+              <a:ext uri="{FF2B5EF4-FFF2-40B4-BE49-F238E27FC236}">
+                <a16:creationId xmlns:a16="http://schemas.microsoft.com/office/drawing/2014/main" id="{D1539B26-1342-53B0-2300-93DA6EACD304}"/>
+              </a:ext>
+            </a:extLst>
+          </p:cNvPr>
+          <p:cNvSpPr/>
+          <p:nvPr/>
+        </p:nvSpPr>
+        <p:spPr>
+          <a:xfrm>
+            <a:off x="6108894" y="344217"/>
+            <a:ext cx="2475202" cy="2651113"/>
+          </a:xfrm>
+          <a:prstGeom prst="rect">
+            <a:avLst/>
+          </a:prstGeom>
+          <a:noFill/>
+          <a:ln w="88900"/>
+        </p:spPr>
+        <p:style>
+          <a:lnRef idx="2">
+            <a:schemeClr val="accent1">
+              <a:shade val="15000"/>
+            </a:schemeClr>
+          </a:lnRef>
+          <a:fillRef idx="1">
+            <a:schemeClr val="accent1"/>
+          </a:fillRef>
+          <a:effectRef idx="0">
+            <a:schemeClr val="accent1"/>
+          </a:effectRef>
+          <a:fontRef idx="minor">
+            <a:schemeClr val="lt1"/>
+          </a:fontRef>
+        </p:style>
+        <p:txBody>
+          <a:bodyPr rtlCol="0" anchor="ctr"/>
+          <a:lstStyle/>
+          <a:p>
+            <a:pPr algn="ctr"/>
+            <a:endParaRPr lang="en-US"/>
+          </a:p>
+        </p:txBody>
+      </p:sp>
+      <p:sp>
+        <p:nvSpPr>
+          <p:cNvPr id="10" name="TextBox 9">
+            <a:extLst>
+              <a:ext uri="{FF2B5EF4-FFF2-40B4-BE49-F238E27FC236}">
+                <a16:creationId xmlns:a16="http://schemas.microsoft.com/office/drawing/2014/main" id="{9217559F-470E-91A9-92BE-2FFF0EB13393}"/>
+              </a:ext>
+            </a:extLst>
+          </p:cNvPr>
+          <p:cNvSpPr txBox="1"/>
+          <p:nvPr/>
+        </p:nvSpPr>
+        <p:spPr>
+          <a:xfrm>
+            <a:off x="8761724" y="1113181"/>
+            <a:ext cx="600937" cy="861774"/>
+          </a:xfrm>
+          <a:prstGeom prst="rect">
+            <a:avLst/>
+          </a:prstGeom>
+          <a:noFill/>
+        </p:spPr>
+        <p:txBody>
+          <a:bodyPr wrap="square" rtlCol="0">
+            <a:spAutoFit/>
+          </a:bodyPr>
+          <a:lstStyle/>
+          <a:p>
+            <a:r>
+              <a:rPr lang="en-US" sz="5000" dirty="0"/>
+              <a:t>…</a:t>
+            </a:r>
+          </a:p>
+        </p:txBody>
+      </p:sp>
+      <p:sp>
+        <p:nvSpPr>
+          <p:cNvPr id="11" name="TextBox 10">
+            <a:extLst>
+              <a:ext uri="{FF2B5EF4-FFF2-40B4-BE49-F238E27FC236}">
+                <a16:creationId xmlns:a16="http://schemas.microsoft.com/office/drawing/2014/main" id="{CB4CBDE9-469C-22B9-861F-ABF8F74FC6B5}"/>
+              </a:ext>
+            </a:extLst>
+          </p:cNvPr>
+          <p:cNvSpPr txBox="1"/>
+          <p:nvPr/>
+        </p:nvSpPr>
+        <p:spPr>
+          <a:xfrm>
+            <a:off x="377328" y="3074854"/>
+            <a:ext cx="2475202" cy="477054"/>
+          </a:xfrm>
+          <a:prstGeom prst="rect">
+            <a:avLst/>
+          </a:prstGeom>
+          <a:noFill/>
+        </p:spPr>
+        <p:txBody>
+          <a:bodyPr wrap="square" rtlCol="0">
+            <a:spAutoFit/>
+          </a:bodyPr>
+          <a:lstStyle/>
+          <a:p>
+            <a:pPr algn="ctr"/>
+            <a:r>
+              <a:rPr lang="en-US" sz="2500" dirty="0"/>
+              <a:t>Field 1</a:t>
+            </a:r>
+          </a:p>
+        </p:txBody>
+      </p:sp>
+      <p:sp>
+        <p:nvSpPr>
+          <p:cNvPr id="12" name="TextBox 11">
+            <a:extLst>
+              <a:ext uri="{FF2B5EF4-FFF2-40B4-BE49-F238E27FC236}">
+                <a16:creationId xmlns:a16="http://schemas.microsoft.com/office/drawing/2014/main" id="{6A87C7B7-32EC-7B26-C080-A0C15973A6A9}"/>
+              </a:ext>
+            </a:extLst>
+          </p:cNvPr>
+          <p:cNvSpPr txBox="1"/>
+          <p:nvPr/>
+        </p:nvSpPr>
+        <p:spPr>
+          <a:xfrm>
+            <a:off x="3243111" y="3074854"/>
+            <a:ext cx="2475202" cy="477054"/>
+          </a:xfrm>
+          <a:prstGeom prst="rect">
+            <a:avLst/>
+          </a:prstGeom>
+          <a:noFill/>
+        </p:spPr>
+        <p:txBody>
+          <a:bodyPr wrap="square" rtlCol="0">
+            <a:spAutoFit/>
+          </a:bodyPr>
+          <a:lstStyle/>
+          <a:p>
+            <a:pPr algn="ctr"/>
+            <a:r>
+              <a:rPr lang="en-US" sz="2500" dirty="0"/>
+              <a:t>Field 2</a:t>
+            </a:r>
+          </a:p>
+        </p:txBody>
+      </p:sp>
+      <p:sp>
+        <p:nvSpPr>
+          <p:cNvPr id="13" name="TextBox 12">
+            <a:extLst>
+              <a:ext uri="{FF2B5EF4-FFF2-40B4-BE49-F238E27FC236}">
+                <a16:creationId xmlns:a16="http://schemas.microsoft.com/office/drawing/2014/main" id="{57292E84-AABA-D1B3-506B-7EF6335C9C91}"/>
+              </a:ext>
+            </a:extLst>
+          </p:cNvPr>
+          <p:cNvSpPr txBox="1"/>
+          <p:nvPr/>
+        </p:nvSpPr>
+        <p:spPr>
+          <a:xfrm>
+            <a:off x="6108894" y="3074854"/>
+            <a:ext cx="2475202" cy="477054"/>
+          </a:xfrm>
+          <a:prstGeom prst="rect">
+            <a:avLst/>
+          </a:prstGeom>
+          <a:noFill/>
+        </p:spPr>
+        <p:txBody>
+          <a:bodyPr wrap="square" rtlCol="0">
+            <a:spAutoFit/>
+          </a:bodyPr>
+          <a:lstStyle/>
+          <a:p>
+            <a:pPr algn="ctr"/>
+            <a:r>
+              <a:rPr lang="en-US" sz="2500" dirty="0"/>
+              <a:t>Field 3</a:t>
+            </a:r>
+          </a:p>
+        </p:txBody>
+      </p:sp>
+      <p:sp>
+        <p:nvSpPr>
+          <p:cNvPr id="14" name="TextBox 13">
+            <a:extLst>
+              <a:ext uri="{FF2B5EF4-FFF2-40B4-BE49-F238E27FC236}">
+                <a16:creationId xmlns:a16="http://schemas.microsoft.com/office/drawing/2014/main" id="{A8658B4C-4FB4-CF90-A4AF-AD0CC3DAC76E}"/>
+              </a:ext>
+            </a:extLst>
+          </p:cNvPr>
+          <p:cNvSpPr txBox="1"/>
+          <p:nvPr/>
+        </p:nvSpPr>
+        <p:spPr>
+          <a:xfrm>
+            <a:off x="9527954" y="3074854"/>
+            <a:ext cx="2475202" cy="477054"/>
+          </a:xfrm>
+          <a:prstGeom prst="rect">
+            <a:avLst/>
+          </a:prstGeom>
+          <a:noFill/>
+        </p:spPr>
+        <p:txBody>
+          <a:bodyPr wrap="square" rtlCol="0">
+            <a:spAutoFit/>
+          </a:bodyPr>
+          <a:lstStyle/>
+          <a:p>
+            <a:pPr algn="ctr"/>
+            <a:r>
+              <a:rPr lang="en-US" sz="2500" dirty="0"/>
+              <a:t>Field </a:t>
+            </a:r>
+            <a:r>
+              <a:rPr lang="en-US" sz="2500" i="1" dirty="0"/>
+              <a:t>n</a:t>
+            </a:r>
+            <a:endParaRPr lang="en-US" sz="2500" dirty="0"/>
+          </a:p>
+        </p:txBody>
+      </p:sp>
+      <p:sp>
+        <p:nvSpPr>
+          <p:cNvPr id="16" name="Rectangle 15">
+            <a:extLst>
+              <a:ext uri="{FF2B5EF4-FFF2-40B4-BE49-F238E27FC236}">
+                <a16:creationId xmlns:a16="http://schemas.microsoft.com/office/drawing/2014/main" id="{A8BD1044-5D56-9223-B3A4-45D6E8136B8F}"/>
+              </a:ext>
+            </a:extLst>
+          </p:cNvPr>
+          <p:cNvSpPr/>
+          <p:nvPr/>
+        </p:nvSpPr>
+        <p:spPr>
+          <a:xfrm>
+            <a:off x="463543" y="430378"/>
+            <a:ext cx="2304288" cy="1239395"/>
+          </a:xfrm>
+          <a:prstGeom prst="rect">
+            <a:avLst/>
+          </a:prstGeom>
+          <a:noFill/>
+          <a:ln w="88900">
+            <a:solidFill>
+              <a:schemeClr val="tx1">
+                <a:lumMod val="50000"/>
+                <a:lumOff val="50000"/>
+              </a:schemeClr>
+            </a:solidFill>
+          </a:ln>
+        </p:spPr>
+        <p:style>
+          <a:lnRef idx="2">
+            <a:schemeClr val="accent1">
+              <a:shade val="15000"/>
+            </a:schemeClr>
+          </a:lnRef>
+          <a:fillRef idx="1">
+            <a:schemeClr val="accent1"/>
+          </a:fillRef>
+          <a:effectRef idx="0">
+            <a:schemeClr val="accent1"/>
+          </a:effectRef>
+          <a:fontRef idx="minor">
+            <a:schemeClr val="lt1"/>
+          </a:fontRef>
+        </p:style>
+        <p:txBody>
+          <a:bodyPr rtlCol="0" anchor="t"/>
+          <a:lstStyle/>
+          <a:p>
+            <a:pPr algn="ctr"/>
+            <a:r>
+              <a:rPr lang="en-US" dirty="0">
+                <a:solidFill>
+                  <a:schemeClr val="tx1"/>
+                </a:solidFill>
+              </a:rPr>
+              <a:t>Bison +</a:t>
+            </a:r>
+          </a:p>
+        </p:txBody>
+      </p:sp>
+      <p:sp>
+        <p:nvSpPr>
+          <p:cNvPr id="17" name="Rectangle 16">
+            <a:extLst>
+              <a:ext uri="{FF2B5EF4-FFF2-40B4-BE49-F238E27FC236}">
+                <a16:creationId xmlns:a16="http://schemas.microsoft.com/office/drawing/2014/main" id="{953CA23D-A263-BEB6-0595-4F1F2BB4E528}"/>
+              </a:ext>
+            </a:extLst>
+          </p:cNvPr>
+          <p:cNvSpPr/>
+          <p:nvPr/>
+        </p:nvSpPr>
+        <p:spPr>
+          <a:xfrm>
+            <a:off x="462785" y="1669773"/>
+            <a:ext cx="2304288" cy="1239395"/>
+          </a:xfrm>
+          <a:prstGeom prst="rect">
+            <a:avLst/>
+          </a:prstGeom>
+          <a:noFill/>
+          <a:ln w="88900">
+            <a:solidFill>
+              <a:schemeClr val="tx1">
+                <a:lumMod val="50000"/>
+                <a:lumOff val="50000"/>
+              </a:schemeClr>
+            </a:solidFill>
+          </a:ln>
+        </p:spPr>
+        <p:style>
+          <a:lnRef idx="2">
+            <a:schemeClr val="accent1">
+              <a:shade val="15000"/>
+            </a:schemeClr>
+          </a:lnRef>
+          <a:fillRef idx="1">
+            <a:schemeClr val="accent1"/>
+          </a:fillRef>
+          <a:effectRef idx="0">
+            <a:schemeClr val="accent1"/>
+          </a:effectRef>
+          <a:fontRef idx="minor">
+            <a:schemeClr val="lt1"/>
+          </a:fontRef>
+        </p:style>
+        <p:txBody>
+          <a:bodyPr rtlCol="0" anchor="b"/>
+          <a:lstStyle/>
+          <a:p>
+            <a:pPr algn="ctr"/>
+            <a:r>
+              <a:rPr lang="en-US" dirty="0">
+                <a:solidFill>
+                  <a:schemeClr val="tx1"/>
+                </a:solidFill>
+              </a:rPr>
+              <a:t>Bison -</a:t>
+            </a:r>
+          </a:p>
+        </p:txBody>
+      </p:sp>
+      <p:sp>
+        <p:nvSpPr>
+          <p:cNvPr id="19" name="Rectangle 18">
+            <a:extLst>
+              <a:ext uri="{FF2B5EF4-FFF2-40B4-BE49-F238E27FC236}">
+                <a16:creationId xmlns:a16="http://schemas.microsoft.com/office/drawing/2014/main" id="{AC16F8D6-FC4D-15E3-F923-02A7AA7548E6}"/>
+              </a:ext>
+            </a:extLst>
+          </p:cNvPr>
+          <p:cNvSpPr/>
+          <p:nvPr/>
+        </p:nvSpPr>
+        <p:spPr>
+          <a:xfrm>
+            <a:off x="3332298" y="430378"/>
+            <a:ext cx="2304288" cy="1239395"/>
+          </a:xfrm>
+          <a:prstGeom prst="rect">
+            <a:avLst/>
+          </a:prstGeom>
+          <a:noFill/>
+          <a:ln w="88900">
+            <a:solidFill>
+              <a:schemeClr val="tx1">
+                <a:lumMod val="50000"/>
+                <a:lumOff val="50000"/>
+              </a:schemeClr>
+            </a:solidFill>
+          </a:ln>
+        </p:spPr>
+        <p:style>
+          <a:lnRef idx="2">
+            <a:schemeClr val="accent1">
+              <a:shade val="15000"/>
+            </a:schemeClr>
+          </a:lnRef>
+          <a:fillRef idx="1">
+            <a:schemeClr val="accent1"/>
+          </a:fillRef>
+          <a:effectRef idx="0">
+            <a:schemeClr val="accent1"/>
+          </a:effectRef>
+          <a:fontRef idx="minor">
+            <a:schemeClr val="lt1"/>
+          </a:fontRef>
+        </p:style>
+        <p:txBody>
+          <a:bodyPr rtlCol="0" anchor="ctr"/>
+          <a:lstStyle/>
+          <a:p>
+            <a:pPr algn="ctr"/>
+            <a:endParaRPr lang="en-US" dirty="0">
+              <a:solidFill>
+                <a:schemeClr val="tx1"/>
+              </a:solidFill>
+            </a:endParaRPr>
+          </a:p>
+        </p:txBody>
+      </p:sp>
+      <p:sp>
+        <p:nvSpPr>
+          <p:cNvPr id="20" name="Rectangle 19">
+            <a:extLst>
+              <a:ext uri="{FF2B5EF4-FFF2-40B4-BE49-F238E27FC236}">
+                <a16:creationId xmlns:a16="http://schemas.microsoft.com/office/drawing/2014/main" id="{CD7A27D2-FCB9-AFDD-AD91-A7B84855DF0F}"/>
+              </a:ext>
+            </a:extLst>
+          </p:cNvPr>
+          <p:cNvSpPr/>
+          <p:nvPr/>
+        </p:nvSpPr>
+        <p:spPr>
+          <a:xfrm>
+            <a:off x="3331540" y="1669773"/>
+            <a:ext cx="2304288" cy="1239395"/>
+          </a:xfrm>
+          <a:prstGeom prst="rect">
+            <a:avLst/>
+          </a:prstGeom>
+          <a:noFill/>
+          <a:ln w="88900">
+            <a:solidFill>
+              <a:schemeClr val="tx1">
+                <a:lumMod val="50000"/>
+                <a:lumOff val="50000"/>
+              </a:schemeClr>
+            </a:solidFill>
+          </a:ln>
+        </p:spPr>
+        <p:style>
+          <a:lnRef idx="2">
+            <a:schemeClr val="accent1">
+              <a:shade val="15000"/>
+            </a:schemeClr>
+          </a:lnRef>
+          <a:fillRef idx="1">
+            <a:schemeClr val="accent1"/>
+          </a:fillRef>
+          <a:effectRef idx="0">
+            <a:schemeClr val="accent1"/>
+          </a:effectRef>
+          <a:fontRef idx="minor">
+            <a:schemeClr val="lt1"/>
+          </a:fontRef>
+        </p:style>
+        <p:txBody>
+          <a:bodyPr rtlCol="0" anchor="ctr"/>
+          <a:lstStyle/>
+          <a:p>
+            <a:pPr algn="ctr"/>
+            <a:endParaRPr lang="en-US" dirty="0">
+              <a:solidFill>
+                <a:schemeClr val="tx1"/>
+              </a:solidFill>
+            </a:endParaRPr>
+          </a:p>
+        </p:txBody>
+      </p:sp>
+      <p:sp>
+        <p:nvSpPr>
+          <p:cNvPr id="21" name="Rectangle 20">
+            <a:extLst>
+              <a:ext uri="{FF2B5EF4-FFF2-40B4-BE49-F238E27FC236}">
+                <a16:creationId xmlns:a16="http://schemas.microsoft.com/office/drawing/2014/main" id="{AA017993-8CAC-0A05-2767-997F1E83627E}"/>
+              </a:ext>
+            </a:extLst>
+          </p:cNvPr>
+          <p:cNvSpPr/>
+          <p:nvPr/>
+        </p:nvSpPr>
+        <p:spPr>
+          <a:xfrm>
+            <a:off x="6198081" y="430378"/>
+            <a:ext cx="2304288" cy="1239395"/>
+          </a:xfrm>
+          <a:prstGeom prst="rect">
+            <a:avLst/>
+          </a:prstGeom>
+          <a:noFill/>
+          <a:ln w="88900">
+            <a:solidFill>
+              <a:schemeClr val="tx1">
+                <a:lumMod val="50000"/>
+                <a:lumOff val="50000"/>
+              </a:schemeClr>
+            </a:solidFill>
+          </a:ln>
+        </p:spPr>
+        <p:style>
+          <a:lnRef idx="2">
+            <a:schemeClr val="accent1">
+              <a:shade val="15000"/>
+            </a:schemeClr>
+          </a:lnRef>
+          <a:fillRef idx="1">
+            <a:schemeClr val="accent1"/>
+          </a:fillRef>
+          <a:effectRef idx="0">
+            <a:schemeClr val="accent1"/>
+          </a:effectRef>
+          <a:fontRef idx="minor">
+            <a:schemeClr val="lt1"/>
+          </a:fontRef>
+        </p:style>
+        <p:txBody>
+          <a:bodyPr rtlCol="0" anchor="ctr"/>
+          <a:lstStyle/>
+          <a:p>
+            <a:pPr algn="ctr"/>
+            <a:endParaRPr lang="en-US" dirty="0">
+              <a:solidFill>
+                <a:schemeClr val="tx1"/>
+              </a:solidFill>
+            </a:endParaRPr>
+          </a:p>
+        </p:txBody>
+      </p:sp>
+      <p:sp>
+        <p:nvSpPr>
+          <p:cNvPr id="22" name="Rectangle 21">
+            <a:extLst>
+              <a:ext uri="{FF2B5EF4-FFF2-40B4-BE49-F238E27FC236}">
+                <a16:creationId xmlns:a16="http://schemas.microsoft.com/office/drawing/2014/main" id="{7EE68123-E62F-656F-D03F-AC3581512F9E}"/>
+              </a:ext>
+            </a:extLst>
+          </p:cNvPr>
+          <p:cNvSpPr/>
+          <p:nvPr/>
+        </p:nvSpPr>
+        <p:spPr>
+          <a:xfrm>
+            <a:off x="6197323" y="1669773"/>
+            <a:ext cx="2304288" cy="1239395"/>
+          </a:xfrm>
+          <a:prstGeom prst="rect">
+            <a:avLst/>
+          </a:prstGeom>
+          <a:noFill/>
+          <a:ln w="88900">
+            <a:solidFill>
+              <a:schemeClr val="tx1">
+                <a:lumMod val="50000"/>
+                <a:lumOff val="50000"/>
+              </a:schemeClr>
+            </a:solidFill>
+          </a:ln>
+        </p:spPr>
+        <p:style>
+          <a:lnRef idx="2">
+            <a:schemeClr val="accent1">
+              <a:shade val="15000"/>
+            </a:schemeClr>
+          </a:lnRef>
+          <a:fillRef idx="1">
+            <a:schemeClr val="accent1"/>
+          </a:fillRef>
+          <a:effectRef idx="0">
+            <a:schemeClr val="accent1"/>
+          </a:effectRef>
+          <a:fontRef idx="minor">
+            <a:schemeClr val="lt1"/>
+          </a:fontRef>
+        </p:style>
+        <p:txBody>
+          <a:bodyPr rtlCol="0" anchor="ctr"/>
+          <a:lstStyle/>
+          <a:p>
+            <a:pPr algn="ctr"/>
+            <a:endParaRPr lang="en-US" dirty="0">
+              <a:solidFill>
+                <a:schemeClr val="tx1"/>
+              </a:solidFill>
+            </a:endParaRPr>
+          </a:p>
+        </p:txBody>
+      </p:sp>
+      <p:sp>
+        <p:nvSpPr>
+          <p:cNvPr id="36" name="Rectangle 35">
+            <a:extLst>
+              <a:ext uri="{FF2B5EF4-FFF2-40B4-BE49-F238E27FC236}">
+                <a16:creationId xmlns:a16="http://schemas.microsoft.com/office/drawing/2014/main" id="{8F2A59EB-E2A8-866D-41B9-D4F832EC1FD4}"/>
+              </a:ext>
+            </a:extLst>
+          </p:cNvPr>
+          <p:cNvSpPr/>
+          <p:nvPr/>
+        </p:nvSpPr>
+        <p:spPr>
+          <a:xfrm>
+            <a:off x="3426849" y="516250"/>
+            <a:ext cx="1073768" cy="1074001"/>
+          </a:xfrm>
+          <a:prstGeom prst="rect">
+            <a:avLst/>
+          </a:prstGeom>
+          <a:noFill/>
+          <a:ln w="88900">
+            <a:solidFill>
+              <a:schemeClr val="accent1">
+                <a:lumMod val="40000"/>
+                <a:lumOff val="60000"/>
+              </a:schemeClr>
+            </a:solidFill>
+          </a:ln>
+        </p:spPr>
+        <p:style>
+          <a:lnRef idx="2">
+            <a:schemeClr val="accent1">
+              <a:shade val="15000"/>
+            </a:schemeClr>
+          </a:lnRef>
+          <a:fillRef idx="1">
+            <a:schemeClr val="accent1"/>
+          </a:fillRef>
+          <a:effectRef idx="0">
+            <a:schemeClr val="accent1"/>
+          </a:effectRef>
+          <a:fontRef idx="minor">
+            <a:schemeClr val="lt1"/>
+          </a:fontRef>
+        </p:style>
+        <p:txBody>
+          <a:bodyPr rtlCol="0" anchor="ctr"/>
+          <a:lstStyle/>
+          <a:p>
+            <a:r>
+              <a:rPr lang="en-US" dirty="0">
+                <a:solidFill>
+                  <a:schemeClr val="tx1"/>
+                </a:solidFill>
+              </a:rPr>
+              <a:t>Fert +</a:t>
+            </a:r>
+          </a:p>
+        </p:txBody>
+      </p:sp>
+      <p:sp>
+        <p:nvSpPr>
+          <p:cNvPr id="37" name="Rectangle 36">
+            <a:extLst>
+              <a:ext uri="{FF2B5EF4-FFF2-40B4-BE49-F238E27FC236}">
+                <a16:creationId xmlns:a16="http://schemas.microsoft.com/office/drawing/2014/main" id="{ED0C1714-EF06-7D66-8330-CBB8BB7C0EA6}"/>
+              </a:ext>
+            </a:extLst>
+          </p:cNvPr>
+          <p:cNvSpPr/>
+          <p:nvPr/>
+        </p:nvSpPr>
+        <p:spPr>
+          <a:xfrm>
+            <a:off x="4498781" y="516249"/>
+            <a:ext cx="1073768" cy="1074001"/>
+          </a:xfrm>
+          <a:prstGeom prst="rect">
+            <a:avLst/>
+          </a:prstGeom>
+          <a:noFill/>
+          <a:ln w="88900">
+            <a:solidFill>
+              <a:schemeClr val="accent1">
+                <a:lumMod val="40000"/>
+                <a:lumOff val="60000"/>
+              </a:schemeClr>
+            </a:solidFill>
+          </a:ln>
+        </p:spPr>
+        <p:style>
+          <a:lnRef idx="2">
+            <a:schemeClr val="accent1">
+              <a:shade val="15000"/>
+            </a:schemeClr>
+          </a:lnRef>
+          <a:fillRef idx="1">
+            <a:schemeClr val="accent1"/>
+          </a:fillRef>
+          <a:effectRef idx="0">
+            <a:schemeClr val="accent1"/>
+          </a:effectRef>
+          <a:fontRef idx="minor">
+            <a:schemeClr val="lt1"/>
+          </a:fontRef>
+        </p:style>
+        <p:txBody>
+          <a:bodyPr rtlCol="0" anchor="ctr"/>
+          <a:lstStyle/>
+          <a:p>
+            <a:pPr algn="r"/>
+            <a:r>
+              <a:rPr lang="en-US" dirty="0">
+                <a:solidFill>
+                  <a:schemeClr val="tx1"/>
+                </a:solidFill>
+              </a:rPr>
+              <a:t>Fert -</a:t>
+            </a:r>
+          </a:p>
+        </p:txBody>
+      </p:sp>
+      <p:sp>
+        <p:nvSpPr>
+          <p:cNvPr id="38" name="Rectangle 37">
+            <a:extLst>
+              <a:ext uri="{FF2B5EF4-FFF2-40B4-BE49-F238E27FC236}">
+                <a16:creationId xmlns:a16="http://schemas.microsoft.com/office/drawing/2014/main" id="{E8DEEDAD-1948-1EDB-BEA5-AA27C012A6C9}"/>
+              </a:ext>
+            </a:extLst>
+          </p:cNvPr>
+          <p:cNvSpPr/>
+          <p:nvPr/>
+        </p:nvSpPr>
+        <p:spPr>
+          <a:xfrm>
+            <a:off x="3426091" y="1749296"/>
+            <a:ext cx="1073768" cy="1074001"/>
+          </a:xfrm>
+          <a:prstGeom prst="rect">
+            <a:avLst/>
+          </a:prstGeom>
+          <a:noFill/>
+          <a:ln w="88900">
+            <a:solidFill>
+              <a:schemeClr val="accent1">
+                <a:lumMod val="40000"/>
+                <a:lumOff val="60000"/>
+              </a:schemeClr>
+            </a:solidFill>
+          </a:ln>
+        </p:spPr>
+        <p:style>
+          <a:lnRef idx="2">
+            <a:schemeClr val="accent1">
+              <a:shade val="15000"/>
+            </a:schemeClr>
+          </a:lnRef>
+          <a:fillRef idx="1">
+            <a:schemeClr val="accent1"/>
+          </a:fillRef>
+          <a:effectRef idx="0">
+            <a:schemeClr val="accent1"/>
+          </a:effectRef>
+          <a:fontRef idx="minor">
+            <a:schemeClr val="lt1"/>
+          </a:fontRef>
+        </p:style>
+        <p:txBody>
+          <a:bodyPr rtlCol="0" anchor="ctr"/>
+          <a:lstStyle/>
+          <a:p>
+            <a:endParaRPr lang="en-US" dirty="0">
+              <a:solidFill>
+                <a:schemeClr val="tx1"/>
+              </a:solidFill>
+            </a:endParaRPr>
+          </a:p>
+        </p:txBody>
+      </p:sp>
+      <p:sp>
+        <p:nvSpPr>
+          <p:cNvPr id="39" name="Rectangle 38">
+            <a:extLst>
+              <a:ext uri="{FF2B5EF4-FFF2-40B4-BE49-F238E27FC236}">
+                <a16:creationId xmlns:a16="http://schemas.microsoft.com/office/drawing/2014/main" id="{BBDA53D5-016E-6DE5-7DA5-D4091F834854}"/>
+              </a:ext>
+            </a:extLst>
+          </p:cNvPr>
+          <p:cNvSpPr/>
+          <p:nvPr/>
+        </p:nvSpPr>
+        <p:spPr>
+          <a:xfrm>
+            <a:off x="4498023" y="1749295"/>
+            <a:ext cx="1073768" cy="1074001"/>
+          </a:xfrm>
+          <a:prstGeom prst="rect">
+            <a:avLst/>
+          </a:prstGeom>
+          <a:noFill/>
+          <a:ln w="88900">
+            <a:solidFill>
+              <a:schemeClr val="accent1">
+                <a:lumMod val="40000"/>
+                <a:lumOff val="60000"/>
+              </a:schemeClr>
+            </a:solidFill>
+          </a:ln>
+        </p:spPr>
+        <p:style>
+          <a:lnRef idx="2">
+            <a:schemeClr val="accent1">
+              <a:shade val="15000"/>
+            </a:schemeClr>
+          </a:lnRef>
+          <a:fillRef idx="1">
+            <a:schemeClr val="accent1"/>
+          </a:fillRef>
+          <a:effectRef idx="0">
+            <a:schemeClr val="accent1"/>
+          </a:effectRef>
+          <a:fontRef idx="minor">
+            <a:schemeClr val="lt1"/>
+          </a:fontRef>
+        </p:style>
+        <p:txBody>
+          <a:bodyPr rtlCol="0" anchor="ctr"/>
+          <a:lstStyle/>
+          <a:p>
+            <a:pPr algn="r"/>
+            <a:endParaRPr lang="en-US" dirty="0">
+              <a:solidFill>
+                <a:schemeClr val="tx1"/>
+              </a:solidFill>
+            </a:endParaRPr>
+          </a:p>
+        </p:txBody>
+      </p:sp>
+      <p:sp>
+        <p:nvSpPr>
+          <p:cNvPr id="40" name="Rectangle 39">
+            <a:extLst>
+              <a:ext uri="{FF2B5EF4-FFF2-40B4-BE49-F238E27FC236}">
+                <a16:creationId xmlns:a16="http://schemas.microsoft.com/office/drawing/2014/main" id="{03BAC1D4-74CF-9A7A-207F-022CE286BD26}"/>
+              </a:ext>
+            </a:extLst>
+          </p:cNvPr>
+          <p:cNvSpPr/>
+          <p:nvPr/>
+        </p:nvSpPr>
+        <p:spPr>
+          <a:xfrm>
+            <a:off x="6272051" y="516248"/>
+            <a:ext cx="1073768" cy="1074001"/>
+          </a:xfrm>
+          <a:prstGeom prst="rect">
+            <a:avLst/>
+          </a:prstGeom>
+          <a:noFill/>
+          <a:ln w="88900">
+            <a:solidFill>
+              <a:schemeClr val="accent1">
+                <a:lumMod val="40000"/>
+                <a:lumOff val="60000"/>
+              </a:schemeClr>
+            </a:solidFill>
+          </a:ln>
+        </p:spPr>
+        <p:style>
+          <a:lnRef idx="2">
+            <a:schemeClr val="accent1">
+              <a:shade val="15000"/>
+            </a:schemeClr>
+          </a:lnRef>
+          <a:fillRef idx="1">
+            <a:schemeClr val="accent1"/>
+          </a:fillRef>
+          <a:effectRef idx="0">
+            <a:schemeClr val="accent1"/>
+          </a:effectRef>
+          <a:fontRef idx="minor">
+            <a:schemeClr val="lt1"/>
+          </a:fontRef>
+        </p:style>
+        <p:txBody>
+          <a:bodyPr rtlCol="0" anchor="ctr"/>
+          <a:lstStyle/>
+          <a:p>
+            <a:endParaRPr lang="en-US" dirty="0">
+              <a:solidFill>
+                <a:schemeClr val="tx1"/>
+              </a:solidFill>
+            </a:endParaRPr>
+          </a:p>
+        </p:txBody>
+      </p:sp>
+      <p:sp>
+        <p:nvSpPr>
+          <p:cNvPr id="52" name="Rectangle 51">
+            <a:extLst>
+              <a:ext uri="{FF2B5EF4-FFF2-40B4-BE49-F238E27FC236}">
+                <a16:creationId xmlns:a16="http://schemas.microsoft.com/office/drawing/2014/main" id="{17E9CABF-ED2D-4A43-AE2B-6F994261B3E7}"/>
+              </a:ext>
+            </a:extLst>
+          </p:cNvPr>
+          <p:cNvSpPr/>
+          <p:nvPr/>
+        </p:nvSpPr>
+        <p:spPr>
+          <a:xfrm>
+            <a:off x="7357235" y="516247"/>
+            <a:ext cx="1073768" cy="1074001"/>
+          </a:xfrm>
+          <a:prstGeom prst="rect">
+            <a:avLst/>
+          </a:prstGeom>
+          <a:noFill/>
+          <a:ln w="88900">
+            <a:solidFill>
+              <a:schemeClr val="accent1">
+                <a:lumMod val="40000"/>
+                <a:lumOff val="60000"/>
+              </a:schemeClr>
+            </a:solidFill>
+          </a:ln>
+        </p:spPr>
+        <p:style>
+          <a:lnRef idx="2">
+            <a:schemeClr val="accent1">
+              <a:shade val="15000"/>
+            </a:schemeClr>
+          </a:lnRef>
+          <a:fillRef idx="1">
+            <a:schemeClr val="accent1"/>
+          </a:fillRef>
+          <a:effectRef idx="0">
+            <a:schemeClr val="accent1"/>
+          </a:effectRef>
+          <a:fontRef idx="minor">
+            <a:schemeClr val="lt1"/>
+          </a:fontRef>
+        </p:style>
+        <p:txBody>
+          <a:bodyPr rtlCol="0" anchor="ctr"/>
+          <a:lstStyle/>
+          <a:p>
+            <a:pPr algn="r"/>
+            <a:endParaRPr lang="en-US" dirty="0">
+              <a:solidFill>
+                <a:schemeClr val="tx1"/>
+              </a:solidFill>
+            </a:endParaRPr>
+          </a:p>
+        </p:txBody>
+      </p:sp>
+      <p:sp>
+        <p:nvSpPr>
+          <p:cNvPr id="53" name="Rectangle 52">
+            <a:extLst>
+              <a:ext uri="{FF2B5EF4-FFF2-40B4-BE49-F238E27FC236}">
+                <a16:creationId xmlns:a16="http://schemas.microsoft.com/office/drawing/2014/main" id="{6FDA3A25-A335-2AE8-006D-27140D94A6EA}"/>
+              </a:ext>
+            </a:extLst>
+          </p:cNvPr>
+          <p:cNvSpPr/>
+          <p:nvPr/>
+        </p:nvSpPr>
+        <p:spPr>
+          <a:xfrm>
+            <a:off x="6276103" y="1749295"/>
+            <a:ext cx="1073768" cy="1074001"/>
+          </a:xfrm>
+          <a:prstGeom prst="rect">
+            <a:avLst/>
+          </a:prstGeom>
+          <a:noFill/>
+          <a:ln w="88900">
+            <a:solidFill>
+              <a:schemeClr val="accent1">
+                <a:lumMod val="40000"/>
+                <a:lumOff val="60000"/>
+              </a:schemeClr>
+            </a:solidFill>
+          </a:ln>
+        </p:spPr>
+        <p:style>
+          <a:lnRef idx="2">
+            <a:schemeClr val="accent1">
+              <a:shade val="15000"/>
+            </a:schemeClr>
+          </a:lnRef>
+          <a:fillRef idx="1">
+            <a:schemeClr val="accent1"/>
+          </a:fillRef>
+          <a:effectRef idx="0">
+            <a:schemeClr val="accent1"/>
+          </a:effectRef>
+          <a:fontRef idx="minor">
+            <a:schemeClr val="lt1"/>
+          </a:fontRef>
+        </p:style>
+        <p:txBody>
+          <a:bodyPr rtlCol="0" anchor="ctr"/>
+          <a:lstStyle/>
+          <a:p>
+            <a:endParaRPr lang="en-US" dirty="0">
+              <a:solidFill>
+                <a:schemeClr val="tx1"/>
+              </a:solidFill>
+            </a:endParaRPr>
+          </a:p>
+        </p:txBody>
+      </p:sp>
+      <p:sp>
+        <p:nvSpPr>
+          <p:cNvPr id="54" name="Rectangle 53">
+            <a:extLst>
+              <a:ext uri="{FF2B5EF4-FFF2-40B4-BE49-F238E27FC236}">
+                <a16:creationId xmlns:a16="http://schemas.microsoft.com/office/drawing/2014/main" id="{C33DF750-6DE9-DAA7-1EDF-94BB8FBD2D2B}"/>
+              </a:ext>
+            </a:extLst>
+          </p:cNvPr>
+          <p:cNvSpPr/>
+          <p:nvPr/>
+        </p:nvSpPr>
+        <p:spPr>
+          <a:xfrm>
+            <a:off x="7361287" y="1749294"/>
+            <a:ext cx="1073768" cy="1074001"/>
+          </a:xfrm>
+          <a:prstGeom prst="rect">
+            <a:avLst/>
+          </a:prstGeom>
+          <a:noFill/>
+          <a:ln w="88900">
+            <a:solidFill>
+              <a:schemeClr val="accent1">
+                <a:lumMod val="40000"/>
+                <a:lumOff val="60000"/>
+              </a:schemeClr>
+            </a:solidFill>
+          </a:ln>
+        </p:spPr>
+        <p:style>
+          <a:lnRef idx="2">
+            <a:schemeClr val="accent1">
+              <a:shade val="15000"/>
+            </a:schemeClr>
+          </a:lnRef>
+          <a:fillRef idx="1">
+            <a:schemeClr val="accent1"/>
+          </a:fillRef>
+          <a:effectRef idx="0">
+            <a:schemeClr val="accent1"/>
+          </a:effectRef>
+          <a:fontRef idx="minor">
+            <a:schemeClr val="lt1"/>
+          </a:fontRef>
+        </p:style>
+        <p:txBody>
+          <a:bodyPr rtlCol="0" anchor="ctr"/>
+          <a:lstStyle/>
+          <a:p>
+            <a:pPr algn="r"/>
+            <a:endParaRPr lang="en-US" dirty="0">
+              <a:solidFill>
+                <a:schemeClr val="tx1"/>
+              </a:solidFill>
+            </a:endParaRPr>
+          </a:p>
+        </p:txBody>
+      </p:sp>
+      <p:sp>
+        <p:nvSpPr>
+          <p:cNvPr id="55" name="Rectangle 54">
+            <a:extLst>
+              <a:ext uri="{FF2B5EF4-FFF2-40B4-BE49-F238E27FC236}">
+                <a16:creationId xmlns:a16="http://schemas.microsoft.com/office/drawing/2014/main" id="{C79B34B6-FA39-7064-4C44-E85EB6A17FA3}"/>
+              </a:ext>
+            </a:extLst>
+          </p:cNvPr>
+          <p:cNvSpPr/>
+          <p:nvPr/>
+        </p:nvSpPr>
+        <p:spPr>
+          <a:xfrm>
+            <a:off x="7438299" y="1823224"/>
+            <a:ext cx="932688" cy="331304"/>
+          </a:xfrm>
+          <a:prstGeom prst="rect">
+            <a:avLst/>
+          </a:prstGeom>
+          <a:noFill/>
+          <a:ln w="63500">
+            <a:solidFill>
+              <a:schemeClr val="accent2"/>
+            </a:solidFill>
+          </a:ln>
+        </p:spPr>
+        <p:style>
+          <a:lnRef idx="2">
+            <a:schemeClr val="accent1">
+              <a:shade val="15000"/>
+            </a:schemeClr>
+          </a:lnRef>
+          <a:fillRef idx="1">
+            <a:schemeClr val="accent1"/>
+          </a:fillRef>
+          <a:effectRef idx="0">
+            <a:schemeClr val="accent1"/>
+          </a:effectRef>
+          <a:fontRef idx="minor">
+            <a:schemeClr val="lt1"/>
+          </a:fontRef>
+        </p:style>
+        <p:txBody>
+          <a:bodyPr rtlCol="0" anchor="ctr"/>
+          <a:lstStyle/>
+          <a:p>
+            <a:pPr algn="ctr"/>
+            <a:endParaRPr lang="en-US" sz="1500" dirty="0">
+              <a:solidFill>
+                <a:schemeClr val="tx1"/>
+              </a:solidFill>
+            </a:endParaRPr>
+          </a:p>
+        </p:txBody>
+      </p:sp>
+      <p:sp>
+        <p:nvSpPr>
+          <p:cNvPr id="56" name="Rectangle 55">
+            <a:extLst>
+              <a:ext uri="{FF2B5EF4-FFF2-40B4-BE49-F238E27FC236}">
+                <a16:creationId xmlns:a16="http://schemas.microsoft.com/office/drawing/2014/main" id="{5798604F-E2B2-C351-769D-60A5C3BCD7B9}"/>
+              </a:ext>
+            </a:extLst>
+          </p:cNvPr>
+          <p:cNvSpPr/>
+          <p:nvPr/>
+        </p:nvSpPr>
+        <p:spPr>
+          <a:xfrm>
+            <a:off x="7437928" y="2153478"/>
+            <a:ext cx="932688" cy="331304"/>
+          </a:xfrm>
+          <a:prstGeom prst="rect">
+            <a:avLst/>
+          </a:prstGeom>
+          <a:noFill/>
+          <a:ln w="63500">
+            <a:solidFill>
+              <a:schemeClr val="accent2"/>
+            </a:solidFill>
+          </a:ln>
+        </p:spPr>
+        <p:style>
+          <a:lnRef idx="2">
+            <a:schemeClr val="accent1">
+              <a:shade val="15000"/>
+            </a:schemeClr>
+          </a:lnRef>
+          <a:fillRef idx="1">
+            <a:schemeClr val="accent1"/>
+          </a:fillRef>
+          <a:effectRef idx="0">
+            <a:schemeClr val="accent1"/>
+          </a:effectRef>
+          <a:fontRef idx="minor">
+            <a:schemeClr val="lt1"/>
+          </a:fontRef>
+        </p:style>
+        <p:txBody>
+          <a:bodyPr rtlCol="0" anchor="ctr"/>
+          <a:lstStyle/>
+          <a:p>
+            <a:pPr algn="ctr"/>
+            <a:endParaRPr lang="en-US" sz="1500" dirty="0">
+              <a:solidFill>
+                <a:schemeClr val="tx1"/>
+              </a:solidFill>
+            </a:endParaRPr>
+          </a:p>
+        </p:txBody>
+      </p:sp>
+      <p:sp>
+        <p:nvSpPr>
+          <p:cNvPr id="57" name="Rectangle 56">
+            <a:extLst>
+              <a:ext uri="{FF2B5EF4-FFF2-40B4-BE49-F238E27FC236}">
+                <a16:creationId xmlns:a16="http://schemas.microsoft.com/office/drawing/2014/main" id="{0292C4BF-775F-9C5C-6B6D-9F7DEDB16E2F}"/>
+              </a:ext>
+            </a:extLst>
+          </p:cNvPr>
+          <p:cNvSpPr/>
+          <p:nvPr/>
+        </p:nvSpPr>
+        <p:spPr>
+          <a:xfrm>
+            <a:off x="7438299" y="2462466"/>
+            <a:ext cx="932688" cy="331304"/>
+          </a:xfrm>
+          <a:prstGeom prst="rect">
+            <a:avLst/>
+          </a:prstGeom>
+          <a:noFill/>
+          <a:ln w="63500">
+            <a:solidFill>
+              <a:schemeClr val="accent2"/>
+            </a:solidFill>
+          </a:ln>
+        </p:spPr>
+        <p:style>
+          <a:lnRef idx="2">
+            <a:schemeClr val="accent1">
+              <a:shade val="15000"/>
+            </a:schemeClr>
+          </a:lnRef>
+          <a:fillRef idx="1">
+            <a:schemeClr val="accent1"/>
+          </a:fillRef>
+          <a:effectRef idx="0">
+            <a:schemeClr val="accent1"/>
+          </a:effectRef>
+          <a:fontRef idx="minor">
+            <a:schemeClr val="lt1"/>
+          </a:fontRef>
+        </p:style>
+        <p:txBody>
+          <a:bodyPr rtlCol="0" anchor="ctr"/>
+          <a:lstStyle/>
+          <a:p>
+            <a:pPr algn="ctr"/>
+            <a:endParaRPr lang="en-US" sz="1500" dirty="0">
+              <a:solidFill>
+                <a:schemeClr val="tx1"/>
+              </a:solidFill>
+            </a:endParaRPr>
+          </a:p>
+        </p:txBody>
+      </p:sp>
+      <p:sp>
+        <p:nvSpPr>
+          <p:cNvPr id="62" name="Rectangle 61">
+            <a:extLst>
+              <a:ext uri="{FF2B5EF4-FFF2-40B4-BE49-F238E27FC236}">
+                <a16:creationId xmlns:a16="http://schemas.microsoft.com/office/drawing/2014/main" id="{EBFE22FB-EDA2-C032-4FCC-509422C4AEF1}"/>
+              </a:ext>
+            </a:extLst>
+          </p:cNvPr>
+          <p:cNvSpPr/>
+          <p:nvPr/>
+        </p:nvSpPr>
+        <p:spPr>
+          <a:xfrm>
+            <a:off x="6362043" y="1799380"/>
+            <a:ext cx="932688" cy="331304"/>
+          </a:xfrm>
+          <a:prstGeom prst="rect">
+            <a:avLst/>
+          </a:prstGeom>
+          <a:noFill/>
+          <a:ln w="63500">
+            <a:solidFill>
+              <a:schemeClr val="accent2"/>
+            </a:solidFill>
+          </a:ln>
+        </p:spPr>
+        <p:style>
+          <a:lnRef idx="2">
+            <a:schemeClr val="accent1">
+              <a:shade val="15000"/>
+            </a:schemeClr>
+          </a:lnRef>
+          <a:fillRef idx="1">
+            <a:schemeClr val="accent1"/>
+          </a:fillRef>
+          <a:effectRef idx="0">
+            <a:schemeClr val="accent1"/>
+          </a:effectRef>
+          <a:fontRef idx="minor">
+            <a:schemeClr val="lt1"/>
+          </a:fontRef>
+        </p:style>
+        <p:txBody>
+          <a:bodyPr rtlCol="0" anchor="ctr"/>
+          <a:lstStyle/>
+          <a:p>
+            <a:pPr algn="ctr"/>
+            <a:endParaRPr lang="en-US" sz="1500" dirty="0">
+              <a:solidFill>
+                <a:schemeClr val="tx1"/>
+              </a:solidFill>
+            </a:endParaRPr>
+          </a:p>
+        </p:txBody>
+      </p:sp>
+      <p:sp>
+        <p:nvSpPr>
+          <p:cNvPr id="63" name="Rectangle 62">
+            <a:extLst>
+              <a:ext uri="{FF2B5EF4-FFF2-40B4-BE49-F238E27FC236}">
+                <a16:creationId xmlns:a16="http://schemas.microsoft.com/office/drawing/2014/main" id="{F9026BE7-5190-87B1-5E1C-32F61F340D27}"/>
+              </a:ext>
+            </a:extLst>
+          </p:cNvPr>
+          <p:cNvSpPr/>
+          <p:nvPr/>
+        </p:nvSpPr>
+        <p:spPr>
+          <a:xfrm>
+            <a:off x="6361672" y="2129634"/>
+            <a:ext cx="932688" cy="331304"/>
+          </a:xfrm>
+          <a:prstGeom prst="rect">
+            <a:avLst/>
+          </a:prstGeom>
+          <a:noFill/>
+          <a:ln w="63500">
+            <a:solidFill>
+              <a:schemeClr val="accent2"/>
+            </a:solidFill>
+          </a:ln>
+        </p:spPr>
+        <p:style>
+          <a:lnRef idx="2">
+            <a:schemeClr val="accent1">
+              <a:shade val="15000"/>
+            </a:schemeClr>
+          </a:lnRef>
+          <a:fillRef idx="1">
+            <a:schemeClr val="accent1"/>
+          </a:fillRef>
+          <a:effectRef idx="0">
+            <a:schemeClr val="accent1"/>
+          </a:effectRef>
+          <a:fontRef idx="minor">
+            <a:schemeClr val="lt1"/>
+          </a:fontRef>
+        </p:style>
+        <p:txBody>
+          <a:bodyPr rtlCol="0" anchor="ctr"/>
+          <a:lstStyle/>
+          <a:p>
+            <a:pPr algn="ctr"/>
+            <a:endParaRPr lang="en-US" sz="1500" dirty="0">
+              <a:solidFill>
+                <a:schemeClr val="tx1"/>
+              </a:solidFill>
+            </a:endParaRPr>
+          </a:p>
+        </p:txBody>
+      </p:sp>
+      <p:sp>
+        <p:nvSpPr>
+          <p:cNvPr id="64" name="Rectangle 63">
+            <a:extLst>
+              <a:ext uri="{FF2B5EF4-FFF2-40B4-BE49-F238E27FC236}">
+                <a16:creationId xmlns:a16="http://schemas.microsoft.com/office/drawing/2014/main" id="{B82EFBBB-E59F-9C52-6EFC-14ED94356F2F}"/>
+              </a:ext>
+            </a:extLst>
+          </p:cNvPr>
+          <p:cNvSpPr/>
+          <p:nvPr/>
+        </p:nvSpPr>
+        <p:spPr>
+          <a:xfrm>
+            <a:off x="6362043" y="2438622"/>
+            <a:ext cx="932688" cy="331304"/>
+          </a:xfrm>
+          <a:prstGeom prst="rect">
+            <a:avLst/>
+          </a:prstGeom>
+          <a:noFill/>
+          <a:ln w="63500">
+            <a:solidFill>
+              <a:schemeClr val="accent2"/>
+            </a:solidFill>
+          </a:ln>
+        </p:spPr>
+        <p:style>
+          <a:lnRef idx="2">
+            <a:schemeClr val="accent1">
+              <a:shade val="15000"/>
+            </a:schemeClr>
+          </a:lnRef>
+          <a:fillRef idx="1">
+            <a:schemeClr val="accent1"/>
+          </a:fillRef>
+          <a:effectRef idx="0">
+            <a:schemeClr val="accent1"/>
+          </a:effectRef>
+          <a:fontRef idx="minor">
+            <a:schemeClr val="lt1"/>
+          </a:fontRef>
+        </p:style>
+        <p:txBody>
+          <a:bodyPr rtlCol="0" anchor="ctr"/>
+          <a:lstStyle/>
+          <a:p>
+            <a:pPr algn="ctr"/>
+            <a:endParaRPr lang="en-US" sz="1500" dirty="0">
+              <a:solidFill>
+                <a:schemeClr val="tx1"/>
+              </a:solidFill>
+            </a:endParaRPr>
+          </a:p>
+        </p:txBody>
+      </p:sp>
+      <p:sp>
+        <p:nvSpPr>
+          <p:cNvPr id="65" name="Rectangle 64">
+            <a:extLst>
+              <a:ext uri="{FF2B5EF4-FFF2-40B4-BE49-F238E27FC236}">
+                <a16:creationId xmlns:a16="http://schemas.microsoft.com/office/drawing/2014/main" id="{D89A48C5-542C-26AD-F665-AE670B2379EE}"/>
+              </a:ext>
+            </a:extLst>
+          </p:cNvPr>
+          <p:cNvSpPr/>
+          <p:nvPr/>
+        </p:nvSpPr>
+        <p:spPr>
+          <a:xfrm>
+            <a:off x="6353181" y="585018"/>
+            <a:ext cx="932688" cy="331304"/>
+          </a:xfrm>
+          <a:prstGeom prst="rect">
+            <a:avLst/>
+          </a:prstGeom>
+          <a:noFill/>
+          <a:ln w="63500">
+            <a:solidFill>
+              <a:schemeClr val="accent2"/>
+            </a:solidFill>
+          </a:ln>
+        </p:spPr>
+        <p:style>
+          <a:lnRef idx="2">
+            <a:schemeClr val="accent1">
+              <a:shade val="15000"/>
+            </a:schemeClr>
+          </a:lnRef>
+          <a:fillRef idx="1">
+            <a:schemeClr val="accent1"/>
+          </a:fillRef>
+          <a:effectRef idx="0">
+            <a:schemeClr val="accent1"/>
+          </a:effectRef>
+          <a:fontRef idx="minor">
+            <a:schemeClr val="lt1"/>
+          </a:fontRef>
+        </p:style>
+        <p:txBody>
+          <a:bodyPr rtlCol="0" anchor="ctr"/>
+          <a:lstStyle/>
+          <a:p>
+            <a:pPr algn="ctr"/>
+            <a:r>
+              <a:rPr lang="en-US" sz="1500" dirty="0">
+                <a:solidFill>
+                  <a:schemeClr val="tx1"/>
+                </a:solidFill>
+              </a:rPr>
+              <a:t>H20 Low</a:t>
+            </a:r>
+          </a:p>
+        </p:txBody>
+      </p:sp>
+      <p:sp>
+        <p:nvSpPr>
+          <p:cNvPr id="66" name="Rectangle 65">
+            <a:extLst>
+              <a:ext uri="{FF2B5EF4-FFF2-40B4-BE49-F238E27FC236}">
+                <a16:creationId xmlns:a16="http://schemas.microsoft.com/office/drawing/2014/main" id="{9FE86024-A9FC-C58B-F027-511F18B503DB}"/>
+              </a:ext>
+            </a:extLst>
+          </p:cNvPr>
+          <p:cNvSpPr/>
+          <p:nvPr/>
+        </p:nvSpPr>
+        <p:spPr>
+          <a:xfrm>
+            <a:off x="6352810" y="915272"/>
+            <a:ext cx="932688" cy="331304"/>
+          </a:xfrm>
+          <a:prstGeom prst="rect">
+            <a:avLst/>
+          </a:prstGeom>
+          <a:noFill/>
+          <a:ln w="63500">
+            <a:solidFill>
+              <a:schemeClr val="accent2"/>
+            </a:solidFill>
+          </a:ln>
+        </p:spPr>
+        <p:style>
+          <a:lnRef idx="2">
+            <a:schemeClr val="accent1">
+              <a:shade val="15000"/>
+            </a:schemeClr>
+          </a:lnRef>
+          <a:fillRef idx="1">
+            <a:schemeClr val="accent1"/>
+          </a:fillRef>
+          <a:effectRef idx="0">
+            <a:schemeClr val="accent1"/>
+          </a:effectRef>
+          <a:fontRef idx="minor">
+            <a:schemeClr val="lt1"/>
+          </a:fontRef>
+        </p:style>
+        <p:txBody>
+          <a:bodyPr rtlCol="0" anchor="ctr"/>
+          <a:lstStyle/>
+          <a:p>
+            <a:pPr algn="ctr"/>
+            <a:r>
+              <a:rPr lang="en-US" sz="1500" dirty="0">
+                <a:solidFill>
+                  <a:schemeClr val="tx1"/>
+                </a:solidFill>
+              </a:rPr>
+              <a:t>H20 Med</a:t>
+            </a:r>
+          </a:p>
+        </p:txBody>
+      </p:sp>
+      <p:sp>
+        <p:nvSpPr>
+          <p:cNvPr id="67" name="Rectangle 66">
+            <a:extLst>
+              <a:ext uri="{FF2B5EF4-FFF2-40B4-BE49-F238E27FC236}">
+                <a16:creationId xmlns:a16="http://schemas.microsoft.com/office/drawing/2014/main" id="{D6DC624D-3008-1FF3-D7D0-94AF4846121F}"/>
+              </a:ext>
+            </a:extLst>
+          </p:cNvPr>
+          <p:cNvSpPr/>
+          <p:nvPr/>
+        </p:nvSpPr>
+        <p:spPr>
+          <a:xfrm>
+            <a:off x="6353181" y="1224260"/>
+            <a:ext cx="932688" cy="331304"/>
+          </a:xfrm>
+          <a:prstGeom prst="rect">
+            <a:avLst/>
+          </a:prstGeom>
+          <a:noFill/>
+          <a:ln w="63500">
+            <a:solidFill>
+              <a:schemeClr val="accent2"/>
+            </a:solidFill>
+          </a:ln>
+        </p:spPr>
+        <p:style>
+          <a:lnRef idx="2">
+            <a:schemeClr val="accent1">
+              <a:shade val="15000"/>
+            </a:schemeClr>
+          </a:lnRef>
+          <a:fillRef idx="1">
+            <a:schemeClr val="accent1"/>
+          </a:fillRef>
+          <a:effectRef idx="0">
+            <a:schemeClr val="accent1"/>
+          </a:effectRef>
+          <a:fontRef idx="minor">
+            <a:schemeClr val="lt1"/>
+          </a:fontRef>
+        </p:style>
+        <p:txBody>
+          <a:bodyPr rtlCol="0" anchor="ctr"/>
+          <a:lstStyle/>
+          <a:p>
+            <a:pPr algn="ctr"/>
+            <a:r>
+              <a:rPr lang="en-US" sz="1500" dirty="0">
+                <a:solidFill>
+                  <a:schemeClr val="tx1"/>
+                </a:solidFill>
+              </a:rPr>
+              <a:t>H20 Hi</a:t>
+            </a:r>
+          </a:p>
+        </p:txBody>
+      </p:sp>
+      <p:sp>
+        <p:nvSpPr>
+          <p:cNvPr id="68" name="Rectangle 67">
+            <a:extLst>
+              <a:ext uri="{FF2B5EF4-FFF2-40B4-BE49-F238E27FC236}">
+                <a16:creationId xmlns:a16="http://schemas.microsoft.com/office/drawing/2014/main" id="{F6FB5D49-6E8B-B69C-4780-A0D35F137076}"/>
+              </a:ext>
+            </a:extLst>
+          </p:cNvPr>
+          <p:cNvSpPr/>
+          <p:nvPr/>
+        </p:nvSpPr>
+        <p:spPr>
+          <a:xfrm>
+            <a:off x="7426578" y="585017"/>
+            <a:ext cx="932688" cy="331304"/>
+          </a:xfrm>
+          <a:prstGeom prst="rect">
+            <a:avLst/>
+          </a:prstGeom>
+          <a:noFill/>
+          <a:ln w="63500">
+            <a:solidFill>
+              <a:schemeClr val="accent2"/>
+            </a:solidFill>
+          </a:ln>
+        </p:spPr>
+        <p:style>
+          <a:lnRef idx="2">
+            <a:schemeClr val="accent1">
+              <a:shade val="15000"/>
+            </a:schemeClr>
+          </a:lnRef>
+          <a:fillRef idx="1">
+            <a:schemeClr val="accent1"/>
+          </a:fillRef>
+          <a:effectRef idx="0">
+            <a:schemeClr val="accent1"/>
+          </a:effectRef>
+          <a:fontRef idx="minor">
+            <a:schemeClr val="lt1"/>
+          </a:fontRef>
+        </p:style>
+        <p:txBody>
+          <a:bodyPr rtlCol="0" anchor="ctr"/>
+          <a:lstStyle/>
+          <a:p>
+            <a:pPr algn="ctr"/>
+            <a:endParaRPr lang="en-US" sz="1500" dirty="0">
+              <a:solidFill>
+                <a:schemeClr val="tx1"/>
+              </a:solidFill>
+            </a:endParaRPr>
+          </a:p>
+        </p:txBody>
+      </p:sp>
+      <p:sp>
+        <p:nvSpPr>
+          <p:cNvPr id="69" name="Rectangle 68">
+            <a:extLst>
+              <a:ext uri="{FF2B5EF4-FFF2-40B4-BE49-F238E27FC236}">
+                <a16:creationId xmlns:a16="http://schemas.microsoft.com/office/drawing/2014/main" id="{85047750-C01B-A10B-FA30-4F2098A441F7}"/>
+              </a:ext>
+            </a:extLst>
+          </p:cNvPr>
+          <p:cNvSpPr/>
+          <p:nvPr/>
+        </p:nvSpPr>
+        <p:spPr>
+          <a:xfrm>
+            <a:off x="7426207" y="915271"/>
+            <a:ext cx="932688" cy="331304"/>
+          </a:xfrm>
+          <a:prstGeom prst="rect">
+            <a:avLst/>
+          </a:prstGeom>
+          <a:noFill/>
+          <a:ln w="63500">
+            <a:solidFill>
+              <a:schemeClr val="accent2"/>
+            </a:solidFill>
+          </a:ln>
+        </p:spPr>
+        <p:style>
+          <a:lnRef idx="2">
+            <a:schemeClr val="accent1">
+              <a:shade val="15000"/>
+            </a:schemeClr>
+          </a:lnRef>
+          <a:fillRef idx="1">
+            <a:schemeClr val="accent1"/>
+          </a:fillRef>
+          <a:effectRef idx="0">
+            <a:schemeClr val="accent1"/>
+          </a:effectRef>
+          <a:fontRef idx="minor">
+            <a:schemeClr val="lt1"/>
+          </a:fontRef>
+        </p:style>
+        <p:txBody>
+          <a:bodyPr rtlCol="0" anchor="ctr"/>
+          <a:lstStyle/>
+          <a:p>
+            <a:pPr algn="ctr"/>
+            <a:endParaRPr lang="en-US" sz="1500" dirty="0">
+              <a:solidFill>
+                <a:schemeClr val="tx1"/>
+              </a:solidFill>
+            </a:endParaRPr>
+          </a:p>
+        </p:txBody>
+      </p:sp>
+      <p:sp>
+        <p:nvSpPr>
+          <p:cNvPr id="70" name="Rectangle 69">
+            <a:extLst>
+              <a:ext uri="{FF2B5EF4-FFF2-40B4-BE49-F238E27FC236}">
+                <a16:creationId xmlns:a16="http://schemas.microsoft.com/office/drawing/2014/main" id="{140E7F9A-9E4B-8A14-D98E-D56564115CB7}"/>
+              </a:ext>
+            </a:extLst>
+          </p:cNvPr>
+          <p:cNvSpPr/>
+          <p:nvPr/>
+        </p:nvSpPr>
+        <p:spPr>
+          <a:xfrm>
+            <a:off x="7426578" y="1224259"/>
+            <a:ext cx="932688" cy="331304"/>
+          </a:xfrm>
+          <a:prstGeom prst="rect">
+            <a:avLst/>
+          </a:prstGeom>
+          <a:noFill/>
+          <a:ln w="63500">
+            <a:solidFill>
+              <a:schemeClr val="accent2"/>
+            </a:solidFill>
+          </a:ln>
+        </p:spPr>
+        <p:style>
+          <a:lnRef idx="2">
+            <a:schemeClr val="accent1">
+              <a:shade val="15000"/>
+            </a:schemeClr>
+          </a:lnRef>
+          <a:fillRef idx="1">
+            <a:schemeClr val="accent1"/>
+          </a:fillRef>
+          <a:effectRef idx="0">
+            <a:schemeClr val="accent1"/>
+          </a:effectRef>
+          <a:fontRef idx="minor">
+            <a:schemeClr val="lt1"/>
+          </a:fontRef>
+        </p:style>
+        <p:txBody>
+          <a:bodyPr rtlCol="0" anchor="ctr"/>
+          <a:lstStyle/>
+          <a:p>
+            <a:pPr algn="ctr"/>
+            <a:endParaRPr lang="en-US" sz="1500" dirty="0">
+              <a:solidFill>
+                <a:schemeClr val="tx1"/>
+              </a:solidFill>
+            </a:endParaRPr>
+          </a:p>
+        </p:txBody>
+      </p:sp>
+      <p:sp>
+        <p:nvSpPr>
+          <p:cNvPr id="73" name="Rectangle 72">
+            <a:extLst>
+              <a:ext uri="{FF2B5EF4-FFF2-40B4-BE49-F238E27FC236}">
+                <a16:creationId xmlns:a16="http://schemas.microsoft.com/office/drawing/2014/main" id="{AE2CF462-A8A9-0EC4-364B-0E200B0CA489}"/>
+              </a:ext>
+            </a:extLst>
+          </p:cNvPr>
+          <p:cNvSpPr/>
+          <p:nvPr/>
+        </p:nvSpPr>
+        <p:spPr>
+          <a:xfrm>
+            <a:off x="9527954" y="344216"/>
+            <a:ext cx="2475202" cy="2651113"/>
+          </a:xfrm>
+          <a:prstGeom prst="rect">
+            <a:avLst/>
+          </a:prstGeom>
+          <a:noFill/>
+          <a:ln w="88900"/>
+        </p:spPr>
+        <p:style>
+          <a:lnRef idx="2">
+            <a:schemeClr val="accent1">
+              <a:shade val="15000"/>
+            </a:schemeClr>
+          </a:lnRef>
+          <a:fillRef idx="1">
+            <a:schemeClr val="accent1"/>
+          </a:fillRef>
+          <a:effectRef idx="0">
+            <a:schemeClr val="accent1"/>
+          </a:effectRef>
+          <a:fontRef idx="minor">
+            <a:schemeClr val="lt1"/>
+          </a:fontRef>
+        </p:style>
+        <p:txBody>
+          <a:bodyPr rtlCol="0" anchor="ctr"/>
+          <a:lstStyle/>
+          <a:p>
+            <a:pPr algn="ctr"/>
+            <a:endParaRPr lang="en-US"/>
+          </a:p>
+        </p:txBody>
+      </p:sp>
+      <p:sp>
+        <p:nvSpPr>
+          <p:cNvPr id="74" name="Rectangle 73">
+            <a:extLst>
+              <a:ext uri="{FF2B5EF4-FFF2-40B4-BE49-F238E27FC236}">
+                <a16:creationId xmlns:a16="http://schemas.microsoft.com/office/drawing/2014/main" id="{A287931B-AE06-C120-39CE-A6942CC34D03}"/>
+              </a:ext>
+            </a:extLst>
+          </p:cNvPr>
+          <p:cNvSpPr/>
+          <p:nvPr/>
+        </p:nvSpPr>
+        <p:spPr>
+          <a:xfrm>
+            <a:off x="9617141" y="430377"/>
+            <a:ext cx="2304288" cy="1239395"/>
+          </a:xfrm>
+          <a:prstGeom prst="rect">
+            <a:avLst/>
+          </a:prstGeom>
+          <a:noFill/>
+          <a:ln w="88900">
+            <a:solidFill>
+              <a:schemeClr val="tx1">
+                <a:lumMod val="50000"/>
+                <a:lumOff val="50000"/>
+              </a:schemeClr>
+            </a:solidFill>
+          </a:ln>
+        </p:spPr>
+        <p:style>
+          <a:lnRef idx="2">
+            <a:schemeClr val="accent1">
+              <a:shade val="15000"/>
+            </a:schemeClr>
+          </a:lnRef>
+          <a:fillRef idx="1">
+            <a:schemeClr val="accent1"/>
+          </a:fillRef>
+          <a:effectRef idx="0">
+            <a:schemeClr val="accent1"/>
+          </a:effectRef>
+          <a:fontRef idx="minor">
+            <a:schemeClr val="lt1"/>
+          </a:fontRef>
+        </p:style>
+        <p:txBody>
+          <a:bodyPr rtlCol="0" anchor="ctr"/>
+          <a:lstStyle/>
+          <a:p>
+            <a:pPr algn="ctr"/>
+            <a:endParaRPr lang="en-US" dirty="0">
+              <a:solidFill>
+                <a:schemeClr val="tx1"/>
+              </a:solidFill>
+            </a:endParaRPr>
+          </a:p>
+        </p:txBody>
+      </p:sp>
+      <p:sp>
+        <p:nvSpPr>
+          <p:cNvPr id="75" name="Rectangle 74">
+            <a:extLst>
+              <a:ext uri="{FF2B5EF4-FFF2-40B4-BE49-F238E27FC236}">
+                <a16:creationId xmlns:a16="http://schemas.microsoft.com/office/drawing/2014/main" id="{E49206BA-07BD-D4E3-62EC-845E691F5DAA}"/>
+              </a:ext>
+            </a:extLst>
+          </p:cNvPr>
+          <p:cNvSpPr/>
+          <p:nvPr/>
+        </p:nvSpPr>
+        <p:spPr>
+          <a:xfrm>
+            <a:off x="9616383" y="1669772"/>
+            <a:ext cx="2304288" cy="1239395"/>
+          </a:xfrm>
+          <a:prstGeom prst="rect">
+            <a:avLst/>
+          </a:prstGeom>
+          <a:noFill/>
+          <a:ln w="88900">
+            <a:solidFill>
+              <a:schemeClr val="tx1">
+                <a:lumMod val="50000"/>
+                <a:lumOff val="50000"/>
+              </a:schemeClr>
+            </a:solidFill>
+          </a:ln>
+        </p:spPr>
+        <p:style>
+          <a:lnRef idx="2">
+            <a:schemeClr val="accent1">
+              <a:shade val="15000"/>
+            </a:schemeClr>
+          </a:lnRef>
+          <a:fillRef idx="1">
+            <a:schemeClr val="accent1"/>
+          </a:fillRef>
+          <a:effectRef idx="0">
+            <a:schemeClr val="accent1"/>
+          </a:effectRef>
+          <a:fontRef idx="minor">
+            <a:schemeClr val="lt1"/>
+          </a:fontRef>
+        </p:style>
+        <p:txBody>
+          <a:bodyPr rtlCol="0" anchor="ctr"/>
+          <a:lstStyle/>
+          <a:p>
+            <a:pPr algn="ctr"/>
+            <a:endParaRPr lang="en-US" dirty="0">
+              <a:solidFill>
+                <a:schemeClr val="tx1"/>
+              </a:solidFill>
+            </a:endParaRPr>
+          </a:p>
+        </p:txBody>
+      </p:sp>
+      <p:sp>
+        <p:nvSpPr>
+          <p:cNvPr id="76" name="Rectangle 75">
+            <a:extLst>
+              <a:ext uri="{FF2B5EF4-FFF2-40B4-BE49-F238E27FC236}">
+                <a16:creationId xmlns:a16="http://schemas.microsoft.com/office/drawing/2014/main" id="{23206CE4-555B-1F89-BDCA-E62B05273BF7}"/>
+              </a:ext>
+            </a:extLst>
+          </p:cNvPr>
+          <p:cNvSpPr/>
+          <p:nvPr/>
+        </p:nvSpPr>
+        <p:spPr>
+          <a:xfrm>
+            <a:off x="9691111" y="516247"/>
+            <a:ext cx="1073768" cy="1074001"/>
+          </a:xfrm>
+          <a:prstGeom prst="rect">
+            <a:avLst/>
+          </a:prstGeom>
+          <a:noFill/>
+          <a:ln w="88900">
+            <a:solidFill>
+              <a:schemeClr val="accent1">
+                <a:lumMod val="40000"/>
+                <a:lumOff val="60000"/>
+              </a:schemeClr>
+            </a:solidFill>
+          </a:ln>
+        </p:spPr>
+        <p:style>
+          <a:lnRef idx="2">
+            <a:schemeClr val="accent1">
+              <a:shade val="15000"/>
+            </a:schemeClr>
+          </a:lnRef>
+          <a:fillRef idx="1">
+            <a:schemeClr val="accent1"/>
+          </a:fillRef>
+          <a:effectRef idx="0">
+            <a:schemeClr val="accent1"/>
+          </a:effectRef>
+          <a:fontRef idx="minor">
+            <a:schemeClr val="lt1"/>
+          </a:fontRef>
+        </p:style>
+        <p:txBody>
+          <a:bodyPr rtlCol="0" anchor="ctr"/>
+          <a:lstStyle/>
+          <a:p>
+            <a:endParaRPr lang="en-US" dirty="0">
+              <a:solidFill>
+                <a:schemeClr val="tx1"/>
+              </a:solidFill>
+            </a:endParaRPr>
+          </a:p>
+        </p:txBody>
+      </p:sp>
+      <p:sp>
+        <p:nvSpPr>
+          <p:cNvPr id="77" name="Rectangle 76">
+            <a:extLst>
+              <a:ext uri="{FF2B5EF4-FFF2-40B4-BE49-F238E27FC236}">
+                <a16:creationId xmlns:a16="http://schemas.microsoft.com/office/drawing/2014/main" id="{B1B55339-8BE3-CA5A-9BB6-8BAD71151D5A}"/>
+              </a:ext>
+            </a:extLst>
+          </p:cNvPr>
+          <p:cNvSpPr/>
+          <p:nvPr/>
+        </p:nvSpPr>
+        <p:spPr>
+          <a:xfrm>
+            <a:off x="10776295" y="516246"/>
+            <a:ext cx="1073768" cy="1074001"/>
+          </a:xfrm>
+          <a:prstGeom prst="rect">
+            <a:avLst/>
+          </a:prstGeom>
+          <a:noFill/>
+          <a:ln w="88900">
+            <a:solidFill>
+              <a:schemeClr val="accent1">
+                <a:lumMod val="40000"/>
+                <a:lumOff val="60000"/>
+              </a:schemeClr>
+            </a:solidFill>
+          </a:ln>
+        </p:spPr>
+        <p:style>
+          <a:lnRef idx="2">
+            <a:schemeClr val="accent1">
+              <a:shade val="15000"/>
+            </a:schemeClr>
+          </a:lnRef>
+          <a:fillRef idx="1">
+            <a:schemeClr val="accent1"/>
+          </a:fillRef>
+          <a:effectRef idx="0">
+            <a:schemeClr val="accent1"/>
+          </a:effectRef>
+          <a:fontRef idx="minor">
+            <a:schemeClr val="lt1"/>
+          </a:fontRef>
+        </p:style>
+        <p:txBody>
+          <a:bodyPr rtlCol="0" anchor="ctr"/>
+          <a:lstStyle/>
+          <a:p>
+            <a:pPr algn="r"/>
+            <a:endParaRPr lang="en-US" dirty="0">
+              <a:solidFill>
+                <a:schemeClr val="tx1"/>
+              </a:solidFill>
+            </a:endParaRPr>
+          </a:p>
+        </p:txBody>
+      </p:sp>
+      <p:sp>
+        <p:nvSpPr>
+          <p:cNvPr id="78" name="Rectangle 77">
+            <a:extLst>
+              <a:ext uri="{FF2B5EF4-FFF2-40B4-BE49-F238E27FC236}">
+                <a16:creationId xmlns:a16="http://schemas.microsoft.com/office/drawing/2014/main" id="{89B0BD43-83F8-3464-09FA-79FC700F6011}"/>
+              </a:ext>
+            </a:extLst>
+          </p:cNvPr>
+          <p:cNvSpPr/>
+          <p:nvPr/>
+        </p:nvSpPr>
+        <p:spPr>
+          <a:xfrm>
+            <a:off x="9695163" y="1749294"/>
+            <a:ext cx="1073768" cy="1074001"/>
+          </a:xfrm>
+          <a:prstGeom prst="rect">
+            <a:avLst/>
+          </a:prstGeom>
+          <a:noFill/>
+          <a:ln w="88900">
+            <a:solidFill>
+              <a:schemeClr val="accent1">
+                <a:lumMod val="40000"/>
+                <a:lumOff val="60000"/>
+              </a:schemeClr>
+            </a:solidFill>
+          </a:ln>
+        </p:spPr>
+        <p:style>
+          <a:lnRef idx="2">
+            <a:schemeClr val="accent1">
+              <a:shade val="15000"/>
+            </a:schemeClr>
+          </a:lnRef>
+          <a:fillRef idx="1">
+            <a:schemeClr val="accent1"/>
+          </a:fillRef>
+          <a:effectRef idx="0">
+            <a:schemeClr val="accent1"/>
+          </a:effectRef>
+          <a:fontRef idx="minor">
+            <a:schemeClr val="lt1"/>
+          </a:fontRef>
+        </p:style>
+        <p:txBody>
+          <a:bodyPr rtlCol="0" anchor="ctr"/>
+          <a:lstStyle/>
+          <a:p>
+            <a:endParaRPr lang="en-US" dirty="0">
+              <a:solidFill>
+                <a:schemeClr val="tx1"/>
+              </a:solidFill>
+            </a:endParaRPr>
+          </a:p>
+        </p:txBody>
+      </p:sp>
+      <p:sp>
+        <p:nvSpPr>
+          <p:cNvPr id="79" name="Rectangle 78">
+            <a:extLst>
+              <a:ext uri="{FF2B5EF4-FFF2-40B4-BE49-F238E27FC236}">
+                <a16:creationId xmlns:a16="http://schemas.microsoft.com/office/drawing/2014/main" id="{751F02F5-7C3C-E983-EF88-B5BC104A65D2}"/>
+              </a:ext>
+            </a:extLst>
+          </p:cNvPr>
+          <p:cNvSpPr/>
+          <p:nvPr/>
+        </p:nvSpPr>
+        <p:spPr>
+          <a:xfrm>
+            <a:off x="10780347" y="1749293"/>
+            <a:ext cx="1073768" cy="1074001"/>
+          </a:xfrm>
+          <a:prstGeom prst="rect">
+            <a:avLst/>
+          </a:prstGeom>
+          <a:noFill/>
+          <a:ln w="88900">
+            <a:solidFill>
+              <a:schemeClr val="accent1">
+                <a:lumMod val="40000"/>
+                <a:lumOff val="60000"/>
+              </a:schemeClr>
+            </a:solidFill>
+          </a:ln>
+        </p:spPr>
+        <p:style>
+          <a:lnRef idx="2">
+            <a:schemeClr val="accent1">
+              <a:shade val="15000"/>
+            </a:schemeClr>
+          </a:lnRef>
+          <a:fillRef idx="1">
+            <a:schemeClr val="accent1"/>
+          </a:fillRef>
+          <a:effectRef idx="0">
+            <a:schemeClr val="accent1"/>
+          </a:effectRef>
+          <a:fontRef idx="minor">
+            <a:schemeClr val="lt1"/>
+          </a:fontRef>
+        </p:style>
+        <p:txBody>
+          <a:bodyPr rtlCol="0" anchor="ctr"/>
+          <a:lstStyle/>
+          <a:p>
+            <a:pPr algn="r"/>
+            <a:endParaRPr lang="en-US" dirty="0">
+              <a:solidFill>
+                <a:schemeClr val="tx1"/>
+              </a:solidFill>
+            </a:endParaRPr>
+          </a:p>
+        </p:txBody>
+      </p:sp>
+      <p:sp>
+        <p:nvSpPr>
+          <p:cNvPr id="80" name="Rectangle 79">
+            <a:extLst>
+              <a:ext uri="{FF2B5EF4-FFF2-40B4-BE49-F238E27FC236}">
+                <a16:creationId xmlns:a16="http://schemas.microsoft.com/office/drawing/2014/main" id="{70F3C476-EDC2-4F3F-A314-87EA736724F3}"/>
+              </a:ext>
+            </a:extLst>
+          </p:cNvPr>
+          <p:cNvSpPr/>
+          <p:nvPr/>
+        </p:nvSpPr>
+        <p:spPr>
+          <a:xfrm>
+            <a:off x="10857359" y="1823223"/>
+            <a:ext cx="932688" cy="331304"/>
+          </a:xfrm>
+          <a:prstGeom prst="rect">
+            <a:avLst/>
+          </a:prstGeom>
+          <a:noFill/>
+          <a:ln w="63500">
+            <a:solidFill>
+              <a:schemeClr val="accent2"/>
+            </a:solidFill>
+          </a:ln>
+        </p:spPr>
+        <p:style>
+          <a:lnRef idx="2">
+            <a:schemeClr val="accent1">
+              <a:shade val="15000"/>
+            </a:schemeClr>
+          </a:lnRef>
+          <a:fillRef idx="1">
+            <a:schemeClr val="accent1"/>
+          </a:fillRef>
+          <a:effectRef idx="0">
+            <a:schemeClr val="accent1"/>
+          </a:effectRef>
+          <a:fontRef idx="minor">
+            <a:schemeClr val="lt1"/>
+          </a:fontRef>
+        </p:style>
+        <p:txBody>
+          <a:bodyPr rtlCol="0" anchor="ctr"/>
+          <a:lstStyle/>
+          <a:p>
+            <a:pPr algn="ctr"/>
+            <a:endParaRPr lang="en-US" sz="1500" dirty="0">
+              <a:solidFill>
+                <a:schemeClr val="tx1"/>
+              </a:solidFill>
+            </a:endParaRPr>
+          </a:p>
+        </p:txBody>
+      </p:sp>
+      <p:sp>
+        <p:nvSpPr>
+          <p:cNvPr id="81" name="Rectangle 80">
+            <a:extLst>
+              <a:ext uri="{FF2B5EF4-FFF2-40B4-BE49-F238E27FC236}">
+                <a16:creationId xmlns:a16="http://schemas.microsoft.com/office/drawing/2014/main" id="{79151C6C-B81B-FC27-E742-981961AEF7E6}"/>
+              </a:ext>
+            </a:extLst>
+          </p:cNvPr>
+          <p:cNvSpPr/>
+          <p:nvPr/>
+        </p:nvSpPr>
+        <p:spPr>
+          <a:xfrm>
+            <a:off x="10856988" y="2153477"/>
+            <a:ext cx="932688" cy="331304"/>
+          </a:xfrm>
+          <a:prstGeom prst="rect">
+            <a:avLst/>
+          </a:prstGeom>
+          <a:noFill/>
+          <a:ln w="63500">
+            <a:solidFill>
+              <a:schemeClr val="accent2"/>
+            </a:solidFill>
+          </a:ln>
+        </p:spPr>
+        <p:style>
+          <a:lnRef idx="2">
+            <a:schemeClr val="accent1">
+              <a:shade val="15000"/>
+            </a:schemeClr>
+          </a:lnRef>
+          <a:fillRef idx="1">
+            <a:schemeClr val="accent1"/>
+          </a:fillRef>
+          <a:effectRef idx="0">
+            <a:schemeClr val="accent1"/>
+          </a:effectRef>
+          <a:fontRef idx="minor">
+            <a:schemeClr val="lt1"/>
+          </a:fontRef>
+        </p:style>
+        <p:txBody>
+          <a:bodyPr rtlCol="0" anchor="ctr"/>
+          <a:lstStyle/>
+          <a:p>
+            <a:pPr algn="ctr"/>
+            <a:endParaRPr lang="en-US" sz="1500" dirty="0">
+              <a:solidFill>
+                <a:schemeClr val="tx1"/>
+              </a:solidFill>
+            </a:endParaRPr>
+          </a:p>
+        </p:txBody>
+      </p:sp>
+      <p:sp>
+        <p:nvSpPr>
+          <p:cNvPr id="82" name="Rectangle 81">
+            <a:extLst>
+              <a:ext uri="{FF2B5EF4-FFF2-40B4-BE49-F238E27FC236}">
+                <a16:creationId xmlns:a16="http://schemas.microsoft.com/office/drawing/2014/main" id="{74FECEF9-F494-CDF9-0F7C-30DD0C2F4006}"/>
+              </a:ext>
+            </a:extLst>
+          </p:cNvPr>
+          <p:cNvSpPr/>
+          <p:nvPr/>
+        </p:nvSpPr>
+        <p:spPr>
+          <a:xfrm>
+            <a:off x="10857359" y="2462465"/>
+            <a:ext cx="932688" cy="331304"/>
+          </a:xfrm>
+          <a:prstGeom prst="rect">
+            <a:avLst/>
+          </a:prstGeom>
+          <a:noFill/>
+          <a:ln w="63500">
+            <a:solidFill>
+              <a:schemeClr val="accent2"/>
+            </a:solidFill>
+          </a:ln>
+        </p:spPr>
+        <p:style>
+          <a:lnRef idx="2">
+            <a:schemeClr val="accent1">
+              <a:shade val="15000"/>
+            </a:schemeClr>
+          </a:lnRef>
+          <a:fillRef idx="1">
+            <a:schemeClr val="accent1"/>
+          </a:fillRef>
+          <a:effectRef idx="0">
+            <a:schemeClr val="accent1"/>
+          </a:effectRef>
+          <a:fontRef idx="minor">
+            <a:schemeClr val="lt1"/>
+          </a:fontRef>
+        </p:style>
+        <p:txBody>
+          <a:bodyPr rtlCol="0" anchor="ctr"/>
+          <a:lstStyle/>
+          <a:p>
+            <a:pPr algn="ctr"/>
+            <a:endParaRPr lang="en-US" sz="1500" dirty="0">
+              <a:solidFill>
+                <a:schemeClr val="tx1"/>
+              </a:solidFill>
+            </a:endParaRPr>
+          </a:p>
+        </p:txBody>
+      </p:sp>
+      <p:sp>
+        <p:nvSpPr>
+          <p:cNvPr id="83" name="Rectangle 82">
+            <a:extLst>
+              <a:ext uri="{FF2B5EF4-FFF2-40B4-BE49-F238E27FC236}">
+                <a16:creationId xmlns:a16="http://schemas.microsoft.com/office/drawing/2014/main" id="{7059AAB3-4CB3-9B5C-D324-F64E044F3374}"/>
+              </a:ext>
+            </a:extLst>
+          </p:cNvPr>
+          <p:cNvSpPr/>
+          <p:nvPr/>
+        </p:nvSpPr>
+        <p:spPr>
+          <a:xfrm>
+            <a:off x="9781103" y="1799379"/>
+            <a:ext cx="932688" cy="331304"/>
+          </a:xfrm>
+          <a:prstGeom prst="rect">
+            <a:avLst/>
+          </a:prstGeom>
+          <a:noFill/>
+          <a:ln w="63500">
+            <a:solidFill>
+              <a:schemeClr val="accent2"/>
+            </a:solidFill>
+          </a:ln>
+        </p:spPr>
+        <p:style>
+          <a:lnRef idx="2">
+            <a:schemeClr val="accent1">
+              <a:shade val="15000"/>
+            </a:schemeClr>
+          </a:lnRef>
+          <a:fillRef idx="1">
+            <a:schemeClr val="accent1"/>
+          </a:fillRef>
+          <a:effectRef idx="0">
+            <a:schemeClr val="accent1"/>
+          </a:effectRef>
+          <a:fontRef idx="minor">
+            <a:schemeClr val="lt1"/>
+          </a:fontRef>
+        </p:style>
+        <p:txBody>
+          <a:bodyPr rtlCol="0" anchor="ctr"/>
+          <a:lstStyle/>
+          <a:p>
+            <a:pPr algn="ctr"/>
+            <a:endParaRPr lang="en-US" sz="1500" dirty="0">
+              <a:solidFill>
+                <a:schemeClr val="tx1"/>
+              </a:solidFill>
+            </a:endParaRPr>
+          </a:p>
+        </p:txBody>
+      </p:sp>
+      <p:sp>
+        <p:nvSpPr>
+          <p:cNvPr id="84" name="Rectangle 83">
+            <a:extLst>
+              <a:ext uri="{FF2B5EF4-FFF2-40B4-BE49-F238E27FC236}">
+                <a16:creationId xmlns:a16="http://schemas.microsoft.com/office/drawing/2014/main" id="{EC922770-6D95-92CE-E03A-03C91748E65D}"/>
+              </a:ext>
+            </a:extLst>
+          </p:cNvPr>
+          <p:cNvSpPr/>
+          <p:nvPr/>
+        </p:nvSpPr>
+        <p:spPr>
+          <a:xfrm>
+            <a:off x="9780732" y="2129633"/>
+            <a:ext cx="932688" cy="331304"/>
+          </a:xfrm>
+          <a:prstGeom prst="rect">
+            <a:avLst/>
+          </a:prstGeom>
+          <a:noFill/>
+          <a:ln w="63500">
+            <a:solidFill>
+              <a:schemeClr val="accent2"/>
+            </a:solidFill>
+          </a:ln>
+        </p:spPr>
+        <p:style>
+          <a:lnRef idx="2">
+            <a:schemeClr val="accent1">
+              <a:shade val="15000"/>
+            </a:schemeClr>
+          </a:lnRef>
+          <a:fillRef idx="1">
+            <a:schemeClr val="accent1"/>
+          </a:fillRef>
+          <a:effectRef idx="0">
+            <a:schemeClr val="accent1"/>
+          </a:effectRef>
+          <a:fontRef idx="minor">
+            <a:schemeClr val="lt1"/>
+          </a:fontRef>
+        </p:style>
+        <p:txBody>
+          <a:bodyPr rtlCol="0" anchor="ctr"/>
+          <a:lstStyle/>
+          <a:p>
+            <a:pPr algn="ctr"/>
+            <a:endParaRPr lang="en-US" sz="1500" dirty="0">
+              <a:solidFill>
+                <a:schemeClr val="tx1"/>
+              </a:solidFill>
+            </a:endParaRPr>
+          </a:p>
+        </p:txBody>
+      </p:sp>
+      <p:sp>
+        <p:nvSpPr>
+          <p:cNvPr id="85" name="Rectangle 84">
+            <a:extLst>
+              <a:ext uri="{FF2B5EF4-FFF2-40B4-BE49-F238E27FC236}">
+                <a16:creationId xmlns:a16="http://schemas.microsoft.com/office/drawing/2014/main" id="{77864B5F-7333-D860-7B8A-225AE1E9FD6E}"/>
+              </a:ext>
+            </a:extLst>
+          </p:cNvPr>
+          <p:cNvSpPr/>
+          <p:nvPr/>
+        </p:nvSpPr>
+        <p:spPr>
+          <a:xfrm>
+            <a:off x="9781103" y="2438621"/>
+            <a:ext cx="932688" cy="331304"/>
+          </a:xfrm>
+          <a:prstGeom prst="rect">
+            <a:avLst/>
+          </a:prstGeom>
+          <a:noFill/>
+          <a:ln w="63500">
+            <a:solidFill>
+              <a:schemeClr val="accent2"/>
+            </a:solidFill>
+          </a:ln>
+        </p:spPr>
+        <p:style>
+          <a:lnRef idx="2">
+            <a:schemeClr val="accent1">
+              <a:shade val="15000"/>
+            </a:schemeClr>
+          </a:lnRef>
+          <a:fillRef idx="1">
+            <a:schemeClr val="accent1"/>
+          </a:fillRef>
+          <a:effectRef idx="0">
+            <a:schemeClr val="accent1"/>
+          </a:effectRef>
+          <a:fontRef idx="minor">
+            <a:schemeClr val="lt1"/>
+          </a:fontRef>
+        </p:style>
+        <p:txBody>
+          <a:bodyPr rtlCol="0" anchor="ctr"/>
+          <a:lstStyle/>
+          <a:p>
+            <a:pPr algn="ctr"/>
+            <a:endParaRPr lang="en-US" sz="1500" dirty="0">
+              <a:solidFill>
+                <a:schemeClr val="tx1"/>
+              </a:solidFill>
+            </a:endParaRPr>
+          </a:p>
+        </p:txBody>
+      </p:sp>
+      <p:sp>
+        <p:nvSpPr>
+          <p:cNvPr id="86" name="Rectangle 85">
+            <a:extLst>
+              <a:ext uri="{FF2B5EF4-FFF2-40B4-BE49-F238E27FC236}">
+                <a16:creationId xmlns:a16="http://schemas.microsoft.com/office/drawing/2014/main" id="{7EA2D53F-CC04-578C-96E5-C16AF23F53A0}"/>
+              </a:ext>
+            </a:extLst>
+          </p:cNvPr>
+          <p:cNvSpPr/>
+          <p:nvPr/>
+        </p:nvSpPr>
+        <p:spPr>
+          <a:xfrm>
+            <a:off x="9772241" y="585017"/>
+            <a:ext cx="932688" cy="331304"/>
+          </a:xfrm>
+          <a:prstGeom prst="rect">
+            <a:avLst/>
+          </a:prstGeom>
+          <a:noFill/>
+          <a:ln w="63500">
+            <a:solidFill>
+              <a:schemeClr val="accent2"/>
+            </a:solidFill>
+          </a:ln>
+        </p:spPr>
+        <p:style>
+          <a:lnRef idx="2">
+            <a:schemeClr val="accent1">
+              <a:shade val="15000"/>
+            </a:schemeClr>
+          </a:lnRef>
+          <a:fillRef idx="1">
+            <a:schemeClr val="accent1"/>
+          </a:fillRef>
+          <a:effectRef idx="0">
+            <a:schemeClr val="accent1"/>
+          </a:effectRef>
+          <a:fontRef idx="minor">
+            <a:schemeClr val="lt1"/>
+          </a:fontRef>
+        </p:style>
+        <p:txBody>
+          <a:bodyPr rtlCol="0" anchor="ctr"/>
+          <a:lstStyle/>
+          <a:p>
+            <a:pPr algn="ctr"/>
+            <a:endParaRPr lang="en-US" sz="1500" dirty="0">
+              <a:solidFill>
+                <a:schemeClr val="tx1"/>
+              </a:solidFill>
+            </a:endParaRPr>
+          </a:p>
+        </p:txBody>
+      </p:sp>
+      <p:sp>
+        <p:nvSpPr>
+          <p:cNvPr id="87" name="Rectangle 86">
+            <a:extLst>
+              <a:ext uri="{FF2B5EF4-FFF2-40B4-BE49-F238E27FC236}">
+                <a16:creationId xmlns:a16="http://schemas.microsoft.com/office/drawing/2014/main" id="{C0DC332F-4843-A75B-B10B-8E9005EEF3CD}"/>
+              </a:ext>
+            </a:extLst>
+          </p:cNvPr>
+          <p:cNvSpPr/>
+          <p:nvPr/>
+        </p:nvSpPr>
+        <p:spPr>
+          <a:xfrm>
+            <a:off x="9771870" y="915271"/>
+            <a:ext cx="932688" cy="331304"/>
+          </a:xfrm>
+          <a:prstGeom prst="rect">
+            <a:avLst/>
+          </a:prstGeom>
+          <a:noFill/>
+          <a:ln w="63500">
+            <a:solidFill>
+              <a:schemeClr val="accent2"/>
+            </a:solidFill>
+          </a:ln>
+        </p:spPr>
+        <p:style>
+          <a:lnRef idx="2">
+            <a:schemeClr val="accent1">
+              <a:shade val="15000"/>
+            </a:schemeClr>
+          </a:lnRef>
+          <a:fillRef idx="1">
+            <a:schemeClr val="accent1"/>
+          </a:fillRef>
+          <a:effectRef idx="0">
+            <a:schemeClr val="accent1"/>
+          </a:effectRef>
+          <a:fontRef idx="minor">
+            <a:schemeClr val="lt1"/>
+          </a:fontRef>
+        </p:style>
+        <p:txBody>
+          <a:bodyPr rtlCol="0" anchor="ctr"/>
+          <a:lstStyle/>
+          <a:p>
+            <a:pPr algn="ctr"/>
+            <a:endParaRPr lang="en-US" sz="1500" dirty="0">
+              <a:solidFill>
+                <a:schemeClr val="tx1"/>
+              </a:solidFill>
+            </a:endParaRPr>
+          </a:p>
+        </p:txBody>
+      </p:sp>
+      <p:sp>
+        <p:nvSpPr>
+          <p:cNvPr id="88" name="Rectangle 87">
+            <a:extLst>
+              <a:ext uri="{FF2B5EF4-FFF2-40B4-BE49-F238E27FC236}">
+                <a16:creationId xmlns:a16="http://schemas.microsoft.com/office/drawing/2014/main" id="{CA01D4B2-8DD3-1678-92CC-39876291F827}"/>
+              </a:ext>
+            </a:extLst>
+          </p:cNvPr>
+          <p:cNvSpPr/>
+          <p:nvPr/>
+        </p:nvSpPr>
+        <p:spPr>
+          <a:xfrm>
+            <a:off x="9772241" y="1224259"/>
+            <a:ext cx="932688" cy="331304"/>
+          </a:xfrm>
+          <a:prstGeom prst="rect">
+            <a:avLst/>
+          </a:prstGeom>
+          <a:noFill/>
+          <a:ln w="63500">
+            <a:solidFill>
+              <a:schemeClr val="accent2"/>
+            </a:solidFill>
+          </a:ln>
+        </p:spPr>
+        <p:style>
+          <a:lnRef idx="2">
+            <a:schemeClr val="accent1">
+              <a:shade val="15000"/>
+            </a:schemeClr>
+          </a:lnRef>
+          <a:fillRef idx="1">
+            <a:schemeClr val="accent1"/>
+          </a:fillRef>
+          <a:effectRef idx="0">
+            <a:schemeClr val="accent1"/>
+          </a:effectRef>
+          <a:fontRef idx="minor">
+            <a:schemeClr val="lt1"/>
+          </a:fontRef>
+        </p:style>
+        <p:txBody>
+          <a:bodyPr rtlCol="0" anchor="ctr"/>
+          <a:lstStyle/>
+          <a:p>
+            <a:pPr algn="ctr"/>
+            <a:endParaRPr lang="en-US" sz="1500" dirty="0">
+              <a:solidFill>
+                <a:schemeClr val="tx1"/>
+              </a:solidFill>
+            </a:endParaRPr>
+          </a:p>
+        </p:txBody>
+      </p:sp>
+      <p:sp>
+        <p:nvSpPr>
+          <p:cNvPr id="89" name="Rectangle 88">
+            <a:extLst>
+              <a:ext uri="{FF2B5EF4-FFF2-40B4-BE49-F238E27FC236}">
+                <a16:creationId xmlns:a16="http://schemas.microsoft.com/office/drawing/2014/main" id="{90FAAE86-EF48-4814-B375-4286C2A23EE3}"/>
+              </a:ext>
+            </a:extLst>
+          </p:cNvPr>
+          <p:cNvSpPr/>
+          <p:nvPr/>
+        </p:nvSpPr>
+        <p:spPr>
+          <a:xfrm>
+            <a:off x="10845638" y="585016"/>
+            <a:ext cx="932688" cy="331304"/>
+          </a:xfrm>
+          <a:prstGeom prst="rect">
+            <a:avLst/>
+          </a:prstGeom>
+          <a:noFill/>
+          <a:ln w="63500">
+            <a:solidFill>
+              <a:schemeClr val="accent2"/>
+            </a:solidFill>
+          </a:ln>
+        </p:spPr>
+        <p:style>
+          <a:lnRef idx="2">
+            <a:schemeClr val="accent1">
+              <a:shade val="15000"/>
+            </a:schemeClr>
+          </a:lnRef>
+          <a:fillRef idx="1">
+            <a:schemeClr val="accent1"/>
+          </a:fillRef>
+          <a:effectRef idx="0">
+            <a:schemeClr val="accent1"/>
+          </a:effectRef>
+          <a:fontRef idx="minor">
+            <a:schemeClr val="lt1"/>
+          </a:fontRef>
+        </p:style>
+        <p:txBody>
+          <a:bodyPr rtlCol="0" anchor="ctr"/>
+          <a:lstStyle/>
+          <a:p>
+            <a:pPr algn="ctr"/>
+            <a:endParaRPr lang="en-US" sz="1500" dirty="0">
+              <a:solidFill>
+                <a:schemeClr val="tx1"/>
+              </a:solidFill>
+            </a:endParaRPr>
+          </a:p>
+        </p:txBody>
+      </p:sp>
+      <p:sp>
+        <p:nvSpPr>
+          <p:cNvPr id="90" name="Rectangle 89">
+            <a:extLst>
+              <a:ext uri="{FF2B5EF4-FFF2-40B4-BE49-F238E27FC236}">
+                <a16:creationId xmlns:a16="http://schemas.microsoft.com/office/drawing/2014/main" id="{D0F1A408-C96C-A9E7-4785-4181049A3E79}"/>
+              </a:ext>
+            </a:extLst>
+          </p:cNvPr>
+          <p:cNvSpPr/>
+          <p:nvPr/>
+        </p:nvSpPr>
+        <p:spPr>
+          <a:xfrm>
+            <a:off x="10845267" y="915270"/>
+            <a:ext cx="932688" cy="331304"/>
+          </a:xfrm>
+          <a:prstGeom prst="rect">
+            <a:avLst/>
+          </a:prstGeom>
+          <a:noFill/>
+          <a:ln w="63500">
+            <a:solidFill>
+              <a:schemeClr val="accent2"/>
+            </a:solidFill>
+          </a:ln>
+        </p:spPr>
+        <p:style>
+          <a:lnRef idx="2">
+            <a:schemeClr val="accent1">
+              <a:shade val="15000"/>
+            </a:schemeClr>
+          </a:lnRef>
+          <a:fillRef idx="1">
+            <a:schemeClr val="accent1"/>
+          </a:fillRef>
+          <a:effectRef idx="0">
+            <a:schemeClr val="accent1"/>
+          </a:effectRef>
+          <a:fontRef idx="minor">
+            <a:schemeClr val="lt1"/>
+          </a:fontRef>
+        </p:style>
+        <p:txBody>
+          <a:bodyPr rtlCol="0" anchor="ctr"/>
+          <a:lstStyle/>
+          <a:p>
+            <a:pPr algn="ctr"/>
+            <a:endParaRPr lang="en-US" sz="1500" dirty="0">
+              <a:solidFill>
+                <a:schemeClr val="tx1"/>
+              </a:solidFill>
+            </a:endParaRPr>
+          </a:p>
+        </p:txBody>
+      </p:sp>
+      <p:sp>
+        <p:nvSpPr>
+          <p:cNvPr id="91" name="Rectangle 90">
+            <a:extLst>
+              <a:ext uri="{FF2B5EF4-FFF2-40B4-BE49-F238E27FC236}">
+                <a16:creationId xmlns:a16="http://schemas.microsoft.com/office/drawing/2014/main" id="{2BF401F1-B0D8-CD5B-2D9C-F3ACCFE6676D}"/>
+              </a:ext>
+            </a:extLst>
+          </p:cNvPr>
+          <p:cNvSpPr/>
+          <p:nvPr/>
+        </p:nvSpPr>
+        <p:spPr>
+          <a:xfrm>
+            <a:off x="10845638" y="1224258"/>
+            <a:ext cx="932688" cy="331304"/>
+          </a:xfrm>
+          <a:prstGeom prst="rect">
+            <a:avLst/>
+          </a:prstGeom>
+          <a:noFill/>
+          <a:ln w="63500">
+            <a:solidFill>
+              <a:schemeClr val="accent2"/>
+            </a:solidFill>
+          </a:ln>
+        </p:spPr>
+        <p:style>
+          <a:lnRef idx="2">
+            <a:schemeClr val="accent1">
+              <a:shade val="15000"/>
+            </a:schemeClr>
+          </a:lnRef>
+          <a:fillRef idx="1">
+            <a:schemeClr val="accent1"/>
+          </a:fillRef>
+          <a:effectRef idx="0">
+            <a:schemeClr val="accent1"/>
+          </a:effectRef>
+          <a:fontRef idx="minor">
+            <a:schemeClr val="lt1"/>
+          </a:fontRef>
+        </p:style>
+        <p:txBody>
+          <a:bodyPr rtlCol="0" anchor="ctr"/>
+          <a:lstStyle/>
+          <a:p>
+            <a:pPr algn="ctr"/>
+            <a:endParaRPr lang="en-US" sz="1500" dirty="0">
+              <a:solidFill>
+                <a:schemeClr val="tx1"/>
+              </a:solidFill>
+            </a:endParaRPr>
+          </a:p>
+        </p:txBody>
+      </p:sp>
+      <p:sp>
+        <p:nvSpPr>
+          <p:cNvPr id="92" name="Rectangle 91">
+            <a:extLst>
+              <a:ext uri="{FF2B5EF4-FFF2-40B4-BE49-F238E27FC236}">
+                <a16:creationId xmlns:a16="http://schemas.microsoft.com/office/drawing/2014/main" id="{B98E8CB1-3B83-7051-F020-15A64A324258}"/>
+              </a:ext>
+            </a:extLst>
+          </p:cNvPr>
+          <p:cNvSpPr/>
+          <p:nvPr/>
+        </p:nvSpPr>
+        <p:spPr>
+          <a:xfrm>
+            <a:off x="9817124" y="635102"/>
+            <a:ext cx="388596" cy="226799"/>
+          </a:xfrm>
+          <a:prstGeom prst="rect">
+            <a:avLst/>
+          </a:prstGeom>
+          <a:noFill/>
+          <a:ln w="63500">
+            <a:solidFill>
+              <a:schemeClr val="accent6">
+                <a:lumMod val="60000"/>
+                <a:lumOff val="40000"/>
+              </a:schemeClr>
+            </a:solidFill>
+          </a:ln>
+        </p:spPr>
+        <p:style>
+          <a:lnRef idx="2">
+            <a:schemeClr val="accent1">
+              <a:shade val="15000"/>
+            </a:schemeClr>
+          </a:lnRef>
+          <a:fillRef idx="1">
+            <a:schemeClr val="accent1"/>
+          </a:fillRef>
+          <a:effectRef idx="0">
+            <a:schemeClr val="accent1"/>
+          </a:effectRef>
+          <a:fontRef idx="minor">
+            <a:schemeClr val="lt1"/>
+          </a:fontRef>
+        </p:style>
+        <p:txBody>
+          <a:bodyPr rtlCol="0" anchor="ctr"/>
+          <a:lstStyle/>
+          <a:p>
+            <a:pPr algn="ctr"/>
+            <a:r>
+              <a:rPr lang="en-US" sz="1200" dirty="0">
+                <a:solidFill>
+                  <a:schemeClr val="tx1"/>
+                </a:solidFill>
+              </a:rPr>
+              <a:t>P -</a:t>
+            </a:r>
+          </a:p>
+        </p:txBody>
+      </p:sp>
+      <p:sp>
+        <p:nvSpPr>
+          <p:cNvPr id="93" name="Rectangle 92">
+            <a:extLst>
+              <a:ext uri="{FF2B5EF4-FFF2-40B4-BE49-F238E27FC236}">
+                <a16:creationId xmlns:a16="http://schemas.microsoft.com/office/drawing/2014/main" id="{A841506B-F854-0ACF-D7E3-2DAB41E3A3F6}"/>
+              </a:ext>
+            </a:extLst>
+          </p:cNvPr>
+          <p:cNvSpPr/>
+          <p:nvPr/>
+        </p:nvSpPr>
+        <p:spPr>
+          <a:xfrm>
+            <a:off x="10261026" y="635102"/>
+            <a:ext cx="388596" cy="226799"/>
+          </a:xfrm>
+          <a:prstGeom prst="rect">
+            <a:avLst/>
+          </a:prstGeom>
+          <a:noFill/>
+          <a:ln w="63500">
+            <a:solidFill>
+              <a:schemeClr val="accent6">
+                <a:lumMod val="60000"/>
+                <a:lumOff val="40000"/>
+              </a:schemeClr>
+            </a:solidFill>
+          </a:ln>
+        </p:spPr>
+        <p:style>
+          <a:lnRef idx="2">
+            <a:schemeClr val="accent1">
+              <a:shade val="15000"/>
+            </a:schemeClr>
+          </a:lnRef>
+          <a:fillRef idx="1">
+            <a:schemeClr val="accent1"/>
+          </a:fillRef>
+          <a:effectRef idx="0">
+            <a:schemeClr val="accent1"/>
+          </a:effectRef>
+          <a:fontRef idx="minor">
+            <a:schemeClr val="lt1"/>
+          </a:fontRef>
+        </p:style>
+        <p:txBody>
+          <a:bodyPr rtlCol="0" anchor="ctr"/>
+          <a:lstStyle/>
+          <a:p>
+            <a:pPr algn="ctr"/>
+            <a:r>
+              <a:rPr lang="en-US" sz="1200" dirty="0">
+                <a:solidFill>
+                  <a:schemeClr val="tx1"/>
+                </a:solidFill>
+              </a:rPr>
+              <a:t>P +</a:t>
+            </a:r>
+          </a:p>
+        </p:txBody>
+      </p:sp>
+      <p:sp>
+        <p:nvSpPr>
+          <p:cNvPr id="94" name="Rectangle 93">
+            <a:extLst>
+              <a:ext uri="{FF2B5EF4-FFF2-40B4-BE49-F238E27FC236}">
+                <a16:creationId xmlns:a16="http://schemas.microsoft.com/office/drawing/2014/main" id="{4ECE2C3A-D0E6-6676-6489-BD5BBA196FCE}"/>
+              </a:ext>
+            </a:extLst>
+          </p:cNvPr>
+          <p:cNvSpPr/>
+          <p:nvPr/>
+        </p:nvSpPr>
+        <p:spPr>
+          <a:xfrm>
+            <a:off x="9817124" y="957968"/>
+            <a:ext cx="388596" cy="226799"/>
+          </a:xfrm>
+          <a:prstGeom prst="rect">
+            <a:avLst/>
+          </a:prstGeom>
+          <a:noFill/>
+          <a:ln w="63500">
+            <a:solidFill>
+              <a:schemeClr val="accent6">
+                <a:lumMod val="60000"/>
+                <a:lumOff val="40000"/>
+              </a:schemeClr>
+            </a:solidFill>
+          </a:ln>
+        </p:spPr>
+        <p:style>
+          <a:lnRef idx="2">
+            <a:schemeClr val="accent1">
+              <a:shade val="15000"/>
+            </a:schemeClr>
+          </a:lnRef>
+          <a:fillRef idx="1">
+            <a:schemeClr val="accent1"/>
+          </a:fillRef>
+          <a:effectRef idx="0">
+            <a:schemeClr val="accent1"/>
+          </a:effectRef>
+          <a:fontRef idx="minor">
+            <a:schemeClr val="lt1"/>
+          </a:fontRef>
+        </p:style>
+        <p:txBody>
+          <a:bodyPr rtlCol="0" anchor="ctr"/>
+          <a:lstStyle/>
+          <a:p>
+            <a:pPr algn="ctr"/>
+            <a:endParaRPr lang="en-US" sz="1500" dirty="0">
+              <a:solidFill>
+                <a:schemeClr val="tx1"/>
+              </a:solidFill>
+            </a:endParaRPr>
+          </a:p>
+        </p:txBody>
+      </p:sp>
+      <p:sp>
+        <p:nvSpPr>
+          <p:cNvPr id="95" name="Rectangle 94">
+            <a:extLst>
+              <a:ext uri="{FF2B5EF4-FFF2-40B4-BE49-F238E27FC236}">
+                <a16:creationId xmlns:a16="http://schemas.microsoft.com/office/drawing/2014/main" id="{D168FF9C-72FA-6080-FE74-4B4D0027BEFE}"/>
+              </a:ext>
+            </a:extLst>
+          </p:cNvPr>
+          <p:cNvSpPr/>
+          <p:nvPr/>
+        </p:nvSpPr>
+        <p:spPr>
+          <a:xfrm>
+            <a:off x="10261026" y="957968"/>
+            <a:ext cx="388596" cy="226799"/>
+          </a:xfrm>
+          <a:prstGeom prst="rect">
+            <a:avLst/>
+          </a:prstGeom>
+          <a:noFill/>
+          <a:ln w="63500">
+            <a:solidFill>
+              <a:schemeClr val="accent6">
+                <a:lumMod val="60000"/>
+                <a:lumOff val="40000"/>
+              </a:schemeClr>
+            </a:solidFill>
+          </a:ln>
+        </p:spPr>
+        <p:style>
+          <a:lnRef idx="2">
+            <a:schemeClr val="accent1">
+              <a:shade val="15000"/>
+            </a:schemeClr>
+          </a:lnRef>
+          <a:fillRef idx="1">
+            <a:schemeClr val="accent1"/>
+          </a:fillRef>
+          <a:effectRef idx="0">
+            <a:schemeClr val="accent1"/>
+          </a:effectRef>
+          <a:fontRef idx="minor">
+            <a:schemeClr val="lt1"/>
+          </a:fontRef>
+        </p:style>
+        <p:txBody>
+          <a:bodyPr rtlCol="0" anchor="ctr"/>
+          <a:lstStyle/>
+          <a:p>
+            <a:pPr algn="ctr"/>
+            <a:endParaRPr lang="en-US" sz="1500" dirty="0">
+              <a:solidFill>
+                <a:schemeClr val="tx1"/>
+              </a:solidFill>
+            </a:endParaRPr>
+          </a:p>
+        </p:txBody>
+      </p:sp>
+      <p:sp>
+        <p:nvSpPr>
+          <p:cNvPr id="96" name="Rectangle 95">
+            <a:extLst>
+              <a:ext uri="{FF2B5EF4-FFF2-40B4-BE49-F238E27FC236}">
+                <a16:creationId xmlns:a16="http://schemas.microsoft.com/office/drawing/2014/main" id="{3EB604EC-975B-468B-1E7C-8C21103C306D}"/>
+              </a:ext>
+            </a:extLst>
+          </p:cNvPr>
+          <p:cNvSpPr/>
+          <p:nvPr/>
+        </p:nvSpPr>
+        <p:spPr>
+          <a:xfrm>
+            <a:off x="9817124" y="1288222"/>
+            <a:ext cx="388596" cy="226799"/>
+          </a:xfrm>
+          <a:prstGeom prst="rect">
+            <a:avLst/>
+          </a:prstGeom>
+          <a:noFill/>
+          <a:ln w="63500">
+            <a:solidFill>
+              <a:schemeClr val="accent6">
+                <a:lumMod val="60000"/>
+                <a:lumOff val="40000"/>
+              </a:schemeClr>
+            </a:solidFill>
+          </a:ln>
+        </p:spPr>
+        <p:style>
+          <a:lnRef idx="2">
+            <a:schemeClr val="accent1">
+              <a:shade val="15000"/>
+            </a:schemeClr>
+          </a:lnRef>
+          <a:fillRef idx="1">
+            <a:schemeClr val="accent1"/>
+          </a:fillRef>
+          <a:effectRef idx="0">
+            <a:schemeClr val="accent1"/>
+          </a:effectRef>
+          <a:fontRef idx="minor">
+            <a:schemeClr val="lt1"/>
+          </a:fontRef>
+        </p:style>
+        <p:txBody>
+          <a:bodyPr rtlCol="0" anchor="ctr"/>
+          <a:lstStyle/>
+          <a:p>
+            <a:pPr algn="ctr"/>
+            <a:endParaRPr lang="en-US" sz="1500" dirty="0">
+              <a:solidFill>
+                <a:schemeClr val="tx1"/>
+              </a:solidFill>
+            </a:endParaRPr>
+          </a:p>
+        </p:txBody>
+      </p:sp>
+      <p:sp>
+        <p:nvSpPr>
+          <p:cNvPr id="97" name="Rectangle 96">
+            <a:extLst>
+              <a:ext uri="{FF2B5EF4-FFF2-40B4-BE49-F238E27FC236}">
+                <a16:creationId xmlns:a16="http://schemas.microsoft.com/office/drawing/2014/main" id="{AA446250-2022-B9DA-51CB-E1BDC0BD47B5}"/>
+              </a:ext>
+            </a:extLst>
+          </p:cNvPr>
+          <p:cNvSpPr/>
+          <p:nvPr/>
+        </p:nvSpPr>
+        <p:spPr>
+          <a:xfrm>
+            <a:off x="10261026" y="1288222"/>
+            <a:ext cx="388596" cy="226799"/>
+          </a:xfrm>
+          <a:prstGeom prst="rect">
+            <a:avLst/>
+          </a:prstGeom>
+          <a:noFill/>
+          <a:ln w="63500">
+            <a:solidFill>
+              <a:schemeClr val="accent6">
+                <a:lumMod val="60000"/>
+                <a:lumOff val="40000"/>
+              </a:schemeClr>
+            </a:solidFill>
+          </a:ln>
+        </p:spPr>
+        <p:style>
+          <a:lnRef idx="2">
+            <a:schemeClr val="accent1">
+              <a:shade val="15000"/>
+            </a:schemeClr>
+          </a:lnRef>
+          <a:fillRef idx="1">
+            <a:schemeClr val="accent1"/>
+          </a:fillRef>
+          <a:effectRef idx="0">
+            <a:schemeClr val="accent1"/>
+          </a:effectRef>
+          <a:fontRef idx="minor">
+            <a:schemeClr val="lt1"/>
+          </a:fontRef>
+        </p:style>
+        <p:txBody>
+          <a:bodyPr rtlCol="0" anchor="ctr"/>
+          <a:lstStyle/>
+          <a:p>
+            <a:pPr algn="ctr"/>
+            <a:endParaRPr lang="en-US" sz="1500" dirty="0">
+              <a:solidFill>
+                <a:schemeClr val="tx1"/>
+              </a:solidFill>
+            </a:endParaRPr>
+          </a:p>
+        </p:txBody>
+      </p:sp>
+      <p:sp>
+        <p:nvSpPr>
+          <p:cNvPr id="98" name="Rectangle 97">
+            <a:extLst>
+              <a:ext uri="{FF2B5EF4-FFF2-40B4-BE49-F238E27FC236}">
+                <a16:creationId xmlns:a16="http://schemas.microsoft.com/office/drawing/2014/main" id="{8FB90201-7A17-D7E6-3B11-B95D482D229F}"/>
+              </a:ext>
+            </a:extLst>
+          </p:cNvPr>
+          <p:cNvSpPr/>
+          <p:nvPr/>
+        </p:nvSpPr>
+        <p:spPr>
+          <a:xfrm>
+            <a:off x="9817124" y="1841997"/>
+            <a:ext cx="388596" cy="226799"/>
+          </a:xfrm>
+          <a:prstGeom prst="rect">
+            <a:avLst/>
+          </a:prstGeom>
+          <a:noFill/>
+          <a:ln w="63500">
+            <a:solidFill>
+              <a:schemeClr val="accent6">
+                <a:lumMod val="60000"/>
+                <a:lumOff val="40000"/>
+              </a:schemeClr>
+            </a:solidFill>
+          </a:ln>
+        </p:spPr>
+        <p:style>
+          <a:lnRef idx="2">
+            <a:schemeClr val="accent1">
+              <a:shade val="15000"/>
+            </a:schemeClr>
+          </a:lnRef>
+          <a:fillRef idx="1">
+            <a:schemeClr val="accent1"/>
+          </a:fillRef>
+          <a:effectRef idx="0">
+            <a:schemeClr val="accent1"/>
+          </a:effectRef>
+          <a:fontRef idx="minor">
+            <a:schemeClr val="lt1"/>
+          </a:fontRef>
+        </p:style>
+        <p:txBody>
+          <a:bodyPr rtlCol="0" anchor="ctr"/>
+          <a:lstStyle/>
+          <a:p>
+            <a:pPr algn="ctr"/>
+            <a:endParaRPr lang="en-US" sz="1500" dirty="0">
+              <a:solidFill>
+                <a:schemeClr val="tx1"/>
+              </a:solidFill>
+            </a:endParaRPr>
+          </a:p>
+        </p:txBody>
+      </p:sp>
+      <p:sp>
+        <p:nvSpPr>
+          <p:cNvPr id="99" name="Rectangle 98">
+            <a:extLst>
+              <a:ext uri="{FF2B5EF4-FFF2-40B4-BE49-F238E27FC236}">
+                <a16:creationId xmlns:a16="http://schemas.microsoft.com/office/drawing/2014/main" id="{9059C8FD-2201-2C93-9045-56CE9322AD19}"/>
+              </a:ext>
+            </a:extLst>
+          </p:cNvPr>
+          <p:cNvSpPr/>
+          <p:nvPr/>
+        </p:nvSpPr>
+        <p:spPr>
+          <a:xfrm>
+            <a:off x="10261026" y="1841997"/>
+            <a:ext cx="388596" cy="226799"/>
+          </a:xfrm>
+          <a:prstGeom prst="rect">
+            <a:avLst/>
+          </a:prstGeom>
+          <a:noFill/>
+          <a:ln w="63500">
+            <a:solidFill>
+              <a:schemeClr val="accent6">
+                <a:lumMod val="60000"/>
+                <a:lumOff val="40000"/>
+              </a:schemeClr>
+            </a:solidFill>
+          </a:ln>
+        </p:spPr>
+        <p:style>
+          <a:lnRef idx="2">
+            <a:schemeClr val="accent1">
+              <a:shade val="15000"/>
+            </a:schemeClr>
+          </a:lnRef>
+          <a:fillRef idx="1">
+            <a:schemeClr val="accent1"/>
+          </a:fillRef>
+          <a:effectRef idx="0">
+            <a:schemeClr val="accent1"/>
+          </a:effectRef>
+          <a:fontRef idx="minor">
+            <a:schemeClr val="lt1"/>
+          </a:fontRef>
+        </p:style>
+        <p:txBody>
+          <a:bodyPr rtlCol="0" anchor="ctr"/>
+          <a:lstStyle/>
+          <a:p>
+            <a:pPr algn="ctr"/>
+            <a:endParaRPr lang="en-US" sz="1500" dirty="0">
+              <a:solidFill>
+                <a:schemeClr val="tx1"/>
+              </a:solidFill>
+            </a:endParaRPr>
+          </a:p>
+        </p:txBody>
+      </p:sp>
+      <p:sp>
+        <p:nvSpPr>
+          <p:cNvPr id="100" name="Rectangle 99">
+            <a:extLst>
+              <a:ext uri="{FF2B5EF4-FFF2-40B4-BE49-F238E27FC236}">
+                <a16:creationId xmlns:a16="http://schemas.microsoft.com/office/drawing/2014/main" id="{8F725A8F-8912-8B70-E7A3-E09FE78C3AC2}"/>
+              </a:ext>
+            </a:extLst>
+          </p:cNvPr>
+          <p:cNvSpPr/>
+          <p:nvPr/>
+        </p:nvSpPr>
+        <p:spPr>
+          <a:xfrm>
+            <a:off x="9817124" y="2165363"/>
+            <a:ext cx="388596" cy="226799"/>
+          </a:xfrm>
+          <a:prstGeom prst="rect">
+            <a:avLst/>
+          </a:prstGeom>
+          <a:noFill/>
+          <a:ln w="63500">
+            <a:solidFill>
+              <a:schemeClr val="accent6">
+                <a:lumMod val="60000"/>
+                <a:lumOff val="40000"/>
+              </a:schemeClr>
+            </a:solidFill>
+          </a:ln>
+        </p:spPr>
+        <p:style>
+          <a:lnRef idx="2">
+            <a:schemeClr val="accent1">
+              <a:shade val="15000"/>
+            </a:schemeClr>
+          </a:lnRef>
+          <a:fillRef idx="1">
+            <a:schemeClr val="accent1"/>
+          </a:fillRef>
+          <a:effectRef idx="0">
+            <a:schemeClr val="accent1"/>
+          </a:effectRef>
+          <a:fontRef idx="minor">
+            <a:schemeClr val="lt1"/>
+          </a:fontRef>
+        </p:style>
+        <p:txBody>
+          <a:bodyPr rtlCol="0" anchor="ctr"/>
+          <a:lstStyle/>
+          <a:p>
+            <a:pPr algn="ctr"/>
+            <a:endParaRPr lang="en-US" sz="1500" dirty="0">
+              <a:solidFill>
+                <a:schemeClr val="tx1"/>
+              </a:solidFill>
+            </a:endParaRPr>
+          </a:p>
+        </p:txBody>
+      </p:sp>
+      <p:sp>
+        <p:nvSpPr>
+          <p:cNvPr id="101" name="Rectangle 100">
+            <a:extLst>
+              <a:ext uri="{FF2B5EF4-FFF2-40B4-BE49-F238E27FC236}">
+                <a16:creationId xmlns:a16="http://schemas.microsoft.com/office/drawing/2014/main" id="{4FEA5DC8-8B31-8B0B-B2A0-007146A01AFB}"/>
+              </a:ext>
+            </a:extLst>
+          </p:cNvPr>
+          <p:cNvSpPr/>
+          <p:nvPr/>
+        </p:nvSpPr>
+        <p:spPr>
+          <a:xfrm>
+            <a:off x="10261026" y="2165363"/>
+            <a:ext cx="388596" cy="226799"/>
+          </a:xfrm>
+          <a:prstGeom prst="rect">
+            <a:avLst/>
+          </a:prstGeom>
+          <a:noFill/>
+          <a:ln w="63500">
+            <a:solidFill>
+              <a:schemeClr val="accent6">
+                <a:lumMod val="60000"/>
+                <a:lumOff val="40000"/>
+              </a:schemeClr>
+            </a:solidFill>
+          </a:ln>
+        </p:spPr>
+        <p:style>
+          <a:lnRef idx="2">
+            <a:schemeClr val="accent1">
+              <a:shade val="15000"/>
+            </a:schemeClr>
+          </a:lnRef>
+          <a:fillRef idx="1">
+            <a:schemeClr val="accent1"/>
+          </a:fillRef>
+          <a:effectRef idx="0">
+            <a:schemeClr val="accent1"/>
+          </a:effectRef>
+          <a:fontRef idx="minor">
+            <a:schemeClr val="lt1"/>
+          </a:fontRef>
+        </p:style>
+        <p:txBody>
+          <a:bodyPr rtlCol="0" anchor="ctr"/>
+          <a:lstStyle/>
+          <a:p>
+            <a:pPr algn="ctr"/>
+            <a:endParaRPr lang="en-US" sz="1500" dirty="0">
+              <a:solidFill>
+                <a:schemeClr val="tx1"/>
+              </a:solidFill>
+            </a:endParaRPr>
+          </a:p>
+        </p:txBody>
+      </p:sp>
+      <p:sp>
+        <p:nvSpPr>
+          <p:cNvPr id="102" name="Rectangle 101">
+            <a:extLst>
+              <a:ext uri="{FF2B5EF4-FFF2-40B4-BE49-F238E27FC236}">
+                <a16:creationId xmlns:a16="http://schemas.microsoft.com/office/drawing/2014/main" id="{7901C6BE-A30D-5643-A606-3E8ADA16CC00}"/>
+              </a:ext>
+            </a:extLst>
+          </p:cNvPr>
+          <p:cNvSpPr/>
+          <p:nvPr/>
+        </p:nvSpPr>
+        <p:spPr>
+          <a:xfrm>
+            <a:off x="9823036" y="2510323"/>
+            <a:ext cx="388596" cy="226799"/>
+          </a:xfrm>
+          <a:prstGeom prst="rect">
+            <a:avLst/>
+          </a:prstGeom>
+          <a:noFill/>
+          <a:ln w="63500">
+            <a:solidFill>
+              <a:schemeClr val="accent6">
+                <a:lumMod val="60000"/>
+                <a:lumOff val="40000"/>
+              </a:schemeClr>
+            </a:solidFill>
+          </a:ln>
+        </p:spPr>
+        <p:style>
+          <a:lnRef idx="2">
+            <a:schemeClr val="accent1">
+              <a:shade val="15000"/>
+            </a:schemeClr>
+          </a:lnRef>
+          <a:fillRef idx="1">
+            <a:schemeClr val="accent1"/>
+          </a:fillRef>
+          <a:effectRef idx="0">
+            <a:schemeClr val="accent1"/>
+          </a:effectRef>
+          <a:fontRef idx="minor">
+            <a:schemeClr val="lt1"/>
+          </a:fontRef>
+        </p:style>
+        <p:txBody>
+          <a:bodyPr rtlCol="0" anchor="ctr"/>
+          <a:lstStyle/>
+          <a:p>
+            <a:pPr algn="ctr"/>
+            <a:endParaRPr lang="en-US" sz="1500" dirty="0">
+              <a:solidFill>
+                <a:schemeClr val="tx1"/>
+              </a:solidFill>
+            </a:endParaRPr>
+          </a:p>
+        </p:txBody>
+      </p:sp>
+      <p:sp>
+        <p:nvSpPr>
+          <p:cNvPr id="103" name="Rectangle 102">
+            <a:extLst>
+              <a:ext uri="{FF2B5EF4-FFF2-40B4-BE49-F238E27FC236}">
+                <a16:creationId xmlns:a16="http://schemas.microsoft.com/office/drawing/2014/main" id="{6DC9999C-9139-3970-2ABF-6C955EF83C42}"/>
+              </a:ext>
+            </a:extLst>
+          </p:cNvPr>
+          <p:cNvSpPr/>
+          <p:nvPr/>
+        </p:nvSpPr>
+        <p:spPr>
+          <a:xfrm>
+            <a:off x="10266938" y="2510323"/>
+            <a:ext cx="388596" cy="226799"/>
+          </a:xfrm>
+          <a:prstGeom prst="rect">
+            <a:avLst/>
+          </a:prstGeom>
+          <a:noFill/>
+          <a:ln w="63500">
+            <a:solidFill>
+              <a:schemeClr val="accent6">
+                <a:lumMod val="60000"/>
+                <a:lumOff val="40000"/>
+              </a:schemeClr>
+            </a:solidFill>
+          </a:ln>
+        </p:spPr>
+        <p:style>
+          <a:lnRef idx="2">
+            <a:schemeClr val="accent1">
+              <a:shade val="15000"/>
+            </a:schemeClr>
+          </a:lnRef>
+          <a:fillRef idx="1">
+            <a:schemeClr val="accent1"/>
+          </a:fillRef>
+          <a:effectRef idx="0">
+            <a:schemeClr val="accent1"/>
+          </a:effectRef>
+          <a:fontRef idx="minor">
+            <a:schemeClr val="lt1"/>
+          </a:fontRef>
+        </p:style>
+        <p:txBody>
+          <a:bodyPr rtlCol="0" anchor="ctr"/>
+          <a:lstStyle/>
+          <a:p>
+            <a:pPr algn="ctr"/>
+            <a:endParaRPr lang="en-US" sz="1500" dirty="0">
+              <a:solidFill>
+                <a:schemeClr val="tx1"/>
+              </a:solidFill>
+            </a:endParaRPr>
+          </a:p>
+        </p:txBody>
+      </p:sp>
+      <p:sp>
+        <p:nvSpPr>
+          <p:cNvPr id="104" name="Rectangle 103">
+            <a:extLst>
+              <a:ext uri="{FF2B5EF4-FFF2-40B4-BE49-F238E27FC236}">
+                <a16:creationId xmlns:a16="http://schemas.microsoft.com/office/drawing/2014/main" id="{C839620C-66F3-EB51-7195-F9A4F4FF069C}"/>
+              </a:ext>
+            </a:extLst>
+          </p:cNvPr>
+          <p:cNvSpPr/>
+          <p:nvPr/>
+        </p:nvSpPr>
+        <p:spPr>
+          <a:xfrm>
+            <a:off x="10895959" y="635033"/>
+            <a:ext cx="388596" cy="226799"/>
+          </a:xfrm>
+          <a:prstGeom prst="rect">
+            <a:avLst/>
+          </a:prstGeom>
+          <a:noFill/>
+          <a:ln w="63500">
+            <a:solidFill>
+              <a:schemeClr val="accent6">
+                <a:lumMod val="60000"/>
+                <a:lumOff val="40000"/>
+              </a:schemeClr>
+            </a:solidFill>
+          </a:ln>
+        </p:spPr>
+        <p:style>
+          <a:lnRef idx="2">
+            <a:schemeClr val="accent1">
+              <a:shade val="15000"/>
+            </a:schemeClr>
+          </a:lnRef>
+          <a:fillRef idx="1">
+            <a:schemeClr val="accent1"/>
+          </a:fillRef>
+          <a:effectRef idx="0">
+            <a:schemeClr val="accent1"/>
+          </a:effectRef>
+          <a:fontRef idx="minor">
+            <a:schemeClr val="lt1"/>
+          </a:fontRef>
+        </p:style>
+        <p:txBody>
+          <a:bodyPr rtlCol="0" anchor="ctr"/>
+          <a:lstStyle/>
+          <a:p>
+            <a:pPr algn="ctr"/>
+            <a:endParaRPr lang="en-US" sz="1500" dirty="0">
+              <a:solidFill>
+                <a:schemeClr val="tx1"/>
+              </a:solidFill>
+            </a:endParaRPr>
+          </a:p>
+        </p:txBody>
+      </p:sp>
+      <p:sp>
+        <p:nvSpPr>
+          <p:cNvPr id="105" name="Rectangle 104">
+            <a:extLst>
+              <a:ext uri="{FF2B5EF4-FFF2-40B4-BE49-F238E27FC236}">
+                <a16:creationId xmlns:a16="http://schemas.microsoft.com/office/drawing/2014/main" id="{9DF8F386-DE6A-C81C-3983-6AD19D95D2F2}"/>
+              </a:ext>
+            </a:extLst>
+          </p:cNvPr>
+          <p:cNvSpPr/>
+          <p:nvPr/>
+        </p:nvSpPr>
+        <p:spPr>
+          <a:xfrm>
+            <a:off x="11339861" y="635033"/>
+            <a:ext cx="388596" cy="226799"/>
+          </a:xfrm>
+          <a:prstGeom prst="rect">
+            <a:avLst/>
+          </a:prstGeom>
+          <a:noFill/>
+          <a:ln w="63500">
+            <a:solidFill>
+              <a:schemeClr val="accent6">
+                <a:lumMod val="60000"/>
+                <a:lumOff val="40000"/>
+              </a:schemeClr>
+            </a:solidFill>
+          </a:ln>
+        </p:spPr>
+        <p:style>
+          <a:lnRef idx="2">
+            <a:schemeClr val="accent1">
+              <a:shade val="15000"/>
+            </a:schemeClr>
+          </a:lnRef>
+          <a:fillRef idx="1">
+            <a:schemeClr val="accent1"/>
+          </a:fillRef>
+          <a:effectRef idx="0">
+            <a:schemeClr val="accent1"/>
+          </a:effectRef>
+          <a:fontRef idx="minor">
+            <a:schemeClr val="lt1"/>
+          </a:fontRef>
+        </p:style>
+        <p:txBody>
+          <a:bodyPr rtlCol="0" anchor="ctr"/>
+          <a:lstStyle/>
+          <a:p>
+            <a:pPr algn="ctr"/>
+            <a:endParaRPr lang="en-US" sz="1500" dirty="0">
+              <a:solidFill>
+                <a:schemeClr val="tx1"/>
+              </a:solidFill>
+            </a:endParaRPr>
+          </a:p>
+        </p:txBody>
+      </p:sp>
+      <p:sp>
+        <p:nvSpPr>
+          <p:cNvPr id="106" name="Rectangle 105">
+            <a:extLst>
+              <a:ext uri="{FF2B5EF4-FFF2-40B4-BE49-F238E27FC236}">
+                <a16:creationId xmlns:a16="http://schemas.microsoft.com/office/drawing/2014/main" id="{567871EC-2DE2-82C0-301E-49FABD31B38B}"/>
+              </a:ext>
+            </a:extLst>
+          </p:cNvPr>
+          <p:cNvSpPr/>
+          <p:nvPr/>
+        </p:nvSpPr>
+        <p:spPr>
+          <a:xfrm>
+            <a:off x="10902663" y="954378"/>
+            <a:ext cx="388596" cy="226799"/>
+          </a:xfrm>
+          <a:prstGeom prst="rect">
+            <a:avLst/>
+          </a:prstGeom>
+          <a:noFill/>
+          <a:ln w="63500">
+            <a:solidFill>
+              <a:schemeClr val="accent6">
+                <a:lumMod val="60000"/>
+                <a:lumOff val="40000"/>
+              </a:schemeClr>
+            </a:solidFill>
+          </a:ln>
+        </p:spPr>
+        <p:style>
+          <a:lnRef idx="2">
+            <a:schemeClr val="accent1">
+              <a:shade val="15000"/>
+            </a:schemeClr>
+          </a:lnRef>
+          <a:fillRef idx="1">
+            <a:schemeClr val="accent1"/>
+          </a:fillRef>
+          <a:effectRef idx="0">
+            <a:schemeClr val="accent1"/>
+          </a:effectRef>
+          <a:fontRef idx="minor">
+            <a:schemeClr val="lt1"/>
+          </a:fontRef>
+        </p:style>
+        <p:txBody>
+          <a:bodyPr rtlCol="0" anchor="ctr"/>
+          <a:lstStyle/>
+          <a:p>
+            <a:pPr algn="ctr"/>
+            <a:endParaRPr lang="en-US" sz="1500" dirty="0">
+              <a:solidFill>
+                <a:schemeClr val="tx1"/>
+              </a:solidFill>
+            </a:endParaRPr>
+          </a:p>
+        </p:txBody>
+      </p:sp>
+      <p:sp>
+        <p:nvSpPr>
+          <p:cNvPr id="107" name="Rectangle 106">
+            <a:extLst>
+              <a:ext uri="{FF2B5EF4-FFF2-40B4-BE49-F238E27FC236}">
+                <a16:creationId xmlns:a16="http://schemas.microsoft.com/office/drawing/2014/main" id="{6754C84D-F526-7234-148D-C82BDF8A7918}"/>
+              </a:ext>
+            </a:extLst>
+          </p:cNvPr>
+          <p:cNvSpPr/>
+          <p:nvPr/>
+        </p:nvSpPr>
+        <p:spPr>
+          <a:xfrm>
+            <a:off x="11346565" y="954378"/>
+            <a:ext cx="388596" cy="226799"/>
+          </a:xfrm>
+          <a:prstGeom prst="rect">
+            <a:avLst/>
+          </a:prstGeom>
+          <a:noFill/>
+          <a:ln w="63500">
+            <a:solidFill>
+              <a:schemeClr val="accent6">
+                <a:lumMod val="60000"/>
+                <a:lumOff val="40000"/>
+              </a:schemeClr>
+            </a:solidFill>
+          </a:ln>
+        </p:spPr>
+        <p:style>
+          <a:lnRef idx="2">
+            <a:schemeClr val="accent1">
+              <a:shade val="15000"/>
+            </a:schemeClr>
+          </a:lnRef>
+          <a:fillRef idx="1">
+            <a:schemeClr val="accent1"/>
+          </a:fillRef>
+          <a:effectRef idx="0">
+            <a:schemeClr val="accent1"/>
+          </a:effectRef>
+          <a:fontRef idx="minor">
+            <a:schemeClr val="lt1"/>
+          </a:fontRef>
+        </p:style>
+        <p:txBody>
+          <a:bodyPr rtlCol="0" anchor="ctr"/>
+          <a:lstStyle/>
+          <a:p>
+            <a:pPr algn="ctr"/>
+            <a:endParaRPr lang="en-US" sz="1500" dirty="0">
+              <a:solidFill>
+                <a:schemeClr val="tx1"/>
+              </a:solidFill>
+            </a:endParaRPr>
+          </a:p>
+        </p:txBody>
+      </p:sp>
+      <p:sp>
+        <p:nvSpPr>
+          <p:cNvPr id="108" name="Rectangle 107">
+            <a:extLst>
+              <a:ext uri="{FF2B5EF4-FFF2-40B4-BE49-F238E27FC236}">
+                <a16:creationId xmlns:a16="http://schemas.microsoft.com/office/drawing/2014/main" id="{557CEB6B-CE63-245D-26FD-0228FF281A2F}"/>
+              </a:ext>
+            </a:extLst>
+          </p:cNvPr>
+          <p:cNvSpPr/>
+          <p:nvPr/>
+        </p:nvSpPr>
+        <p:spPr>
+          <a:xfrm>
+            <a:off x="10894633" y="1284632"/>
+            <a:ext cx="388596" cy="226799"/>
+          </a:xfrm>
+          <a:prstGeom prst="rect">
+            <a:avLst/>
+          </a:prstGeom>
+          <a:noFill/>
+          <a:ln w="63500">
+            <a:solidFill>
+              <a:schemeClr val="accent6">
+                <a:lumMod val="60000"/>
+                <a:lumOff val="40000"/>
+              </a:schemeClr>
+            </a:solidFill>
+          </a:ln>
+        </p:spPr>
+        <p:style>
+          <a:lnRef idx="2">
+            <a:schemeClr val="accent1">
+              <a:shade val="15000"/>
+            </a:schemeClr>
+          </a:lnRef>
+          <a:fillRef idx="1">
+            <a:schemeClr val="accent1"/>
+          </a:fillRef>
+          <a:effectRef idx="0">
+            <a:schemeClr val="accent1"/>
+          </a:effectRef>
+          <a:fontRef idx="minor">
+            <a:schemeClr val="lt1"/>
+          </a:fontRef>
+        </p:style>
+        <p:txBody>
+          <a:bodyPr rtlCol="0" anchor="ctr"/>
+          <a:lstStyle/>
+          <a:p>
+            <a:pPr algn="ctr"/>
+            <a:endParaRPr lang="en-US" sz="1500" dirty="0">
+              <a:solidFill>
+                <a:schemeClr val="tx1"/>
+              </a:solidFill>
+            </a:endParaRPr>
+          </a:p>
+        </p:txBody>
+      </p:sp>
+      <p:sp>
+        <p:nvSpPr>
+          <p:cNvPr id="109" name="Rectangle 108">
+            <a:extLst>
+              <a:ext uri="{FF2B5EF4-FFF2-40B4-BE49-F238E27FC236}">
+                <a16:creationId xmlns:a16="http://schemas.microsoft.com/office/drawing/2014/main" id="{928430B5-ECF1-62B4-716A-52B37C48188D}"/>
+              </a:ext>
+            </a:extLst>
+          </p:cNvPr>
+          <p:cNvSpPr/>
+          <p:nvPr/>
+        </p:nvSpPr>
+        <p:spPr>
+          <a:xfrm>
+            <a:off x="11338535" y="1284632"/>
+            <a:ext cx="388596" cy="226799"/>
+          </a:xfrm>
+          <a:prstGeom prst="rect">
+            <a:avLst/>
+          </a:prstGeom>
+          <a:noFill/>
+          <a:ln w="63500">
+            <a:solidFill>
+              <a:schemeClr val="accent6">
+                <a:lumMod val="60000"/>
+                <a:lumOff val="40000"/>
+              </a:schemeClr>
+            </a:solidFill>
+          </a:ln>
+        </p:spPr>
+        <p:style>
+          <a:lnRef idx="2">
+            <a:schemeClr val="accent1">
+              <a:shade val="15000"/>
+            </a:schemeClr>
+          </a:lnRef>
+          <a:fillRef idx="1">
+            <a:schemeClr val="accent1"/>
+          </a:fillRef>
+          <a:effectRef idx="0">
+            <a:schemeClr val="accent1"/>
+          </a:effectRef>
+          <a:fontRef idx="minor">
+            <a:schemeClr val="lt1"/>
+          </a:fontRef>
+        </p:style>
+        <p:txBody>
+          <a:bodyPr rtlCol="0" anchor="ctr"/>
+          <a:lstStyle/>
+          <a:p>
+            <a:pPr algn="ctr"/>
+            <a:endParaRPr lang="en-US" sz="1500" dirty="0">
+              <a:solidFill>
+                <a:schemeClr val="tx1"/>
+              </a:solidFill>
+            </a:endParaRPr>
+          </a:p>
+        </p:txBody>
+      </p:sp>
+      <p:sp>
+        <p:nvSpPr>
+          <p:cNvPr id="110" name="Rectangle 109">
+            <a:extLst>
+              <a:ext uri="{FF2B5EF4-FFF2-40B4-BE49-F238E27FC236}">
+                <a16:creationId xmlns:a16="http://schemas.microsoft.com/office/drawing/2014/main" id="{F059CA45-FCEE-7F3C-37D9-1EE14D043128}"/>
+              </a:ext>
+            </a:extLst>
+          </p:cNvPr>
+          <p:cNvSpPr/>
+          <p:nvPr/>
+        </p:nvSpPr>
+        <p:spPr>
+          <a:xfrm>
+            <a:off x="10910074" y="1871123"/>
+            <a:ext cx="388596" cy="226799"/>
+          </a:xfrm>
+          <a:prstGeom prst="rect">
+            <a:avLst/>
+          </a:prstGeom>
+          <a:noFill/>
+          <a:ln w="63500">
+            <a:solidFill>
+              <a:schemeClr val="accent6">
+                <a:lumMod val="60000"/>
+                <a:lumOff val="40000"/>
+              </a:schemeClr>
+            </a:solidFill>
+          </a:ln>
+        </p:spPr>
+        <p:style>
+          <a:lnRef idx="2">
+            <a:schemeClr val="accent1">
+              <a:shade val="15000"/>
+            </a:schemeClr>
+          </a:lnRef>
+          <a:fillRef idx="1">
+            <a:schemeClr val="accent1"/>
+          </a:fillRef>
+          <a:effectRef idx="0">
+            <a:schemeClr val="accent1"/>
+          </a:effectRef>
+          <a:fontRef idx="minor">
+            <a:schemeClr val="lt1"/>
+          </a:fontRef>
+        </p:style>
+        <p:txBody>
+          <a:bodyPr rtlCol="0" anchor="ctr"/>
+          <a:lstStyle/>
+          <a:p>
+            <a:pPr algn="ctr"/>
+            <a:endParaRPr lang="en-US" sz="1500" dirty="0">
+              <a:solidFill>
+                <a:schemeClr val="tx1"/>
+              </a:solidFill>
+            </a:endParaRPr>
+          </a:p>
+        </p:txBody>
+      </p:sp>
+      <p:sp>
+        <p:nvSpPr>
+          <p:cNvPr id="111" name="Rectangle 110">
+            <a:extLst>
+              <a:ext uri="{FF2B5EF4-FFF2-40B4-BE49-F238E27FC236}">
+                <a16:creationId xmlns:a16="http://schemas.microsoft.com/office/drawing/2014/main" id="{DFD24575-8ED2-6807-FB28-DB2C48940AB3}"/>
+              </a:ext>
+            </a:extLst>
+          </p:cNvPr>
+          <p:cNvSpPr/>
+          <p:nvPr/>
+        </p:nvSpPr>
+        <p:spPr>
+          <a:xfrm>
+            <a:off x="11353976" y="1871123"/>
+            <a:ext cx="388596" cy="226799"/>
+          </a:xfrm>
+          <a:prstGeom prst="rect">
+            <a:avLst/>
+          </a:prstGeom>
+          <a:noFill/>
+          <a:ln w="63500">
+            <a:solidFill>
+              <a:schemeClr val="accent6">
+                <a:lumMod val="60000"/>
+                <a:lumOff val="40000"/>
+              </a:schemeClr>
+            </a:solidFill>
+          </a:ln>
+        </p:spPr>
+        <p:style>
+          <a:lnRef idx="2">
+            <a:schemeClr val="accent1">
+              <a:shade val="15000"/>
+            </a:schemeClr>
+          </a:lnRef>
+          <a:fillRef idx="1">
+            <a:schemeClr val="accent1"/>
+          </a:fillRef>
+          <a:effectRef idx="0">
+            <a:schemeClr val="accent1"/>
+          </a:effectRef>
+          <a:fontRef idx="minor">
+            <a:schemeClr val="lt1"/>
+          </a:fontRef>
+        </p:style>
+        <p:txBody>
+          <a:bodyPr rtlCol="0" anchor="ctr"/>
+          <a:lstStyle/>
+          <a:p>
+            <a:pPr algn="ctr"/>
+            <a:endParaRPr lang="en-US" sz="1500" dirty="0">
+              <a:solidFill>
+                <a:schemeClr val="tx1"/>
+              </a:solidFill>
+            </a:endParaRPr>
+          </a:p>
+        </p:txBody>
+      </p:sp>
+      <p:sp>
+        <p:nvSpPr>
+          <p:cNvPr id="112" name="Rectangle 111">
+            <a:extLst>
+              <a:ext uri="{FF2B5EF4-FFF2-40B4-BE49-F238E27FC236}">
+                <a16:creationId xmlns:a16="http://schemas.microsoft.com/office/drawing/2014/main" id="{E1CB5F0E-460A-63CD-0ECB-8D973260C190}"/>
+              </a:ext>
+            </a:extLst>
+          </p:cNvPr>
+          <p:cNvSpPr/>
+          <p:nvPr/>
+        </p:nvSpPr>
+        <p:spPr>
+          <a:xfrm>
+            <a:off x="10914062" y="2201377"/>
+            <a:ext cx="388596" cy="226799"/>
+          </a:xfrm>
+          <a:prstGeom prst="rect">
+            <a:avLst/>
+          </a:prstGeom>
+          <a:noFill/>
+          <a:ln w="63500">
+            <a:solidFill>
+              <a:schemeClr val="accent6">
+                <a:lumMod val="60000"/>
+                <a:lumOff val="40000"/>
+              </a:schemeClr>
+            </a:solidFill>
+          </a:ln>
+        </p:spPr>
+        <p:style>
+          <a:lnRef idx="2">
+            <a:schemeClr val="accent1">
+              <a:shade val="15000"/>
+            </a:schemeClr>
+          </a:lnRef>
+          <a:fillRef idx="1">
+            <a:schemeClr val="accent1"/>
+          </a:fillRef>
+          <a:effectRef idx="0">
+            <a:schemeClr val="accent1"/>
+          </a:effectRef>
+          <a:fontRef idx="minor">
+            <a:schemeClr val="lt1"/>
+          </a:fontRef>
+        </p:style>
+        <p:txBody>
+          <a:bodyPr rtlCol="0" anchor="ctr"/>
+          <a:lstStyle/>
+          <a:p>
+            <a:pPr algn="ctr"/>
+            <a:endParaRPr lang="en-US" sz="1500" dirty="0">
+              <a:solidFill>
+                <a:schemeClr val="tx1"/>
+              </a:solidFill>
+            </a:endParaRPr>
+          </a:p>
+        </p:txBody>
+      </p:sp>
+      <p:sp>
+        <p:nvSpPr>
+          <p:cNvPr id="113" name="Rectangle 112">
+            <a:extLst>
+              <a:ext uri="{FF2B5EF4-FFF2-40B4-BE49-F238E27FC236}">
+                <a16:creationId xmlns:a16="http://schemas.microsoft.com/office/drawing/2014/main" id="{A7D0853E-CB12-D596-9C67-641FED698321}"/>
+              </a:ext>
+            </a:extLst>
+          </p:cNvPr>
+          <p:cNvSpPr/>
+          <p:nvPr/>
+        </p:nvSpPr>
+        <p:spPr>
+          <a:xfrm>
+            <a:off x="11357964" y="2201377"/>
+            <a:ext cx="388596" cy="226799"/>
+          </a:xfrm>
+          <a:prstGeom prst="rect">
+            <a:avLst/>
+          </a:prstGeom>
+          <a:noFill/>
+          <a:ln w="63500">
+            <a:solidFill>
+              <a:schemeClr val="accent6">
+                <a:lumMod val="60000"/>
+                <a:lumOff val="40000"/>
+              </a:schemeClr>
+            </a:solidFill>
+          </a:ln>
+        </p:spPr>
+        <p:style>
+          <a:lnRef idx="2">
+            <a:schemeClr val="accent1">
+              <a:shade val="15000"/>
+            </a:schemeClr>
+          </a:lnRef>
+          <a:fillRef idx="1">
+            <a:schemeClr val="accent1"/>
+          </a:fillRef>
+          <a:effectRef idx="0">
+            <a:schemeClr val="accent1"/>
+          </a:effectRef>
+          <a:fontRef idx="minor">
+            <a:schemeClr val="lt1"/>
+          </a:fontRef>
+        </p:style>
+        <p:txBody>
+          <a:bodyPr rtlCol="0" anchor="ctr"/>
+          <a:lstStyle/>
+          <a:p>
+            <a:pPr algn="ctr"/>
+            <a:endParaRPr lang="en-US" sz="1500" dirty="0">
+              <a:solidFill>
+                <a:schemeClr val="tx1"/>
+              </a:solidFill>
+            </a:endParaRPr>
+          </a:p>
+        </p:txBody>
+      </p:sp>
+      <p:sp>
+        <p:nvSpPr>
+          <p:cNvPr id="114" name="Rectangle 113">
+            <a:extLst>
+              <a:ext uri="{FF2B5EF4-FFF2-40B4-BE49-F238E27FC236}">
+                <a16:creationId xmlns:a16="http://schemas.microsoft.com/office/drawing/2014/main" id="{C24CEE64-966C-0EC0-1916-A6F461F74620}"/>
+              </a:ext>
+            </a:extLst>
+          </p:cNvPr>
+          <p:cNvSpPr/>
+          <p:nvPr/>
+        </p:nvSpPr>
+        <p:spPr>
+          <a:xfrm>
+            <a:off x="10915129" y="2525875"/>
+            <a:ext cx="388596" cy="226799"/>
+          </a:xfrm>
+          <a:prstGeom prst="rect">
+            <a:avLst/>
+          </a:prstGeom>
+          <a:noFill/>
+          <a:ln w="63500">
+            <a:solidFill>
+              <a:schemeClr val="accent6">
+                <a:lumMod val="60000"/>
+                <a:lumOff val="40000"/>
+              </a:schemeClr>
+            </a:solidFill>
+          </a:ln>
+        </p:spPr>
+        <p:style>
+          <a:lnRef idx="2">
+            <a:schemeClr val="accent1">
+              <a:shade val="15000"/>
+            </a:schemeClr>
+          </a:lnRef>
+          <a:fillRef idx="1">
+            <a:schemeClr val="accent1"/>
+          </a:fillRef>
+          <a:effectRef idx="0">
+            <a:schemeClr val="accent1"/>
+          </a:effectRef>
+          <a:fontRef idx="minor">
+            <a:schemeClr val="lt1"/>
+          </a:fontRef>
+        </p:style>
+        <p:txBody>
+          <a:bodyPr rtlCol="0" anchor="ctr"/>
+          <a:lstStyle/>
+          <a:p>
+            <a:pPr algn="ctr"/>
+            <a:endParaRPr lang="en-US" sz="1500" dirty="0">
+              <a:solidFill>
+                <a:schemeClr val="tx1"/>
+              </a:solidFill>
+            </a:endParaRPr>
+          </a:p>
+        </p:txBody>
+      </p:sp>
+      <p:sp>
+        <p:nvSpPr>
+          <p:cNvPr id="115" name="Rectangle 114">
+            <a:extLst>
+              <a:ext uri="{FF2B5EF4-FFF2-40B4-BE49-F238E27FC236}">
+                <a16:creationId xmlns:a16="http://schemas.microsoft.com/office/drawing/2014/main" id="{566BEFF8-6DFD-1B67-C0A3-9066DA53CC4E}"/>
+              </a:ext>
+            </a:extLst>
+          </p:cNvPr>
+          <p:cNvSpPr/>
+          <p:nvPr/>
+        </p:nvSpPr>
+        <p:spPr>
+          <a:xfrm>
+            <a:off x="11359031" y="2525875"/>
+            <a:ext cx="388596" cy="226799"/>
+          </a:xfrm>
+          <a:prstGeom prst="rect">
+            <a:avLst/>
+          </a:prstGeom>
+          <a:noFill/>
+          <a:ln w="63500">
+            <a:solidFill>
+              <a:schemeClr val="accent6">
+                <a:lumMod val="60000"/>
+                <a:lumOff val="40000"/>
+              </a:schemeClr>
+            </a:solidFill>
+          </a:ln>
+        </p:spPr>
+        <p:style>
+          <a:lnRef idx="2">
+            <a:schemeClr val="accent1">
+              <a:shade val="15000"/>
+            </a:schemeClr>
+          </a:lnRef>
+          <a:fillRef idx="1">
+            <a:schemeClr val="accent1"/>
+          </a:fillRef>
+          <a:effectRef idx="0">
+            <a:schemeClr val="accent1"/>
+          </a:effectRef>
+          <a:fontRef idx="minor">
+            <a:schemeClr val="lt1"/>
+          </a:fontRef>
+        </p:style>
+        <p:txBody>
+          <a:bodyPr rtlCol="0" anchor="ctr"/>
+          <a:lstStyle/>
+          <a:p>
+            <a:pPr algn="ctr"/>
+            <a:endParaRPr lang="en-US" sz="1500" dirty="0">
+              <a:solidFill>
+                <a:schemeClr val="tx1"/>
+              </a:solidFill>
+            </a:endParaRPr>
+          </a:p>
+        </p:txBody>
+      </p:sp>
+    </p:spTree>
+    <p:extLst>
+      <p:ext uri="{BB962C8B-B14F-4D97-AF65-F5344CB8AC3E}">
+        <p14:creationId xmlns:p14="http://schemas.microsoft.com/office/powerpoint/2010/main" val="1898038801"/>
       </p:ext>
     </p:extLst>
   </p:cSld>

--- a/materials/lecture_18.pptx
+++ b/materials/lecture_18.pptx
@@ -5,7 +5,7 @@
     <p:sldMasterId id="2147483660" r:id="rId1"/>
   </p:sldMasterIdLst>
   <p:notesMasterIdLst>
-    <p:notesMasterId r:id="rId10"/>
+    <p:notesMasterId r:id="rId12"/>
   </p:notesMasterIdLst>
   <p:sldIdLst>
     <p:sldId id="256" r:id="rId2"/>
@@ -16,6 +16,8 @@
     <p:sldId id="262" r:id="rId7"/>
     <p:sldId id="263" r:id="rId8"/>
     <p:sldId id="265" r:id="rId9"/>
+    <p:sldId id="267" r:id="rId10"/>
+    <p:sldId id="266" r:id="rId11"/>
   </p:sldIdLst>
   <p:sldSz cx="12192000" cy="3657600"/>
   <p:notesSz cx="6858000" cy="9144000"/>
@@ -204,7 +206,7 @@
           <a:p>
             <a:fld id="{FD492813-2F51-4F40-B93A-6DA9B6A0B0F9}" type="datetimeFigureOut">
               <a:rPr lang="en-US" smtClean="0"/>
-              <a:t>9/29/24</a:t>
+              <a:t>11/25/24</a:t>
             </a:fld>
             <a:endParaRPr lang="en-US"/>
           </a:p>
@@ -558,6 +560,117 @@
 </p:notes>
 </file>
 
+<file path=ppt/notesSlides/notesSlide10.xml><?xml version="1.0" encoding="utf-8"?>
+<p:notes xmlns:a="http://schemas.openxmlformats.org/drawingml/2006/main" xmlns:r="http://schemas.openxmlformats.org/officeDocument/2006/relationships" xmlns:p="http://schemas.openxmlformats.org/presentationml/2006/main">
+  <p:cSld>
+    <p:spTree>
+      <p:nvGrpSpPr>
+        <p:cNvPr id="1" name="">
+          <a:extLst>
+            <a:ext uri="{FF2B5EF4-FFF2-40B4-BE49-F238E27FC236}">
+              <a16:creationId xmlns:a16="http://schemas.microsoft.com/office/drawing/2014/main" id="{5E69D184-FB85-CD38-5A9B-40B25A239990}"/>
+            </a:ext>
+          </a:extLst>
+        </p:cNvPr>
+        <p:cNvGrpSpPr/>
+        <p:nvPr/>
+      </p:nvGrpSpPr>
+      <p:grpSpPr>
+        <a:xfrm>
+          <a:off x="0" y="0"/>
+          <a:ext cx="0" cy="0"/>
+          <a:chOff x="0" y="0"/>
+          <a:chExt cx="0" cy="0"/>
+        </a:xfrm>
+      </p:grpSpPr>
+      <p:sp>
+        <p:nvSpPr>
+          <p:cNvPr id="2" name="Slide Image Placeholder 1">
+            <a:extLst>
+              <a:ext uri="{FF2B5EF4-FFF2-40B4-BE49-F238E27FC236}">
+                <a16:creationId xmlns:a16="http://schemas.microsoft.com/office/drawing/2014/main" id="{E50285DE-1679-0E5A-2148-4C29E2A107C2}"/>
+              </a:ext>
+            </a:extLst>
+          </p:cNvPr>
+          <p:cNvSpPr>
+            <a:spLocks noGrp="1" noRot="1" noChangeAspect="1"/>
+          </p:cNvSpPr>
+          <p:nvPr>
+            <p:ph type="sldImg"/>
+          </p:nvPr>
+        </p:nvSpPr>
+        <p:spPr/>
+      </p:sp>
+      <p:sp>
+        <p:nvSpPr>
+          <p:cNvPr id="3" name="Notes Placeholder 2">
+            <a:extLst>
+              <a:ext uri="{FF2B5EF4-FFF2-40B4-BE49-F238E27FC236}">
+                <a16:creationId xmlns:a16="http://schemas.microsoft.com/office/drawing/2014/main" id="{CC82039D-535F-20FD-30EF-16AC712A45A5}"/>
+              </a:ext>
+            </a:extLst>
+          </p:cNvPr>
+          <p:cNvSpPr>
+            <a:spLocks noGrp="1"/>
+          </p:cNvSpPr>
+          <p:nvPr>
+            <p:ph type="body" idx="1"/>
+          </p:nvPr>
+        </p:nvSpPr>
+        <p:spPr/>
+        <p:txBody>
+          <a:bodyPr/>
+          <a:lstStyle/>
+          <a:p>
+            <a:r>
+              <a:rPr lang="en-US" dirty="0"/>
+              <a:t>Double nested design</a:t>
+            </a:r>
+          </a:p>
+        </p:txBody>
+      </p:sp>
+      <p:sp>
+        <p:nvSpPr>
+          <p:cNvPr id="4" name="Slide Number Placeholder 3">
+            <a:extLst>
+              <a:ext uri="{FF2B5EF4-FFF2-40B4-BE49-F238E27FC236}">
+                <a16:creationId xmlns:a16="http://schemas.microsoft.com/office/drawing/2014/main" id="{8A159DCB-570C-767A-723A-81A1D23BE33B}"/>
+              </a:ext>
+            </a:extLst>
+          </p:cNvPr>
+          <p:cNvSpPr>
+            <a:spLocks noGrp="1"/>
+          </p:cNvSpPr>
+          <p:nvPr>
+            <p:ph type="sldNum" sz="quarter" idx="5"/>
+          </p:nvPr>
+        </p:nvSpPr>
+        <p:spPr/>
+        <p:txBody>
+          <a:bodyPr/>
+          <a:lstStyle/>
+          <a:p>
+            <a:fld id="{F7C71EB2-F41A-BC4A-9EA3-D6C045544FCF}" type="slidenum">
+              <a:rPr lang="en-US" smtClean="0"/>
+              <a:t>10</a:t>
+            </a:fld>
+            <a:endParaRPr lang="en-US"/>
+          </a:p>
+        </p:txBody>
+      </p:sp>
+    </p:spTree>
+    <p:extLst>
+      <p:ext uri="{BB962C8B-B14F-4D97-AF65-F5344CB8AC3E}">
+        <p14:creationId xmlns:p14="http://schemas.microsoft.com/office/powerpoint/2010/main" val="1758405314"/>
+      </p:ext>
+    </p:extLst>
+  </p:cSld>
+  <p:clrMapOvr>
+    <a:masterClrMapping/>
+  </p:clrMapOvr>
+</p:notes>
+</file>
+
 <file path=ppt/notesSlides/notesSlide2.xml><?xml version="1.0" encoding="utf-8"?>
 <p:notes xmlns:a="http://schemas.openxmlformats.org/drawingml/2006/main" xmlns:r="http://schemas.openxmlformats.org/officeDocument/2006/relationships" xmlns:p="http://schemas.openxmlformats.org/presentationml/2006/main">
   <p:cSld>
@@ -1326,6 +1439,183 @@
     <p:extLst>
       <p:ext uri="{BB962C8B-B14F-4D97-AF65-F5344CB8AC3E}">
         <p14:creationId xmlns:p14="http://schemas.microsoft.com/office/powerpoint/2010/main" val="2845369009"/>
+      </p:ext>
+    </p:extLst>
+  </p:cSld>
+  <p:clrMapOvr>
+    <a:masterClrMapping/>
+  </p:clrMapOvr>
+</p:notes>
+</file>
+
+<file path=ppt/notesSlides/notesSlide9.xml><?xml version="1.0" encoding="utf-8"?>
+<p:notes xmlns:a="http://schemas.openxmlformats.org/drawingml/2006/main" xmlns:r="http://schemas.openxmlformats.org/officeDocument/2006/relationships" xmlns:p="http://schemas.openxmlformats.org/presentationml/2006/main">
+  <p:cSld>
+    <p:spTree>
+      <p:nvGrpSpPr>
+        <p:cNvPr id="1" name="">
+          <a:extLst>
+            <a:ext uri="{FF2B5EF4-FFF2-40B4-BE49-F238E27FC236}">
+              <a16:creationId xmlns:a16="http://schemas.microsoft.com/office/drawing/2014/main" id="{C4D4ADE9-D0A2-252A-D1A9-76F4D4A16252}"/>
+            </a:ext>
+          </a:extLst>
+        </p:cNvPr>
+        <p:cNvGrpSpPr/>
+        <p:nvPr/>
+      </p:nvGrpSpPr>
+      <p:grpSpPr>
+        <a:xfrm>
+          <a:off x="0" y="0"/>
+          <a:ext cx="0" cy="0"/>
+          <a:chOff x="0" y="0"/>
+          <a:chExt cx="0" cy="0"/>
+        </a:xfrm>
+      </p:grpSpPr>
+      <p:sp>
+        <p:nvSpPr>
+          <p:cNvPr id="2" name="Slide Image Placeholder 1">
+            <a:extLst>
+              <a:ext uri="{FF2B5EF4-FFF2-40B4-BE49-F238E27FC236}">
+                <a16:creationId xmlns:a16="http://schemas.microsoft.com/office/drawing/2014/main" id="{F5A4E622-32F0-0DFC-3E73-1E9C8524C5AD}"/>
+              </a:ext>
+            </a:extLst>
+          </p:cNvPr>
+          <p:cNvSpPr>
+            <a:spLocks noGrp="1" noRot="1" noChangeAspect="1"/>
+          </p:cNvSpPr>
+          <p:nvPr>
+            <p:ph type="sldImg"/>
+          </p:nvPr>
+        </p:nvSpPr>
+        <p:spPr/>
+      </p:sp>
+      <p:sp>
+        <p:nvSpPr>
+          <p:cNvPr id="3" name="Notes Placeholder 2">
+            <a:extLst>
+              <a:ext uri="{FF2B5EF4-FFF2-40B4-BE49-F238E27FC236}">
+                <a16:creationId xmlns:a16="http://schemas.microsoft.com/office/drawing/2014/main" id="{2686BD06-F0B2-0349-894A-886D8FCDC5DC}"/>
+              </a:ext>
+            </a:extLst>
+          </p:cNvPr>
+          <p:cNvSpPr>
+            <a:spLocks noGrp="1"/>
+          </p:cNvSpPr>
+          <p:nvPr>
+            <p:ph type="body" idx="1"/>
+          </p:nvPr>
+        </p:nvSpPr>
+        <p:spPr/>
+        <p:txBody>
+          <a:bodyPr/>
+          <a:lstStyle/>
+          <a:p>
+            <a:r>
+              <a:rPr lang="en-US" dirty="0"/>
+              <a:t>PESTICIDE = 0 PANEL</a:t>
+            </a:r>
+            <a:br>
+              <a:rPr lang="en-US" dirty="0"/>
+            </a:br>
+            <a:r>
+              <a:rPr lang="en-US" dirty="0"/>
+              <a:t>B-F- = beta0</a:t>
+            </a:r>
+          </a:p>
+          <a:p>
+            <a:r>
+              <a:rPr lang="en-US" dirty="0"/>
+              <a:t>B+F- = beta0 + beta1</a:t>
+            </a:r>
+          </a:p>
+          <a:p>
+            <a:r>
+              <a:rPr lang="en-US" dirty="0"/>
+              <a:t>B-F+ = beta0 + beta2</a:t>
+            </a:r>
+          </a:p>
+          <a:p>
+            <a:r>
+              <a:rPr lang="en-US" dirty="0"/>
+              <a:t>B+F+ = beta0 + beta1 + beta2 + beta6</a:t>
+            </a:r>
+          </a:p>
+          <a:p>
+            <a:br>
+              <a:rPr lang="en-US" dirty="0"/>
+            </a:br>
+            <a:r>
+              <a:rPr lang="en-US" dirty="0"/>
+              <a:t>PESTICIDE = 1 PANEL</a:t>
+            </a:r>
+            <a:br>
+              <a:rPr lang="en-US" dirty="0"/>
+            </a:br>
+            <a:r>
+              <a:rPr lang="en-US" dirty="0"/>
+              <a:t>B-F- = beta0 + beta5</a:t>
+            </a:r>
+          </a:p>
+          <a:p>
+            <a:r>
+              <a:rPr lang="en-US" dirty="0"/>
+              <a:t>B+F- = beta0 + beta1 + beta5 (no unique beta here b/c no interaction between bison and pesticide)</a:t>
+            </a:r>
+          </a:p>
+          <a:p>
+            <a:r>
+              <a:rPr lang="en-US" dirty="0"/>
+              <a:t>B-F+ = beta0 + beta2 + beta5 + beta7</a:t>
+            </a:r>
+            <a:br>
+              <a:rPr lang="en-US" dirty="0"/>
+            </a:br>
+            <a:r>
+              <a:rPr lang="en-US" dirty="0"/>
+              <a:t>B+F+ = beta0 + beta1 + beta2 + beta6 + beta5 + beta7 + beta8</a:t>
+            </a:r>
+          </a:p>
+          <a:p>
+            <a:endParaRPr lang="en-US" dirty="0"/>
+          </a:p>
+          <a:p>
+            <a:endParaRPr lang="en-US" dirty="0"/>
+          </a:p>
+        </p:txBody>
+      </p:sp>
+      <p:sp>
+        <p:nvSpPr>
+          <p:cNvPr id="4" name="Slide Number Placeholder 3">
+            <a:extLst>
+              <a:ext uri="{FF2B5EF4-FFF2-40B4-BE49-F238E27FC236}">
+                <a16:creationId xmlns:a16="http://schemas.microsoft.com/office/drawing/2014/main" id="{C3584C38-A5A5-F1A0-A41D-8DC89C93340E}"/>
+              </a:ext>
+            </a:extLst>
+          </p:cNvPr>
+          <p:cNvSpPr>
+            <a:spLocks noGrp="1"/>
+          </p:cNvSpPr>
+          <p:nvPr>
+            <p:ph type="sldNum" sz="quarter" idx="5"/>
+          </p:nvPr>
+        </p:nvSpPr>
+        <p:spPr/>
+        <p:txBody>
+          <a:bodyPr/>
+          <a:lstStyle/>
+          <a:p>
+            <a:fld id="{F7C71EB2-F41A-BC4A-9EA3-D6C045544FCF}" type="slidenum">
+              <a:rPr lang="en-US" smtClean="0"/>
+              <a:t>9</a:t>
+            </a:fld>
+            <a:endParaRPr lang="en-US"/>
+          </a:p>
+        </p:txBody>
+      </p:sp>
+    </p:spTree>
+    <p:extLst>
+      <p:ext uri="{BB962C8B-B14F-4D97-AF65-F5344CB8AC3E}">
+        <p14:creationId xmlns:p14="http://schemas.microsoft.com/office/powerpoint/2010/main" val="3372676456"/>
       </p:ext>
     </p:extLst>
   </p:cSld>
@@ -1466,7 +1756,7 @@
           <a:p>
             <a:fld id="{25E255C5-7EA0-8A45-ABF1-83411D503117}" type="datetimeFigureOut">
               <a:rPr lang="en-US" smtClean="0"/>
-              <a:t>9/29/24</a:t>
+              <a:t>11/25/24</a:t>
             </a:fld>
             <a:endParaRPr lang="en-US"/>
           </a:p>
@@ -1636,7 +1926,7 @@
           <a:p>
             <a:fld id="{25E255C5-7EA0-8A45-ABF1-83411D503117}" type="datetimeFigureOut">
               <a:rPr lang="en-US" smtClean="0"/>
-              <a:t>9/29/24</a:t>
+              <a:t>11/25/24</a:t>
             </a:fld>
             <a:endParaRPr lang="en-US"/>
           </a:p>
@@ -1816,7 +2106,7 @@
           <a:p>
             <a:fld id="{25E255C5-7EA0-8A45-ABF1-83411D503117}" type="datetimeFigureOut">
               <a:rPr lang="en-US" smtClean="0"/>
-              <a:t>9/29/24</a:t>
+              <a:t>11/25/24</a:t>
             </a:fld>
             <a:endParaRPr lang="en-US"/>
           </a:p>
@@ -1986,7 +2276,7 @@
           <a:p>
             <a:fld id="{25E255C5-7EA0-8A45-ABF1-83411D503117}" type="datetimeFigureOut">
               <a:rPr lang="en-US" smtClean="0"/>
-              <a:t>9/29/24</a:t>
+              <a:t>11/25/24</a:t>
             </a:fld>
             <a:endParaRPr lang="en-US"/>
           </a:p>
@@ -2232,7 +2522,7 @@
           <a:p>
             <a:fld id="{25E255C5-7EA0-8A45-ABF1-83411D503117}" type="datetimeFigureOut">
               <a:rPr lang="en-US" smtClean="0"/>
-              <a:t>9/29/24</a:t>
+              <a:t>11/25/24</a:t>
             </a:fld>
             <a:endParaRPr lang="en-US"/>
           </a:p>
@@ -2464,7 +2754,7 @@
           <a:p>
             <a:fld id="{25E255C5-7EA0-8A45-ABF1-83411D503117}" type="datetimeFigureOut">
               <a:rPr lang="en-US" smtClean="0"/>
-              <a:t>9/29/24</a:t>
+              <a:t>11/25/24</a:t>
             </a:fld>
             <a:endParaRPr lang="en-US"/>
           </a:p>
@@ -2831,7 +3121,7 @@
           <a:p>
             <a:fld id="{25E255C5-7EA0-8A45-ABF1-83411D503117}" type="datetimeFigureOut">
               <a:rPr lang="en-US" smtClean="0"/>
-              <a:t>9/29/24</a:t>
+              <a:t>11/25/24</a:t>
             </a:fld>
             <a:endParaRPr lang="en-US"/>
           </a:p>
@@ -2949,7 +3239,7 @@
           <a:p>
             <a:fld id="{25E255C5-7EA0-8A45-ABF1-83411D503117}" type="datetimeFigureOut">
               <a:rPr lang="en-US" smtClean="0"/>
-              <a:t>9/29/24</a:t>
+              <a:t>11/25/24</a:t>
             </a:fld>
             <a:endParaRPr lang="en-US"/>
           </a:p>
@@ -3044,7 +3334,7 @@
           <a:p>
             <a:fld id="{25E255C5-7EA0-8A45-ABF1-83411D503117}" type="datetimeFigureOut">
               <a:rPr lang="en-US" smtClean="0"/>
-              <a:t>9/29/24</a:t>
+              <a:t>11/25/24</a:t>
             </a:fld>
             <a:endParaRPr lang="en-US"/>
           </a:p>
@@ -3321,7 +3611,7 @@
           <a:p>
             <a:fld id="{25E255C5-7EA0-8A45-ABF1-83411D503117}" type="datetimeFigureOut">
               <a:rPr lang="en-US" smtClean="0"/>
-              <a:t>9/29/24</a:t>
+              <a:t>11/25/24</a:t>
             </a:fld>
             <a:endParaRPr lang="en-US"/>
           </a:p>
@@ -3578,7 +3868,7 @@
           <a:p>
             <a:fld id="{25E255C5-7EA0-8A45-ABF1-83411D503117}" type="datetimeFigureOut">
               <a:rPr lang="en-US" smtClean="0"/>
-              <a:t>9/29/24</a:t>
+              <a:t>11/25/24</a:t>
             </a:fld>
             <a:endParaRPr lang="en-US"/>
           </a:p>
@@ -3791,7 +4081,7 @@
           <a:p>
             <a:fld id="{25E255C5-7EA0-8A45-ABF1-83411D503117}" type="datetimeFigureOut">
               <a:rPr lang="en-US" smtClean="0"/>
-              <a:t>9/29/24</a:t>
+              <a:t>11/25/24</a:t>
             </a:fld>
             <a:endParaRPr lang="en-US"/>
           </a:p>
@@ -5324,6 +5614,1900 @@
 </p:sld>
 </file>
 
+<file path=ppt/slides/slide10.xml><?xml version="1.0" encoding="utf-8"?>
+<p:sld xmlns:a="http://schemas.openxmlformats.org/drawingml/2006/main" xmlns:r="http://schemas.openxmlformats.org/officeDocument/2006/relationships" xmlns:p="http://schemas.openxmlformats.org/presentationml/2006/main">
+  <p:cSld>
+    <p:spTree>
+      <p:nvGrpSpPr>
+        <p:cNvPr id="1" name="">
+          <a:extLst>
+            <a:ext uri="{FF2B5EF4-FFF2-40B4-BE49-F238E27FC236}">
+              <a16:creationId xmlns:a16="http://schemas.microsoft.com/office/drawing/2014/main" id="{518045CB-4849-112C-1579-F90AC6099EDD}"/>
+            </a:ext>
+          </a:extLst>
+        </p:cNvPr>
+        <p:cNvGrpSpPr/>
+        <p:nvPr/>
+      </p:nvGrpSpPr>
+      <p:grpSpPr>
+        <a:xfrm>
+          <a:off x="0" y="0"/>
+          <a:ext cx="0" cy="0"/>
+          <a:chOff x="0" y="0"/>
+          <a:chExt cx="0" cy="0"/>
+        </a:xfrm>
+      </p:grpSpPr>
+      <p:sp>
+        <p:nvSpPr>
+          <p:cNvPr id="2" name="TextBox 1">
+            <a:extLst>
+              <a:ext uri="{FF2B5EF4-FFF2-40B4-BE49-F238E27FC236}">
+                <a16:creationId xmlns:a16="http://schemas.microsoft.com/office/drawing/2014/main" id="{1B76E1E2-E0C3-3521-1E65-FDA47D68D565}"/>
+              </a:ext>
+            </a:extLst>
+          </p:cNvPr>
+          <p:cNvSpPr txBox="1"/>
+          <p:nvPr/>
+        </p:nvSpPr>
+        <p:spPr>
+          <a:xfrm>
+            <a:off x="377329" y="1374186"/>
+            <a:ext cx="2475202" cy="477054"/>
+          </a:xfrm>
+          <a:prstGeom prst="rect">
+            <a:avLst/>
+          </a:prstGeom>
+          <a:noFill/>
+        </p:spPr>
+        <p:txBody>
+          <a:bodyPr wrap="square" rtlCol="0">
+            <a:spAutoFit/>
+          </a:bodyPr>
+          <a:lstStyle/>
+          <a:p>
+            <a:pPr algn="ctr"/>
+            <a:r>
+              <a:rPr lang="en-US" sz="2500" dirty="0"/>
+              <a:t>Individual 1</a:t>
+            </a:r>
+          </a:p>
+        </p:txBody>
+      </p:sp>
+      <p:sp>
+        <p:nvSpPr>
+          <p:cNvPr id="3" name="TextBox 2">
+            <a:extLst>
+              <a:ext uri="{FF2B5EF4-FFF2-40B4-BE49-F238E27FC236}">
+                <a16:creationId xmlns:a16="http://schemas.microsoft.com/office/drawing/2014/main" id="{EBC69DD9-0DDE-EB86-07D6-89EF48F851B1}"/>
+              </a:ext>
+            </a:extLst>
+          </p:cNvPr>
+          <p:cNvSpPr txBox="1"/>
+          <p:nvPr/>
+        </p:nvSpPr>
+        <p:spPr>
+          <a:xfrm>
+            <a:off x="3243112" y="1374186"/>
+            <a:ext cx="2475202" cy="477054"/>
+          </a:xfrm>
+          <a:prstGeom prst="rect">
+            <a:avLst/>
+          </a:prstGeom>
+          <a:noFill/>
+        </p:spPr>
+        <p:txBody>
+          <a:bodyPr wrap="square" rtlCol="0">
+            <a:spAutoFit/>
+          </a:bodyPr>
+          <a:lstStyle/>
+          <a:p>
+            <a:pPr algn="ctr"/>
+            <a:r>
+              <a:rPr lang="en-US" sz="2500" dirty="0"/>
+              <a:t>Individual 2</a:t>
+            </a:r>
+          </a:p>
+        </p:txBody>
+      </p:sp>
+      <p:sp>
+        <p:nvSpPr>
+          <p:cNvPr id="4" name="TextBox 3">
+            <a:extLst>
+              <a:ext uri="{FF2B5EF4-FFF2-40B4-BE49-F238E27FC236}">
+                <a16:creationId xmlns:a16="http://schemas.microsoft.com/office/drawing/2014/main" id="{CF2E8726-2D40-FF5E-E317-361E707819B7}"/>
+              </a:ext>
+            </a:extLst>
+          </p:cNvPr>
+          <p:cNvSpPr txBox="1"/>
+          <p:nvPr/>
+        </p:nvSpPr>
+        <p:spPr>
+          <a:xfrm>
+            <a:off x="6108895" y="1374186"/>
+            <a:ext cx="2475202" cy="477054"/>
+          </a:xfrm>
+          <a:prstGeom prst="rect">
+            <a:avLst/>
+          </a:prstGeom>
+          <a:noFill/>
+        </p:spPr>
+        <p:txBody>
+          <a:bodyPr wrap="square" rtlCol="0">
+            <a:spAutoFit/>
+          </a:bodyPr>
+          <a:lstStyle/>
+          <a:p>
+            <a:pPr algn="ctr"/>
+            <a:r>
+              <a:rPr lang="en-US" sz="2500" dirty="0"/>
+              <a:t>Individual 3</a:t>
+            </a:r>
+          </a:p>
+        </p:txBody>
+      </p:sp>
+      <p:sp>
+        <p:nvSpPr>
+          <p:cNvPr id="5" name="TextBox 4">
+            <a:extLst>
+              <a:ext uri="{FF2B5EF4-FFF2-40B4-BE49-F238E27FC236}">
+                <a16:creationId xmlns:a16="http://schemas.microsoft.com/office/drawing/2014/main" id="{8BB04707-FB5F-0445-B8FA-1996973B568F}"/>
+              </a:ext>
+            </a:extLst>
+          </p:cNvPr>
+          <p:cNvSpPr txBox="1"/>
+          <p:nvPr/>
+        </p:nvSpPr>
+        <p:spPr>
+          <a:xfrm>
+            <a:off x="9527955" y="1374186"/>
+            <a:ext cx="2475202" cy="477054"/>
+          </a:xfrm>
+          <a:prstGeom prst="rect">
+            <a:avLst/>
+          </a:prstGeom>
+          <a:noFill/>
+        </p:spPr>
+        <p:txBody>
+          <a:bodyPr wrap="square" rtlCol="0">
+            <a:spAutoFit/>
+          </a:bodyPr>
+          <a:lstStyle/>
+          <a:p>
+            <a:pPr algn="ctr"/>
+            <a:r>
+              <a:rPr lang="en-US" sz="2500" dirty="0"/>
+              <a:t>Individual 10</a:t>
+            </a:r>
+          </a:p>
+        </p:txBody>
+      </p:sp>
+      <p:sp>
+        <p:nvSpPr>
+          <p:cNvPr id="9" name="TextBox 8">
+            <a:extLst>
+              <a:ext uri="{FF2B5EF4-FFF2-40B4-BE49-F238E27FC236}">
+                <a16:creationId xmlns:a16="http://schemas.microsoft.com/office/drawing/2014/main" id="{AA2665F1-3060-8B18-8BEF-829E7E7DC589}"/>
+              </a:ext>
+            </a:extLst>
+          </p:cNvPr>
+          <p:cNvSpPr txBox="1"/>
+          <p:nvPr/>
+        </p:nvSpPr>
+        <p:spPr>
+          <a:xfrm>
+            <a:off x="8772809" y="1033863"/>
+            <a:ext cx="600937" cy="861774"/>
+          </a:xfrm>
+          <a:prstGeom prst="rect">
+            <a:avLst/>
+          </a:prstGeom>
+          <a:noFill/>
+        </p:spPr>
+        <p:txBody>
+          <a:bodyPr wrap="square" rtlCol="0">
+            <a:spAutoFit/>
+          </a:bodyPr>
+          <a:lstStyle/>
+          <a:p>
+            <a:r>
+              <a:rPr lang="en-US" sz="5000" dirty="0"/>
+              <a:t>…</a:t>
+            </a:r>
+          </a:p>
+        </p:txBody>
+      </p:sp>
+      <p:sp>
+        <p:nvSpPr>
+          <p:cNvPr id="15" name="TextBox 14">
+            <a:extLst>
+              <a:ext uri="{FF2B5EF4-FFF2-40B4-BE49-F238E27FC236}">
+                <a16:creationId xmlns:a16="http://schemas.microsoft.com/office/drawing/2014/main" id="{310E82BB-C4FB-AFFD-5248-0B5B44620328}"/>
+              </a:ext>
+            </a:extLst>
+          </p:cNvPr>
+          <p:cNvSpPr txBox="1"/>
+          <p:nvPr/>
+        </p:nvSpPr>
+        <p:spPr>
+          <a:xfrm>
+            <a:off x="3260364" y="229005"/>
+            <a:ext cx="2475202" cy="477054"/>
+          </a:xfrm>
+          <a:prstGeom prst="rect">
+            <a:avLst/>
+          </a:prstGeom>
+          <a:noFill/>
+        </p:spPr>
+        <p:txBody>
+          <a:bodyPr wrap="square" rtlCol="0">
+            <a:spAutoFit/>
+          </a:bodyPr>
+          <a:lstStyle/>
+          <a:p>
+            <a:pPr algn="ctr"/>
+            <a:r>
+              <a:rPr lang="en-US" sz="2500" dirty="0"/>
+              <a:t>Female</a:t>
+            </a:r>
+          </a:p>
+        </p:txBody>
+      </p:sp>
+      <p:sp>
+        <p:nvSpPr>
+          <p:cNvPr id="18" name="TextBox 17">
+            <a:extLst>
+              <a:ext uri="{FF2B5EF4-FFF2-40B4-BE49-F238E27FC236}">
+                <a16:creationId xmlns:a16="http://schemas.microsoft.com/office/drawing/2014/main" id="{ADB268BE-56B1-9F0A-EAFE-0870F37FC595}"/>
+              </a:ext>
+            </a:extLst>
+          </p:cNvPr>
+          <p:cNvSpPr txBox="1"/>
+          <p:nvPr/>
+        </p:nvSpPr>
+        <p:spPr>
+          <a:xfrm>
+            <a:off x="6126147" y="229005"/>
+            <a:ext cx="2475202" cy="477054"/>
+          </a:xfrm>
+          <a:prstGeom prst="rect">
+            <a:avLst/>
+          </a:prstGeom>
+          <a:noFill/>
+        </p:spPr>
+        <p:txBody>
+          <a:bodyPr wrap="square" rtlCol="0">
+            <a:spAutoFit/>
+          </a:bodyPr>
+          <a:lstStyle/>
+          <a:p>
+            <a:pPr algn="ctr"/>
+            <a:r>
+              <a:rPr lang="en-US" sz="2500" dirty="0"/>
+              <a:t>Male</a:t>
+            </a:r>
+          </a:p>
+        </p:txBody>
+      </p:sp>
+      <p:sp>
+        <p:nvSpPr>
+          <p:cNvPr id="23" name="TextBox 22">
+            <a:extLst>
+              <a:ext uri="{FF2B5EF4-FFF2-40B4-BE49-F238E27FC236}">
+                <a16:creationId xmlns:a16="http://schemas.microsoft.com/office/drawing/2014/main" id="{3ADAC3D5-BBE4-06BF-9A91-F98A7FBA3735}"/>
+              </a:ext>
+            </a:extLst>
+          </p:cNvPr>
+          <p:cNvSpPr txBox="1"/>
+          <p:nvPr/>
+        </p:nvSpPr>
+        <p:spPr>
+          <a:xfrm>
+            <a:off x="-1140" y="2364107"/>
+            <a:ext cx="712339" cy="861774"/>
+          </a:xfrm>
+          <a:prstGeom prst="rect">
+            <a:avLst/>
+          </a:prstGeom>
+          <a:noFill/>
+        </p:spPr>
+        <p:txBody>
+          <a:bodyPr wrap="square" rtlCol="0">
+            <a:spAutoFit/>
+          </a:bodyPr>
+          <a:lstStyle/>
+          <a:p>
+            <a:pPr algn="ctr"/>
+            <a:r>
+              <a:rPr lang="en-US" sz="2500" dirty="0"/>
+              <a:t>Age 1</a:t>
+            </a:r>
+          </a:p>
+        </p:txBody>
+      </p:sp>
+      <p:cxnSp>
+        <p:nvCxnSpPr>
+          <p:cNvPr id="26" name="Straight Connector 25">
+            <a:extLst>
+              <a:ext uri="{FF2B5EF4-FFF2-40B4-BE49-F238E27FC236}">
+                <a16:creationId xmlns:a16="http://schemas.microsoft.com/office/drawing/2014/main" id="{4D927904-4A5F-1B22-0C1C-6E7AA0D1BB2D}"/>
+              </a:ext>
+            </a:extLst>
+          </p:cNvPr>
+          <p:cNvCxnSpPr>
+            <a:stCxn id="15" idx="2"/>
+            <a:endCxn id="2" idx="0"/>
+          </p:cNvCxnSpPr>
+          <p:nvPr/>
+        </p:nvCxnSpPr>
+        <p:spPr>
+          <a:xfrm flipH="1">
+            <a:off x="1614930" y="706059"/>
+            <a:ext cx="2883035" cy="668127"/>
+          </a:xfrm>
+          <a:prstGeom prst="line">
+            <a:avLst/>
+          </a:prstGeom>
+          <a:ln w="63500"/>
+        </p:spPr>
+        <p:style>
+          <a:lnRef idx="1">
+            <a:schemeClr val="dk1"/>
+          </a:lnRef>
+          <a:fillRef idx="0">
+            <a:schemeClr val="dk1"/>
+          </a:fillRef>
+          <a:effectRef idx="0">
+            <a:schemeClr val="dk1"/>
+          </a:effectRef>
+          <a:fontRef idx="minor">
+            <a:schemeClr val="tx1"/>
+          </a:fontRef>
+        </p:style>
+      </p:cxnSp>
+      <p:cxnSp>
+        <p:nvCxnSpPr>
+          <p:cNvPr id="27" name="Straight Connector 26">
+            <a:extLst>
+              <a:ext uri="{FF2B5EF4-FFF2-40B4-BE49-F238E27FC236}">
+                <a16:creationId xmlns:a16="http://schemas.microsoft.com/office/drawing/2014/main" id="{DC4EAFF4-BE8B-B9E0-473D-5351E249805D}"/>
+              </a:ext>
+            </a:extLst>
+          </p:cNvPr>
+          <p:cNvCxnSpPr>
+            <a:cxnSpLocks/>
+            <a:stCxn id="15" idx="2"/>
+            <a:endCxn id="4" idx="0"/>
+          </p:cNvCxnSpPr>
+          <p:nvPr/>
+        </p:nvCxnSpPr>
+        <p:spPr>
+          <a:xfrm>
+            <a:off x="4497965" y="706059"/>
+            <a:ext cx="2848531" cy="668127"/>
+          </a:xfrm>
+          <a:prstGeom prst="line">
+            <a:avLst/>
+          </a:prstGeom>
+          <a:ln w="63500"/>
+        </p:spPr>
+        <p:style>
+          <a:lnRef idx="1">
+            <a:schemeClr val="dk1"/>
+          </a:lnRef>
+          <a:fillRef idx="0">
+            <a:schemeClr val="dk1"/>
+          </a:fillRef>
+          <a:effectRef idx="0">
+            <a:schemeClr val="dk1"/>
+          </a:effectRef>
+          <a:fontRef idx="minor">
+            <a:schemeClr val="tx1"/>
+          </a:fontRef>
+        </p:style>
+      </p:cxnSp>
+      <p:cxnSp>
+        <p:nvCxnSpPr>
+          <p:cNvPr id="30" name="Straight Connector 29">
+            <a:extLst>
+              <a:ext uri="{FF2B5EF4-FFF2-40B4-BE49-F238E27FC236}">
+                <a16:creationId xmlns:a16="http://schemas.microsoft.com/office/drawing/2014/main" id="{F1D13A68-093F-ADE0-F6DB-FBA5DCB4924B}"/>
+              </a:ext>
+            </a:extLst>
+          </p:cNvPr>
+          <p:cNvCxnSpPr>
+            <a:cxnSpLocks/>
+            <a:stCxn id="18" idx="2"/>
+            <a:endCxn id="5" idx="0"/>
+          </p:cNvCxnSpPr>
+          <p:nvPr/>
+        </p:nvCxnSpPr>
+        <p:spPr>
+          <a:xfrm>
+            <a:off x="7363748" y="706059"/>
+            <a:ext cx="3401808" cy="668127"/>
+          </a:xfrm>
+          <a:prstGeom prst="line">
+            <a:avLst/>
+          </a:prstGeom>
+          <a:ln w="63500"/>
+        </p:spPr>
+        <p:style>
+          <a:lnRef idx="1">
+            <a:schemeClr val="dk1"/>
+          </a:lnRef>
+          <a:fillRef idx="0">
+            <a:schemeClr val="dk1"/>
+          </a:fillRef>
+          <a:effectRef idx="0">
+            <a:schemeClr val="dk1"/>
+          </a:effectRef>
+          <a:fontRef idx="minor">
+            <a:schemeClr val="tx1"/>
+          </a:fontRef>
+        </p:style>
+      </p:cxnSp>
+      <p:cxnSp>
+        <p:nvCxnSpPr>
+          <p:cNvPr id="31" name="Straight Connector 30">
+            <a:extLst>
+              <a:ext uri="{FF2B5EF4-FFF2-40B4-BE49-F238E27FC236}">
+                <a16:creationId xmlns:a16="http://schemas.microsoft.com/office/drawing/2014/main" id="{F0922D30-8331-E20D-A2B8-2C32C33522C8}"/>
+              </a:ext>
+            </a:extLst>
+          </p:cNvPr>
+          <p:cNvCxnSpPr>
+            <a:cxnSpLocks/>
+            <a:stCxn id="18" idx="2"/>
+            <a:endCxn id="3" idx="0"/>
+          </p:cNvCxnSpPr>
+          <p:nvPr/>
+        </p:nvCxnSpPr>
+        <p:spPr>
+          <a:xfrm flipH="1">
+            <a:off x="4480713" y="706059"/>
+            <a:ext cx="2883035" cy="668127"/>
+          </a:xfrm>
+          <a:prstGeom prst="line">
+            <a:avLst/>
+          </a:prstGeom>
+          <a:ln w="63500"/>
+        </p:spPr>
+        <p:style>
+          <a:lnRef idx="1">
+            <a:schemeClr val="dk1"/>
+          </a:lnRef>
+          <a:fillRef idx="0">
+            <a:schemeClr val="dk1"/>
+          </a:fillRef>
+          <a:effectRef idx="0">
+            <a:schemeClr val="dk1"/>
+          </a:effectRef>
+          <a:fontRef idx="minor">
+            <a:schemeClr val="tx1"/>
+          </a:fontRef>
+        </p:style>
+      </p:cxnSp>
+      <p:cxnSp>
+        <p:nvCxnSpPr>
+          <p:cNvPr id="34" name="Straight Connector 33">
+            <a:extLst>
+              <a:ext uri="{FF2B5EF4-FFF2-40B4-BE49-F238E27FC236}">
+                <a16:creationId xmlns:a16="http://schemas.microsoft.com/office/drawing/2014/main" id="{D855B559-E60D-3324-DA21-E0893EB3DC53}"/>
+              </a:ext>
+            </a:extLst>
+          </p:cNvPr>
+          <p:cNvCxnSpPr>
+            <a:cxnSpLocks/>
+            <a:stCxn id="2" idx="2"/>
+            <a:endCxn id="23" idx="0"/>
+          </p:cNvCxnSpPr>
+          <p:nvPr/>
+        </p:nvCxnSpPr>
+        <p:spPr>
+          <a:xfrm flipH="1">
+            <a:off x="355030" y="1851240"/>
+            <a:ext cx="1259900" cy="512867"/>
+          </a:xfrm>
+          <a:prstGeom prst="line">
+            <a:avLst/>
+          </a:prstGeom>
+          <a:ln w="63500"/>
+        </p:spPr>
+        <p:style>
+          <a:lnRef idx="1">
+            <a:schemeClr val="dk1"/>
+          </a:lnRef>
+          <a:fillRef idx="0">
+            <a:schemeClr val="dk1"/>
+          </a:fillRef>
+          <a:effectRef idx="0">
+            <a:schemeClr val="dk1"/>
+          </a:effectRef>
+          <a:fontRef idx="minor">
+            <a:schemeClr val="tx1"/>
+          </a:fontRef>
+        </p:style>
+      </p:cxnSp>
+      <p:sp>
+        <p:nvSpPr>
+          <p:cNvPr id="121" name="TextBox 120">
+            <a:extLst>
+              <a:ext uri="{FF2B5EF4-FFF2-40B4-BE49-F238E27FC236}">
+                <a16:creationId xmlns:a16="http://schemas.microsoft.com/office/drawing/2014/main" id="{DEB2B29E-BFE7-79A1-BC84-115AA40563E1}"/>
+              </a:ext>
+            </a:extLst>
+          </p:cNvPr>
+          <p:cNvSpPr txBox="1"/>
+          <p:nvPr/>
+        </p:nvSpPr>
+        <p:spPr>
+          <a:xfrm>
+            <a:off x="558631" y="2374461"/>
+            <a:ext cx="712339" cy="861774"/>
+          </a:xfrm>
+          <a:prstGeom prst="rect">
+            <a:avLst/>
+          </a:prstGeom>
+          <a:noFill/>
+        </p:spPr>
+        <p:txBody>
+          <a:bodyPr wrap="square" rtlCol="0">
+            <a:spAutoFit/>
+          </a:bodyPr>
+          <a:lstStyle/>
+          <a:p>
+            <a:pPr algn="ctr"/>
+            <a:r>
+              <a:rPr lang="en-US" sz="2500" dirty="0"/>
+              <a:t>Age 2</a:t>
+            </a:r>
+          </a:p>
+        </p:txBody>
+      </p:sp>
+      <p:cxnSp>
+        <p:nvCxnSpPr>
+          <p:cNvPr id="122" name="Straight Connector 121">
+            <a:extLst>
+              <a:ext uri="{FF2B5EF4-FFF2-40B4-BE49-F238E27FC236}">
+                <a16:creationId xmlns:a16="http://schemas.microsoft.com/office/drawing/2014/main" id="{8119E846-3257-9E19-8D74-11B5BAFC17AE}"/>
+              </a:ext>
+            </a:extLst>
+          </p:cNvPr>
+          <p:cNvCxnSpPr>
+            <a:cxnSpLocks/>
+            <a:stCxn id="2" idx="2"/>
+            <a:endCxn id="121" idx="0"/>
+          </p:cNvCxnSpPr>
+          <p:nvPr/>
+        </p:nvCxnSpPr>
+        <p:spPr>
+          <a:xfrm flipH="1">
+            <a:off x="914801" y="1851240"/>
+            <a:ext cx="700129" cy="523221"/>
+          </a:xfrm>
+          <a:prstGeom prst="line">
+            <a:avLst/>
+          </a:prstGeom>
+          <a:ln w="63500"/>
+        </p:spPr>
+        <p:style>
+          <a:lnRef idx="1">
+            <a:schemeClr val="dk1"/>
+          </a:lnRef>
+          <a:fillRef idx="0">
+            <a:schemeClr val="dk1"/>
+          </a:fillRef>
+          <a:effectRef idx="0">
+            <a:schemeClr val="dk1"/>
+          </a:effectRef>
+          <a:fontRef idx="minor">
+            <a:schemeClr val="tx1"/>
+          </a:fontRef>
+        </p:style>
+      </p:cxnSp>
+      <p:sp>
+        <p:nvSpPr>
+          <p:cNvPr id="124" name="TextBox 123">
+            <a:extLst>
+              <a:ext uri="{FF2B5EF4-FFF2-40B4-BE49-F238E27FC236}">
+                <a16:creationId xmlns:a16="http://schemas.microsoft.com/office/drawing/2014/main" id="{DE8B3DC6-DDB8-97F1-85A8-BD0BCE0EADB6}"/>
+              </a:ext>
+            </a:extLst>
+          </p:cNvPr>
+          <p:cNvSpPr txBox="1"/>
+          <p:nvPr/>
+        </p:nvSpPr>
+        <p:spPr>
+          <a:xfrm>
+            <a:off x="1136440" y="2374267"/>
+            <a:ext cx="712339" cy="861774"/>
+          </a:xfrm>
+          <a:prstGeom prst="rect">
+            <a:avLst/>
+          </a:prstGeom>
+          <a:noFill/>
+        </p:spPr>
+        <p:txBody>
+          <a:bodyPr wrap="square" rtlCol="0">
+            <a:spAutoFit/>
+          </a:bodyPr>
+          <a:lstStyle/>
+          <a:p>
+            <a:pPr algn="ctr"/>
+            <a:r>
+              <a:rPr lang="en-US" sz="2500" dirty="0"/>
+              <a:t>Age 3</a:t>
+            </a:r>
+          </a:p>
+        </p:txBody>
+      </p:sp>
+      <p:cxnSp>
+        <p:nvCxnSpPr>
+          <p:cNvPr id="125" name="Straight Connector 124">
+            <a:extLst>
+              <a:ext uri="{FF2B5EF4-FFF2-40B4-BE49-F238E27FC236}">
+                <a16:creationId xmlns:a16="http://schemas.microsoft.com/office/drawing/2014/main" id="{5A0FC63F-685F-9AD0-CCBF-AA4D14C4EBA7}"/>
+              </a:ext>
+            </a:extLst>
+          </p:cNvPr>
+          <p:cNvCxnSpPr>
+            <a:cxnSpLocks/>
+            <a:stCxn id="2" idx="2"/>
+            <a:endCxn id="124" idx="0"/>
+          </p:cNvCxnSpPr>
+          <p:nvPr/>
+        </p:nvCxnSpPr>
+        <p:spPr>
+          <a:xfrm flipH="1">
+            <a:off x="1492610" y="1851240"/>
+            <a:ext cx="122320" cy="523027"/>
+          </a:xfrm>
+          <a:prstGeom prst="line">
+            <a:avLst/>
+          </a:prstGeom>
+          <a:ln w="63500"/>
+        </p:spPr>
+        <p:style>
+          <a:lnRef idx="1">
+            <a:schemeClr val="dk1"/>
+          </a:lnRef>
+          <a:fillRef idx="0">
+            <a:schemeClr val="dk1"/>
+          </a:fillRef>
+          <a:effectRef idx="0">
+            <a:schemeClr val="dk1"/>
+          </a:effectRef>
+          <a:fontRef idx="minor">
+            <a:schemeClr val="tx1"/>
+          </a:fontRef>
+        </p:style>
+      </p:cxnSp>
+      <p:sp>
+        <p:nvSpPr>
+          <p:cNvPr id="127" name="TextBox 126">
+            <a:extLst>
+              <a:ext uri="{FF2B5EF4-FFF2-40B4-BE49-F238E27FC236}">
+                <a16:creationId xmlns:a16="http://schemas.microsoft.com/office/drawing/2014/main" id="{737B18DA-FBF3-E226-DBCD-D6B8DE11F8AC}"/>
+              </a:ext>
+            </a:extLst>
+          </p:cNvPr>
+          <p:cNvSpPr txBox="1"/>
+          <p:nvPr/>
+        </p:nvSpPr>
+        <p:spPr>
+          <a:xfrm>
+            <a:off x="1624804" y="2364107"/>
+            <a:ext cx="712339" cy="477054"/>
+          </a:xfrm>
+          <a:prstGeom prst="rect">
+            <a:avLst/>
+          </a:prstGeom>
+          <a:noFill/>
+        </p:spPr>
+        <p:txBody>
+          <a:bodyPr wrap="square" rtlCol="0">
+            <a:spAutoFit/>
+          </a:bodyPr>
+          <a:lstStyle/>
+          <a:p>
+            <a:pPr algn="ctr"/>
+            <a:r>
+              <a:rPr lang="en-US" sz="2500" dirty="0"/>
+              <a:t>…</a:t>
+            </a:r>
+          </a:p>
+        </p:txBody>
+      </p:sp>
+      <p:sp>
+        <p:nvSpPr>
+          <p:cNvPr id="128" name="TextBox 127">
+            <a:extLst>
+              <a:ext uri="{FF2B5EF4-FFF2-40B4-BE49-F238E27FC236}">
+                <a16:creationId xmlns:a16="http://schemas.microsoft.com/office/drawing/2014/main" id="{9C73FD8E-0C8E-04CD-3826-C5AF4A9CC4CD}"/>
+              </a:ext>
+            </a:extLst>
+          </p:cNvPr>
+          <p:cNvSpPr txBox="1"/>
+          <p:nvPr/>
+        </p:nvSpPr>
+        <p:spPr>
+          <a:xfrm>
+            <a:off x="2132120" y="2374267"/>
+            <a:ext cx="712339" cy="861774"/>
+          </a:xfrm>
+          <a:prstGeom prst="rect">
+            <a:avLst/>
+          </a:prstGeom>
+          <a:noFill/>
+        </p:spPr>
+        <p:txBody>
+          <a:bodyPr wrap="square" rtlCol="0">
+            <a:spAutoFit/>
+          </a:bodyPr>
+          <a:lstStyle/>
+          <a:p>
+            <a:pPr algn="ctr"/>
+            <a:r>
+              <a:rPr lang="en-US" sz="2500" dirty="0"/>
+              <a:t>Age 10</a:t>
+            </a:r>
+          </a:p>
+        </p:txBody>
+      </p:sp>
+      <p:cxnSp>
+        <p:nvCxnSpPr>
+          <p:cNvPr id="129" name="Straight Connector 128">
+            <a:extLst>
+              <a:ext uri="{FF2B5EF4-FFF2-40B4-BE49-F238E27FC236}">
+                <a16:creationId xmlns:a16="http://schemas.microsoft.com/office/drawing/2014/main" id="{8CB780A4-86A7-D152-78CA-2208246B74BE}"/>
+              </a:ext>
+            </a:extLst>
+          </p:cNvPr>
+          <p:cNvCxnSpPr>
+            <a:cxnSpLocks/>
+            <a:stCxn id="2" idx="2"/>
+            <a:endCxn id="128" idx="0"/>
+          </p:cNvCxnSpPr>
+          <p:nvPr/>
+        </p:nvCxnSpPr>
+        <p:spPr>
+          <a:xfrm>
+            <a:off x="1614930" y="1851240"/>
+            <a:ext cx="873360" cy="523027"/>
+          </a:xfrm>
+          <a:prstGeom prst="line">
+            <a:avLst/>
+          </a:prstGeom>
+          <a:ln w="63500"/>
+        </p:spPr>
+        <p:style>
+          <a:lnRef idx="1">
+            <a:schemeClr val="dk1"/>
+          </a:lnRef>
+          <a:fillRef idx="0">
+            <a:schemeClr val="dk1"/>
+          </a:fillRef>
+          <a:effectRef idx="0">
+            <a:schemeClr val="dk1"/>
+          </a:effectRef>
+          <a:fontRef idx="minor">
+            <a:schemeClr val="tx1"/>
+          </a:fontRef>
+        </p:style>
+      </p:cxnSp>
+      <p:sp>
+        <p:nvSpPr>
+          <p:cNvPr id="131" name="TextBox 130">
+            <a:extLst>
+              <a:ext uri="{FF2B5EF4-FFF2-40B4-BE49-F238E27FC236}">
+                <a16:creationId xmlns:a16="http://schemas.microsoft.com/office/drawing/2014/main" id="{B271BA95-C81D-1362-9595-9FEF47CC4A79}"/>
+              </a:ext>
+            </a:extLst>
+          </p:cNvPr>
+          <p:cNvSpPr txBox="1"/>
+          <p:nvPr/>
+        </p:nvSpPr>
+        <p:spPr>
+          <a:xfrm>
+            <a:off x="2818254" y="2332810"/>
+            <a:ext cx="712339" cy="861774"/>
+          </a:xfrm>
+          <a:prstGeom prst="rect">
+            <a:avLst/>
+          </a:prstGeom>
+          <a:noFill/>
+        </p:spPr>
+        <p:txBody>
+          <a:bodyPr wrap="square" rtlCol="0">
+            <a:spAutoFit/>
+          </a:bodyPr>
+          <a:lstStyle/>
+          <a:p>
+            <a:pPr algn="ctr"/>
+            <a:r>
+              <a:rPr lang="en-US" sz="2500" dirty="0"/>
+              <a:t>Age 1</a:t>
+            </a:r>
+          </a:p>
+        </p:txBody>
+      </p:sp>
+      <p:cxnSp>
+        <p:nvCxnSpPr>
+          <p:cNvPr id="132" name="Straight Connector 131">
+            <a:extLst>
+              <a:ext uri="{FF2B5EF4-FFF2-40B4-BE49-F238E27FC236}">
+                <a16:creationId xmlns:a16="http://schemas.microsoft.com/office/drawing/2014/main" id="{84760A67-62CE-5ACA-868B-8643622B0B51}"/>
+              </a:ext>
+            </a:extLst>
+          </p:cNvPr>
+          <p:cNvCxnSpPr>
+            <a:cxnSpLocks/>
+            <a:endCxn id="131" idx="0"/>
+          </p:cNvCxnSpPr>
+          <p:nvPr/>
+        </p:nvCxnSpPr>
+        <p:spPr>
+          <a:xfrm flipH="1">
+            <a:off x="3174424" y="1819943"/>
+            <a:ext cx="1259900" cy="512867"/>
+          </a:xfrm>
+          <a:prstGeom prst="line">
+            <a:avLst/>
+          </a:prstGeom>
+          <a:ln w="63500"/>
+        </p:spPr>
+        <p:style>
+          <a:lnRef idx="1">
+            <a:schemeClr val="dk1"/>
+          </a:lnRef>
+          <a:fillRef idx="0">
+            <a:schemeClr val="dk1"/>
+          </a:fillRef>
+          <a:effectRef idx="0">
+            <a:schemeClr val="dk1"/>
+          </a:effectRef>
+          <a:fontRef idx="minor">
+            <a:schemeClr val="tx1"/>
+          </a:fontRef>
+        </p:style>
+      </p:cxnSp>
+      <p:sp>
+        <p:nvSpPr>
+          <p:cNvPr id="133" name="TextBox 132">
+            <a:extLst>
+              <a:ext uri="{FF2B5EF4-FFF2-40B4-BE49-F238E27FC236}">
+                <a16:creationId xmlns:a16="http://schemas.microsoft.com/office/drawing/2014/main" id="{D5BA1018-AAB7-A2DD-34CB-6B3A0E977D18}"/>
+              </a:ext>
+            </a:extLst>
+          </p:cNvPr>
+          <p:cNvSpPr txBox="1"/>
+          <p:nvPr/>
+        </p:nvSpPr>
+        <p:spPr>
+          <a:xfrm>
+            <a:off x="3378025" y="2343164"/>
+            <a:ext cx="712339" cy="861774"/>
+          </a:xfrm>
+          <a:prstGeom prst="rect">
+            <a:avLst/>
+          </a:prstGeom>
+          <a:noFill/>
+        </p:spPr>
+        <p:txBody>
+          <a:bodyPr wrap="square" rtlCol="0">
+            <a:spAutoFit/>
+          </a:bodyPr>
+          <a:lstStyle/>
+          <a:p>
+            <a:pPr algn="ctr"/>
+            <a:r>
+              <a:rPr lang="en-US" sz="2500" dirty="0"/>
+              <a:t>Age 2</a:t>
+            </a:r>
+          </a:p>
+        </p:txBody>
+      </p:sp>
+      <p:cxnSp>
+        <p:nvCxnSpPr>
+          <p:cNvPr id="134" name="Straight Connector 133">
+            <a:extLst>
+              <a:ext uri="{FF2B5EF4-FFF2-40B4-BE49-F238E27FC236}">
+                <a16:creationId xmlns:a16="http://schemas.microsoft.com/office/drawing/2014/main" id="{81A05372-185B-0933-BB46-24C4A14E301D}"/>
+              </a:ext>
+            </a:extLst>
+          </p:cNvPr>
+          <p:cNvCxnSpPr>
+            <a:cxnSpLocks/>
+            <a:endCxn id="133" idx="0"/>
+          </p:cNvCxnSpPr>
+          <p:nvPr/>
+        </p:nvCxnSpPr>
+        <p:spPr>
+          <a:xfrm flipH="1">
+            <a:off x="3734195" y="1819943"/>
+            <a:ext cx="700129" cy="523221"/>
+          </a:xfrm>
+          <a:prstGeom prst="line">
+            <a:avLst/>
+          </a:prstGeom>
+          <a:ln w="63500"/>
+        </p:spPr>
+        <p:style>
+          <a:lnRef idx="1">
+            <a:schemeClr val="dk1"/>
+          </a:lnRef>
+          <a:fillRef idx="0">
+            <a:schemeClr val="dk1"/>
+          </a:fillRef>
+          <a:effectRef idx="0">
+            <a:schemeClr val="dk1"/>
+          </a:effectRef>
+          <a:fontRef idx="minor">
+            <a:schemeClr val="tx1"/>
+          </a:fontRef>
+        </p:style>
+      </p:cxnSp>
+      <p:sp>
+        <p:nvSpPr>
+          <p:cNvPr id="135" name="TextBox 134">
+            <a:extLst>
+              <a:ext uri="{FF2B5EF4-FFF2-40B4-BE49-F238E27FC236}">
+                <a16:creationId xmlns:a16="http://schemas.microsoft.com/office/drawing/2014/main" id="{C41F56BF-F012-A1B0-7AD1-1618BE7205CC}"/>
+              </a:ext>
+            </a:extLst>
+          </p:cNvPr>
+          <p:cNvSpPr txBox="1"/>
+          <p:nvPr/>
+        </p:nvSpPr>
+        <p:spPr>
+          <a:xfrm>
+            <a:off x="3955834" y="2342970"/>
+            <a:ext cx="712339" cy="861774"/>
+          </a:xfrm>
+          <a:prstGeom prst="rect">
+            <a:avLst/>
+          </a:prstGeom>
+          <a:noFill/>
+        </p:spPr>
+        <p:txBody>
+          <a:bodyPr wrap="square" rtlCol="0">
+            <a:spAutoFit/>
+          </a:bodyPr>
+          <a:lstStyle/>
+          <a:p>
+            <a:pPr algn="ctr"/>
+            <a:r>
+              <a:rPr lang="en-US" sz="2500" dirty="0"/>
+              <a:t>Age 3</a:t>
+            </a:r>
+          </a:p>
+        </p:txBody>
+      </p:sp>
+      <p:cxnSp>
+        <p:nvCxnSpPr>
+          <p:cNvPr id="136" name="Straight Connector 135">
+            <a:extLst>
+              <a:ext uri="{FF2B5EF4-FFF2-40B4-BE49-F238E27FC236}">
+                <a16:creationId xmlns:a16="http://schemas.microsoft.com/office/drawing/2014/main" id="{315DF539-01FA-7C13-FF34-658DA88AECA3}"/>
+              </a:ext>
+            </a:extLst>
+          </p:cNvPr>
+          <p:cNvCxnSpPr>
+            <a:cxnSpLocks/>
+            <a:endCxn id="135" idx="0"/>
+          </p:cNvCxnSpPr>
+          <p:nvPr/>
+        </p:nvCxnSpPr>
+        <p:spPr>
+          <a:xfrm flipH="1">
+            <a:off x="4312004" y="1819943"/>
+            <a:ext cx="122320" cy="523027"/>
+          </a:xfrm>
+          <a:prstGeom prst="line">
+            <a:avLst/>
+          </a:prstGeom>
+          <a:ln w="63500"/>
+        </p:spPr>
+        <p:style>
+          <a:lnRef idx="1">
+            <a:schemeClr val="dk1"/>
+          </a:lnRef>
+          <a:fillRef idx="0">
+            <a:schemeClr val="dk1"/>
+          </a:fillRef>
+          <a:effectRef idx="0">
+            <a:schemeClr val="dk1"/>
+          </a:effectRef>
+          <a:fontRef idx="minor">
+            <a:schemeClr val="tx1"/>
+          </a:fontRef>
+        </p:style>
+      </p:cxnSp>
+      <p:sp>
+        <p:nvSpPr>
+          <p:cNvPr id="137" name="TextBox 136">
+            <a:extLst>
+              <a:ext uri="{FF2B5EF4-FFF2-40B4-BE49-F238E27FC236}">
+                <a16:creationId xmlns:a16="http://schemas.microsoft.com/office/drawing/2014/main" id="{B0BC43D7-6152-C360-6ADE-22551FE1B7E2}"/>
+              </a:ext>
+            </a:extLst>
+          </p:cNvPr>
+          <p:cNvSpPr txBox="1"/>
+          <p:nvPr/>
+        </p:nvSpPr>
+        <p:spPr>
+          <a:xfrm>
+            <a:off x="4444198" y="2332810"/>
+            <a:ext cx="712339" cy="477054"/>
+          </a:xfrm>
+          <a:prstGeom prst="rect">
+            <a:avLst/>
+          </a:prstGeom>
+          <a:noFill/>
+        </p:spPr>
+        <p:txBody>
+          <a:bodyPr wrap="square" rtlCol="0">
+            <a:spAutoFit/>
+          </a:bodyPr>
+          <a:lstStyle/>
+          <a:p>
+            <a:pPr algn="ctr"/>
+            <a:r>
+              <a:rPr lang="en-US" sz="2500" dirty="0"/>
+              <a:t>…</a:t>
+            </a:r>
+          </a:p>
+        </p:txBody>
+      </p:sp>
+      <p:sp>
+        <p:nvSpPr>
+          <p:cNvPr id="138" name="TextBox 137">
+            <a:extLst>
+              <a:ext uri="{FF2B5EF4-FFF2-40B4-BE49-F238E27FC236}">
+                <a16:creationId xmlns:a16="http://schemas.microsoft.com/office/drawing/2014/main" id="{286E4C1A-94A5-11D2-DD58-1B71E195A7E8}"/>
+              </a:ext>
+            </a:extLst>
+          </p:cNvPr>
+          <p:cNvSpPr txBox="1"/>
+          <p:nvPr/>
+        </p:nvSpPr>
+        <p:spPr>
+          <a:xfrm>
+            <a:off x="4951514" y="2342970"/>
+            <a:ext cx="712339" cy="861774"/>
+          </a:xfrm>
+          <a:prstGeom prst="rect">
+            <a:avLst/>
+          </a:prstGeom>
+          <a:noFill/>
+        </p:spPr>
+        <p:txBody>
+          <a:bodyPr wrap="square" rtlCol="0">
+            <a:spAutoFit/>
+          </a:bodyPr>
+          <a:lstStyle/>
+          <a:p>
+            <a:pPr algn="ctr"/>
+            <a:r>
+              <a:rPr lang="en-US" sz="2500" dirty="0"/>
+              <a:t>Age 10</a:t>
+            </a:r>
+          </a:p>
+        </p:txBody>
+      </p:sp>
+      <p:cxnSp>
+        <p:nvCxnSpPr>
+          <p:cNvPr id="139" name="Straight Connector 138">
+            <a:extLst>
+              <a:ext uri="{FF2B5EF4-FFF2-40B4-BE49-F238E27FC236}">
+                <a16:creationId xmlns:a16="http://schemas.microsoft.com/office/drawing/2014/main" id="{CAFE4672-7FEF-F985-77ED-0A6871FE676D}"/>
+              </a:ext>
+            </a:extLst>
+          </p:cNvPr>
+          <p:cNvCxnSpPr>
+            <a:cxnSpLocks/>
+            <a:endCxn id="138" idx="0"/>
+          </p:cNvCxnSpPr>
+          <p:nvPr/>
+        </p:nvCxnSpPr>
+        <p:spPr>
+          <a:xfrm>
+            <a:off x="4434324" y="1819943"/>
+            <a:ext cx="873360" cy="523027"/>
+          </a:xfrm>
+          <a:prstGeom prst="line">
+            <a:avLst/>
+          </a:prstGeom>
+          <a:ln w="63500"/>
+        </p:spPr>
+        <p:style>
+          <a:lnRef idx="1">
+            <a:schemeClr val="dk1"/>
+          </a:lnRef>
+          <a:fillRef idx="0">
+            <a:schemeClr val="dk1"/>
+          </a:fillRef>
+          <a:effectRef idx="0">
+            <a:schemeClr val="dk1"/>
+          </a:effectRef>
+          <a:fontRef idx="minor">
+            <a:schemeClr val="tx1"/>
+          </a:fontRef>
+        </p:style>
+      </p:cxnSp>
+      <p:sp>
+        <p:nvSpPr>
+          <p:cNvPr id="140" name="TextBox 139">
+            <a:extLst>
+              <a:ext uri="{FF2B5EF4-FFF2-40B4-BE49-F238E27FC236}">
+                <a16:creationId xmlns:a16="http://schemas.microsoft.com/office/drawing/2014/main" id="{59774AFA-6D7A-FFF9-2C3F-43C7140E8039}"/>
+              </a:ext>
+            </a:extLst>
+          </p:cNvPr>
+          <p:cNvSpPr txBox="1"/>
+          <p:nvPr/>
+        </p:nvSpPr>
+        <p:spPr>
+          <a:xfrm>
+            <a:off x="5698265" y="2322650"/>
+            <a:ext cx="712339" cy="861774"/>
+          </a:xfrm>
+          <a:prstGeom prst="rect">
+            <a:avLst/>
+          </a:prstGeom>
+          <a:noFill/>
+        </p:spPr>
+        <p:txBody>
+          <a:bodyPr wrap="square" rtlCol="0">
+            <a:spAutoFit/>
+          </a:bodyPr>
+          <a:lstStyle/>
+          <a:p>
+            <a:pPr algn="ctr"/>
+            <a:r>
+              <a:rPr lang="en-US" sz="2500" dirty="0"/>
+              <a:t>Age 1</a:t>
+            </a:r>
+          </a:p>
+        </p:txBody>
+      </p:sp>
+      <p:cxnSp>
+        <p:nvCxnSpPr>
+          <p:cNvPr id="141" name="Straight Connector 140">
+            <a:extLst>
+              <a:ext uri="{FF2B5EF4-FFF2-40B4-BE49-F238E27FC236}">
+                <a16:creationId xmlns:a16="http://schemas.microsoft.com/office/drawing/2014/main" id="{919B22BA-A2E2-C7F8-2354-83F91374DC1E}"/>
+              </a:ext>
+            </a:extLst>
+          </p:cNvPr>
+          <p:cNvCxnSpPr>
+            <a:cxnSpLocks/>
+            <a:endCxn id="140" idx="0"/>
+          </p:cNvCxnSpPr>
+          <p:nvPr/>
+        </p:nvCxnSpPr>
+        <p:spPr>
+          <a:xfrm flipH="1">
+            <a:off x="6054435" y="1809783"/>
+            <a:ext cx="1259900" cy="512867"/>
+          </a:xfrm>
+          <a:prstGeom prst="line">
+            <a:avLst/>
+          </a:prstGeom>
+          <a:ln w="63500"/>
+        </p:spPr>
+        <p:style>
+          <a:lnRef idx="1">
+            <a:schemeClr val="dk1"/>
+          </a:lnRef>
+          <a:fillRef idx="0">
+            <a:schemeClr val="dk1"/>
+          </a:fillRef>
+          <a:effectRef idx="0">
+            <a:schemeClr val="dk1"/>
+          </a:effectRef>
+          <a:fontRef idx="minor">
+            <a:schemeClr val="tx1"/>
+          </a:fontRef>
+        </p:style>
+      </p:cxnSp>
+      <p:sp>
+        <p:nvSpPr>
+          <p:cNvPr id="142" name="TextBox 141">
+            <a:extLst>
+              <a:ext uri="{FF2B5EF4-FFF2-40B4-BE49-F238E27FC236}">
+                <a16:creationId xmlns:a16="http://schemas.microsoft.com/office/drawing/2014/main" id="{BB22C94D-E4C1-4B08-1684-6094AE5BC8FA}"/>
+              </a:ext>
+            </a:extLst>
+          </p:cNvPr>
+          <p:cNvSpPr txBox="1"/>
+          <p:nvPr/>
+        </p:nvSpPr>
+        <p:spPr>
+          <a:xfrm>
+            <a:off x="6258036" y="2333004"/>
+            <a:ext cx="712339" cy="861774"/>
+          </a:xfrm>
+          <a:prstGeom prst="rect">
+            <a:avLst/>
+          </a:prstGeom>
+          <a:noFill/>
+        </p:spPr>
+        <p:txBody>
+          <a:bodyPr wrap="square" rtlCol="0">
+            <a:spAutoFit/>
+          </a:bodyPr>
+          <a:lstStyle/>
+          <a:p>
+            <a:pPr algn="ctr"/>
+            <a:r>
+              <a:rPr lang="en-US" sz="2500" dirty="0"/>
+              <a:t>Age 2</a:t>
+            </a:r>
+          </a:p>
+        </p:txBody>
+      </p:sp>
+      <p:cxnSp>
+        <p:nvCxnSpPr>
+          <p:cNvPr id="143" name="Straight Connector 142">
+            <a:extLst>
+              <a:ext uri="{FF2B5EF4-FFF2-40B4-BE49-F238E27FC236}">
+                <a16:creationId xmlns:a16="http://schemas.microsoft.com/office/drawing/2014/main" id="{2D29871F-CB00-29EA-2EDA-A27562911C75}"/>
+              </a:ext>
+            </a:extLst>
+          </p:cNvPr>
+          <p:cNvCxnSpPr>
+            <a:cxnSpLocks/>
+            <a:endCxn id="142" idx="0"/>
+          </p:cNvCxnSpPr>
+          <p:nvPr/>
+        </p:nvCxnSpPr>
+        <p:spPr>
+          <a:xfrm flipH="1">
+            <a:off x="6614206" y="1809783"/>
+            <a:ext cx="700129" cy="523221"/>
+          </a:xfrm>
+          <a:prstGeom prst="line">
+            <a:avLst/>
+          </a:prstGeom>
+          <a:ln w="63500"/>
+        </p:spPr>
+        <p:style>
+          <a:lnRef idx="1">
+            <a:schemeClr val="dk1"/>
+          </a:lnRef>
+          <a:fillRef idx="0">
+            <a:schemeClr val="dk1"/>
+          </a:fillRef>
+          <a:effectRef idx="0">
+            <a:schemeClr val="dk1"/>
+          </a:effectRef>
+          <a:fontRef idx="minor">
+            <a:schemeClr val="tx1"/>
+          </a:fontRef>
+        </p:style>
+      </p:cxnSp>
+      <p:sp>
+        <p:nvSpPr>
+          <p:cNvPr id="144" name="TextBox 143">
+            <a:extLst>
+              <a:ext uri="{FF2B5EF4-FFF2-40B4-BE49-F238E27FC236}">
+                <a16:creationId xmlns:a16="http://schemas.microsoft.com/office/drawing/2014/main" id="{8E0F7DEF-0AA3-8A26-FF78-E8CB01F80B9F}"/>
+              </a:ext>
+            </a:extLst>
+          </p:cNvPr>
+          <p:cNvSpPr txBox="1"/>
+          <p:nvPr/>
+        </p:nvSpPr>
+        <p:spPr>
+          <a:xfrm>
+            <a:off x="6835845" y="2332810"/>
+            <a:ext cx="712339" cy="861774"/>
+          </a:xfrm>
+          <a:prstGeom prst="rect">
+            <a:avLst/>
+          </a:prstGeom>
+          <a:noFill/>
+        </p:spPr>
+        <p:txBody>
+          <a:bodyPr wrap="square" rtlCol="0">
+            <a:spAutoFit/>
+          </a:bodyPr>
+          <a:lstStyle/>
+          <a:p>
+            <a:pPr algn="ctr"/>
+            <a:r>
+              <a:rPr lang="en-US" sz="2500" dirty="0"/>
+              <a:t>Age 3</a:t>
+            </a:r>
+          </a:p>
+        </p:txBody>
+      </p:sp>
+      <p:cxnSp>
+        <p:nvCxnSpPr>
+          <p:cNvPr id="145" name="Straight Connector 144">
+            <a:extLst>
+              <a:ext uri="{FF2B5EF4-FFF2-40B4-BE49-F238E27FC236}">
+                <a16:creationId xmlns:a16="http://schemas.microsoft.com/office/drawing/2014/main" id="{7C19C90A-58F1-6597-6419-50FD9F7784E6}"/>
+              </a:ext>
+            </a:extLst>
+          </p:cNvPr>
+          <p:cNvCxnSpPr>
+            <a:cxnSpLocks/>
+            <a:endCxn id="144" idx="0"/>
+          </p:cNvCxnSpPr>
+          <p:nvPr/>
+        </p:nvCxnSpPr>
+        <p:spPr>
+          <a:xfrm flipH="1">
+            <a:off x="7192015" y="1809783"/>
+            <a:ext cx="122320" cy="523027"/>
+          </a:xfrm>
+          <a:prstGeom prst="line">
+            <a:avLst/>
+          </a:prstGeom>
+          <a:ln w="63500"/>
+        </p:spPr>
+        <p:style>
+          <a:lnRef idx="1">
+            <a:schemeClr val="dk1"/>
+          </a:lnRef>
+          <a:fillRef idx="0">
+            <a:schemeClr val="dk1"/>
+          </a:fillRef>
+          <a:effectRef idx="0">
+            <a:schemeClr val="dk1"/>
+          </a:effectRef>
+          <a:fontRef idx="minor">
+            <a:schemeClr val="tx1"/>
+          </a:fontRef>
+        </p:style>
+      </p:cxnSp>
+      <p:sp>
+        <p:nvSpPr>
+          <p:cNvPr id="146" name="TextBox 145">
+            <a:extLst>
+              <a:ext uri="{FF2B5EF4-FFF2-40B4-BE49-F238E27FC236}">
+                <a16:creationId xmlns:a16="http://schemas.microsoft.com/office/drawing/2014/main" id="{CFBAA894-A5BA-B17A-DD6D-A514D66A5846}"/>
+              </a:ext>
+            </a:extLst>
+          </p:cNvPr>
+          <p:cNvSpPr txBox="1"/>
+          <p:nvPr/>
+        </p:nvSpPr>
+        <p:spPr>
+          <a:xfrm>
+            <a:off x="7324209" y="2322650"/>
+            <a:ext cx="712339" cy="477054"/>
+          </a:xfrm>
+          <a:prstGeom prst="rect">
+            <a:avLst/>
+          </a:prstGeom>
+          <a:noFill/>
+        </p:spPr>
+        <p:txBody>
+          <a:bodyPr wrap="square" rtlCol="0">
+            <a:spAutoFit/>
+          </a:bodyPr>
+          <a:lstStyle/>
+          <a:p>
+            <a:pPr algn="ctr"/>
+            <a:r>
+              <a:rPr lang="en-US" sz="2500" dirty="0"/>
+              <a:t>…</a:t>
+            </a:r>
+          </a:p>
+        </p:txBody>
+      </p:sp>
+      <p:sp>
+        <p:nvSpPr>
+          <p:cNvPr id="147" name="TextBox 146">
+            <a:extLst>
+              <a:ext uri="{FF2B5EF4-FFF2-40B4-BE49-F238E27FC236}">
+                <a16:creationId xmlns:a16="http://schemas.microsoft.com/office/drawing/2014/main" id="{07A4FF6E-1F8C-EC2D-C17D-399C1148433F}"/>
+              </a:ext>
+            </a:extLst>
+          </p:cNvPr>
+          <p:cNvSpPr txBox="1"/>
+          <p:nvPr/>
+        </p:nvSpPr>
+        <p:spPr>
+          <a:xfrm>
+            <a:off x="7831525" y="2332810"/>
+            <a:ext cx="712339" cy="861774"/>
+          </a:xfrm>
+          <a:prstGeom prst="rect">
+            <a:avLst/>
+          </a:prstGeom>
+          <a:noFill/>
+        </p:spPr>
+        <p:txBody>
+          <a:bodyPr wrap="square" rtlCol="0">
+            <a:spAutoFit/>
+          </a:bodyPr>
+          <a:lstStyle/>
+          <a:p>
+            <a:pPr algn="ctr"/>
+            <a:r>
+              <a:rPr lang="en-US" sz="2500" dirty="0"/>
+              <a:t>Age 10</a:t>
+            </a:r>
+          </a:p>
+        </p:txBody>
+      </p:sp>
+      <p:cxnSp>
+        <p:nvCxnSpPr>
+          <p:cNvPr id="148" name="Straight Connector 147">
+            <a:extLst>
+              <a:ext uri="{FF2B5EF4-FFF2-40B4-BE49-F238E27FC236}">
+                <a16:creationId xmlns:a16="http://schemas.microsoft.com/office/drawing/2014/main" id="{6D28615A-BAC4-C8CF-E6B6-A33DE4BCB0CE}"/>
+              </a:ext>
+            </a:extLst>
+          </p:cNvPr>
+          <p:cNvCxnSpPr>
+            <a:cxnSpLocks/>
+            <a:endCxn id="147" idx="0"/>
+          </p:cNvCxnSpPr>
+          <p:nvPr/>
+        </p:nvCxnSpPr>
+        <p:spPr>
+          <a:xfrm>
+            <a:off x="7314335" y="1809783"/>
+            <a:ext cx="873360" cy="523027"/>
+          </a:xfrm>
+          <a:prstGeom prst="line">
+            <a:avLst/>
+          </a:prstGeom>
+          <a:ln w="63500"/>
+        </p:spPr>
+        <p:style>
+          <a:lnRef idx="1">
+            <a:schemeClr val="dk1"/>
+          </a:lnRef>
+          <a:fillRef idx="0">
+            <a:schemeClr val="dk1"/>
+          </a:fillRef>
+          <a:effectRef idx="0">
+            <a:schemeClr val="dk1"/>
+          </a:effectRef>
+          <a:fontRef idx="minor">
+            <a:schemeClr val="tx1"/>
+          </a:fontRef>
+        </p:style>
+      </p:cxnSp>
+      <p:sp>
+        <p:nvSpPr>
+          <p:cNvPr id="149" name="TextBox 148">
+            <a:extLst>
+              <a:ext uri="{FF2B5EF4-FFF2-40B4-BE49-F238E27FC236}">
+                <a16:creationId xmlns:a16="http://schemas.microsoft.com/office/drawing/2014/main" id="{578317E8-7822-D19D-17C2-F99ACBBA6B42}"/>
+              </a:ext>
+            </a:extLst>
+          </p:cNvPr>
+          <p:cNvSpPr txBox="1"/>
+          <p:nvPr/>
+        </p:nvSpPr>
+        <p:spPr>
+          <a:xfrm>
+            <a:off x="9063847" y="2353753"/>
+            <a:ext cx="712339" cy="861774"/>
+          </a:xfrm>
+          <a:prstGeom prst="rect">
+            <a:avLst/>
+          </a:prstGeom>
+          <a:noFill/>
+        </p:spPr>
+        <p:txBody>
+          <a:bodyPr wrap="square" rtlCol="0">
+            <a:spAutoFit/>
+          </a:bodyPr>
+          <a:lstStyle/>
+          <a:p>
+            <a:pPr algn="ctr"/>
+            <a:r>
+              <a:rPr lang="en-US" sz="2500" dirty="0"/>
+              <a:t>Age 1</a:t>
+            </a:r>
+          </a:p>
+        </p:txBody>
+      </p:sp>
+      <p:cxnSp>
+        <p:nvCxnSpPr>
+          <p:cNvPr id="150" name="Straight Connector 149">
+            <a:extLst>
+              <a:ext uri="{FF2B5EF4-FFF2-40B4-BE49-F238E27FC236}">
+                <a16:creationId xmlns:a16="http://schemas.microsoft.com/office/drawing/2014/main" id="{77209695-C376-B48F-568E-D0C49F495796}"/>
+              </a:ext>
+            </a:extLst>
+          </p:cNvPr>
+          <p:cNvCxnSpPr>
+            <a:cxnSpLocks/>
+            <a:endCxn id="149" idx="0"/>
+          </p:cNvCxnSpPr>
+          <p:nvPr/>
+        </p:nvCxnSpPr>
+        <p:spPr>
+          <a:xfrm flipH="1">
+            <a:off x="9420017" y="1840886"/>
+            <a:ext cx="1259900" cy="512867"/>
+          </a:xfrm>
+          <a:prstGeom prst="line">
+            <a:avLst/>
+          </a:prstGeom>
+          <a:ln w="63500"/>
+        </p:spPr>
+        <p:style>
+          <a:lnRef idx="1">
+            <a:schemeClr val="dk1"/>
+          </a:lnRef>
+          <a:fillRef idx="0">
+            <a:schemeClr val="dk1"/>
+          </a:fillRef>
+          <a:effectRef idx="0">
+            <a:schemeClr val="dk1"/>
+          </a:effectRef>
+          <a:fontRef idx="minor">
+            <a:schemeClr val="tx1"/>
+          </a:fontRef>
+        </p:style>
+      </p:cxnSp>
+      <p:sp>
+        <p:nvSpPr>
+          <p:cNvPr id="151" name="TextBox 150">
+            <a:extLst>
+              <a:ext uri="{FF2B5EF4-FFF2-40B4-BE49-F238E27FC236}">
+                <a16:creationId xmlns:a16="http://schemas.microsoft.com/office/drawing/2014/main" id="{4025FE8F-C7FA-E4DF-9397-239C8F52AF5A}"/>
+              </a:ext>
+            </a:extLst>
+          </p:cNvPr>
+          <p:cNvSpPr txBox="1"/>
+          <p:nvPr/>
+        </p:nvSpPr>
+        <p:spPr>
+          <a:xfrm>
+            <a:off x="9623618" y="2364107"/>
+            <a:ext cx="712339" cy="861774"/>
+          </a:xfrm>
+          <a:prstGeom prst="rect">
+            <a:avLst/>
+          </a:prstGeom>
+          <a:noFill/>
+        </p:spPr>
+        <p:txBody>
+          <a:bodyPr wrap="square" rtlCol="0">
+            <a:spAutoFit/>
+          </a:bodyPr>
+          <a:lstStyle/>
+          <a:p>
+            <a:pPr algn="ctr"/>
+            <a:r>
+              <a:rPr lang="en-US" sz="2500" dirty="0"/>
+              <a:t>Age 2</a:t>
+            </a:r>
+          </a:p>
+        </p:txBody>
+      </p:sp>
+      <p:cxnSp>
+        <p:nvCxnSpPr>
+          <p:cNvPr id="152" name="Straight Connector 151">
+            <a:extLst>
+              <a:ext uri="{FF2B5EF4-FFF2-40B4-BE49-F238E27FC236}">
+                <a16:creationId xmlns:a16="http://schemas.microsoft.com/office/drawing/2014/main" id="{E4571A8E-725B-A79C-84E8-494558C94051}"/>
+              </a:ext>
+            </a:extLst>
+          </p:cNvPr>
+          <p:cNvCxnSpPr>
+            <a:cxnSpLocks/>
+            <a:endCxn id="151" idx="0"/>
+          </p:cNvCxnSpPr>
+          <p:nvPr/>
+        </p:nvCxnSpPr>
+        <p:spPr>
+          <a:xfrm flipH="1">
+            <a:off x="9979788" y="1840886"/>
+            <a:ext cx="700129" cy="523221"/>
+          </a:xfrm>
+          <a:prstGeom prst="line">
+            <a:avLst/>
+          </a:prstGeom>
+          <a:ln w="63500"/>
+        </p:spPr>
+        <p:style>
+          <a:lnRef idx="1">
+            <a:schemeClr val="dk1"/>
+          </a:lnRef>
+          <a:fillRef idx="0">
+            <a:schemeClr val="dk1"/>
+          </a:fillRef>
+          <a:effectRef idx="0">
+            <a:schemeClr val="dk1"/>
+          </a:effectRef>
+          <a:fontRef idx="minor">
+            <a:schemeClr val="tx1"/>
+          </a:fontRef>
+        </p:style>
+      </p:cxnSp>
+      <p:sp>
+        <p:nvSpPr>
+          <p:cNvPr id="153" name="TextBox 152">
+            <a:extLst>
+              <a:ext uri="{FF2B5EF4-FFF2-40B4-BE49-F238E27FC236}">
+                <a16:creationId xmlns:a16="http://schemas.microsoft.com/office/drawing/2014/main" id="{6716E9A9-7DC4-3F66-8EB4-34870BA97D50}"/>
+              </a:ext>
+            </a:extLst>
+          </p:cNvPr>
+          <p:cNvSpPr txBox="1"/>
+          <p:nvPr/>
+        </p:nvSpPr>
+        <p:spPr>
+          <a:xfrm>
+            <a:off x="10201427" y="2363913"/>
+            <a:ext cx="712339" cy="861774"/>
+          </a:xfrm>
+          <a:prstGeom prst="rect">
+            <a:avLst/>
+          </a:prstGeom>
+          <a:noFill/>
+        </p:spPr>
+        <p:txBody>
+          <a:bodyPr wrap="square" rtlCol="0">
+            <a:spAutoFit/>
+          </a:bodyPr>
+          <a:lstStyle/>
+          <a:p>
+            <a:pPr algn="ctr"/>
+            <a:r>
+              <a:rPr lang="en-US" sz="2500" dirty="0"/>
+              <a:t>Age 3</a:t>
+            </a:r>
+          </a:p>
+        </p:txBody>
+      </p:sp>
+      <p:cxnSp>
+        <p:nvCxnSpPr>
+          <p:cNvPr id="154" name="Straight Connector 153">
+            <a:extLst>
+              <a:ext uri="{FF2B5EF4-FFF2-40B4-BE49-F238E27FC236}">
+                <a16:creationId xmlns:a16="http://schemas.microsoft.com/office/drawing/2014/main" id="{A555FB61-F2B9-53AB-A751-CFFCED5B4AA6}"/>
+              </a:ext>
+            </a:extLst>
+          </p:cNvPr>
+          <p:cNvCxnSpPr>
+            <a:cxnSpLocks/>
+            <a:endCxn id="153" idx="0"/>
+          </p:cNvCxnSpPr>
+          <p:nvPr/>
+        </p:nvCxnSpPr>
+        <p:spPr>
+          <a:xfrm flipH="1">
+            <a:off x="10557597" y="1840886"/>
+            <a:ext cx="122320" cy="523027"/>
+          </a:xfrm>
+          <a:prstGeom prst="line">
+            <a:avLst/>
+          </a:prstGeom>
+          <a:ln w="63500"/>
+        </p:spPr>
+        <p:style>
+          <a:lnRef idx="1">
+            <a:schemeClr val="dk1"/>
+          </a:lnRef>
+          <a:fillRef idx="0">
+            <a:schemeClr val="dk1"/>
+          </a:fillRef>
+          <a:effectRef idx="0">
+            <a:schemeClr val="dk1"/>
+          </a:effectRef>
+          <a:fontRef idx="minor">
+            <a:schemeClr val="tx1"/>
+          </a:fontRef>
+        </p:style>
+      </p:cxnSp>
+      <p:sp>
+        <p:nvSpPr>
+          <p:cNvPr id="155" name="TextBox 154">
+            <a:extLst>
+              <a:ext uri="{FF2B5EF4-FFF2-40B4-BE49-F238E27FC236}">
+                <a16:creationId xmlns:a16="http://schemas.microsoft.com/office/drawing/2014/main" id="{4E9A99E2-0EC0-AF92-8352-5B80B0DA3756}"/>
+              </a:ext>
+            </a:extLst>
+          </p:cNvPr>
+          <p:cNvSpPr txBox="1"/>
+          <p:nvPr/>
+        </p:nvSpPr>
+        <p:spPr>
+          <a:xfrm>
+            <a:off x="10689791" y="2353753"/>
+            <a:ext cx="712339" cy="477054"/>
+          </a:xfrm>
+          <a:prstGeom prst="rect">
+            <a:avLst/>
+          </a:prstGeom>
+          <a:noFill/>
+        </p:spPr>
+        <p:txBody>
+          <a:bodyPr wrap="square" rtlCol="0">
+            <a:spAutoFit/>
+          </a:bodyPr>
+          <a:lstStyle/>
+          <a:p>
+            <a:pPr algn="ctr"/>
+            <a:r>
+              <a:rPr lang="en-US" sz="2500" dirty="0"/>
+              <a:t>…</a:t>
+            </a:r>
+          </a:p>
+        </p:txBody>
+      </p:sp>
+      <p:sp>
+        <p:nvSpPr>
+          <p:cNvPr id="156" name="TextBox 155">
+            <a:extLst>
+              <a:ext uri="{FF2B5EF4-FFF2-40B4-BE49-F238E27FC236}">
+                <a16:creationId xmlns:a16="http://schemas.microsoft.com/office/drawing/2014/main" id="{774B627F-EB47-7E72-BDD3-BA01089DD7D4}"/>
+              </a:ext>
+            </a:extLst>
+          </p:cNvPr>
+          <p:cNvSpPr txBox="1"/>
+          <p:nvPr/>
+        </p:nvSpPr>
+        <p:spPr>
+          <a:xfrm>
+            <a:off x="11197107" y="2363913"/>
+            <a:ext cx="712339" cy="861774"/>
+          </a:xfrm>
+          <a:prstGeom prst="rect">
+            <a:avLst/>
+          </a:prstGeom>
+          <a:noFill/>
+        </p:spPr>
+        <p:txBody>
+          <a:bodyPr wrap="square" rtlCol="0">
+            <a:spAutoFit/>
+          </a:bodyPr>
+          <a:lstStyle/>
+          <a:p>
+            <a:pPr algn="ctr"/>
+            <a:r>
+              <a:rPr lang="en-US" sz="2500" dirty="0"/>
+              <a:t>Age 10</a:t>
+            </a:r>
+          </a:p>
+        </p:txBody>
+      </p:sp>
+      <p:cxnSp>
+        <p:nvCxnSpPr>
+          <p:cNvPr id="157" name="Straight Connector 156">
+            <a:extLst>
+              <a:ext uri="{FF2B5EF4-FFF2-40B4-BE49-F238E27FC236}">
+                <a16:creationId xmlns:a16="http://schemas.microsoft.com/office/drawing/2014/main" id="{D8CCFD5B-C1C8-AEC5-AF11-D2EA392DA2D8}"/>
+              </a:ext>
+            </a:extLst>
+          </p:cNvPr>
+          <p:cNvCxnSpPr>
+            <a:cxnSpLocks/>
+            <a:endCxn id="156" idx="0"/>
+          </p:cNvCxnSpPr>
+          <p:nvPr/>
+        </p:nvCxnSpPr>
+        <p:spPr>
+          <a:xfrm>
+            <a:off x="10679917" y="1840886"/>
+            <a:ext cx="873360" cy="523027"/>
+          </a:xfrm>
+          <a:prstGeom prst="line">
+            <a:avLst/>
+          </a:prstGeom>
+          <a:ln w="63500"/>
+        </p:spPr>
+        <p:style>
+          <a:lnRef idx="1">
+            <a:schemeClr val="dk1"/>
+          </a:lnRef>
+          <a:fillRef idx="0">
+            <a:schemeClr val="dk1"/>
+          </a:fillRef>
+          <a:effectRef idx="0">
+            <a:schemeClr val="dk1"/>
+          </a:effectRef>
+          <a:fontRef idx="minor">
+            <a:schemeClr val="tx1"/>
+          </a:fontRef>
+        </p:style>
+      </p:cxnSp>
+      <p:cxnSp>
+        <p:nvCxnSpPr>
+          <p:cNvPr id="160" name="Straight Connector 159">
+            <a:extLst>
+              <a:ext uri="{FF2B5EF4-FFF2-40B4-BE49-F238E27FC236}">
+                <a16:creationId xmlns:a16="http://schemas.microsoft.com/office/drawing/2014/main" id="{7B7D67CE-3863-386E-2C5D-7656F574EB2E}"/>
+              </a:ext>
+            </a:extLst>
+          </p:cNvPr>
+          <p:cNvCxnSpPr>
+            <a:cxnSpLocks/>
+            <a:stCxn id="15" idx="2"/>
+          </p:cNvCxnSpPr>
+          <p:nvPr/>
+        </p:nvCxnSpPr>
+        <p:spPr>
+          <a:xfrm>
+            <a:off x="4497965" y="706059"/>
+            <a:ext cx="4565882" cy="740095"/>
+          </a:xfrm>
+          <a:prstGeom prst="line">
+            <a:avLst/>
+          </a:prstGeom>
+          <a:ln w="63500"/>
+        </p:spPr>
+        <p:style>
+          <a:lnRef idx="1">
+            <a:schemeClr val="dk1"/>
+          </a:lnRef>
+          <a:fillRef idx="0">
+            <a:schemeClr val="dk1"/>
+          </a:fillRef>
+          <a:effectRef idx="0">
+            <a:schemeClr val="dk1"/>
+          </a:effectRef>
+          <a:fontRef idx="minor">
+            <a:schemeClr val="tx1"/>
+          </a:fontRef>
+        </p:style>
+      </p:cxnSp>
+      <p:cxnSp>
+        <p:nvCxnSpPr>
+          <p:cNvPr id="163" name="Straight Connector 162">
+            <a:extLst>
+              <a:ext uri="{FF2B5EF4-FFF2-40B4-BE49-F238E27FC236}">
+                <a16:creationId xmlns:a16="http://schemas.microsoft.com/office/drawing/2014/main" id="{AD81D521-535C-1BF5-4EA6-ABA85184A857}"/>
+              </a:ext>
+            </a:extLst>
+          </p:cNvPr>
+          <p:cNvCxnSpPr>
+            <a:cxnSpLocks/>
+            <a:stCxn id="18" idx="2"/>
+          </p:cNvCxnSpPr>
+          <p:nvPr/>
+        </p:nvCxnSpPr>
+        <p:spPr>
+          <a:xfrm>
+            <a:off x="7363748" y="706059"/>
+            <a:ext cx="1700099" cy="740095"/>
+          </a:xfrm>
+          <a:prstGeom prst="line">
+            <a:avLst/>
+          </a:prstGeom>
+          <a:ln w="63500"/>
+        </p:spPr>
+        <p:style>
+          <a:lnRef idx="1">
+            <a:schemeClr val="dk1"/>
+          </a:lnRef>
+          <a:fillRef idx="0">
+            <a:schemeClr val="dk1"/>
+          </a:fillRef>
+          <a:effectRef idx="0">
+            <a:schemeClr val="dk1"/>
+          </a:effectRef>
+          <a:fontRef idx="minor">
+            <a:schemeClr val="tx1"/>
+          </a:fontRef>
+        </p:style>
+      </p:cxnSp>
+    </p:spTree>
+    <p:extLst>
+      <p:ext uri="{BB962C8B-B14F-4D97-AF65-F5344CB8AC3E}">
+        <p14:creationId xmlns:p14="http://schemas.microsoft.com/office/powerpoint/2010/main" val="3149574698"/>
+      </p:ext>
+    </p:extLst>
+  </p:cSld>
+  <p:clrMapOvr>
+    <a:masterClrMapping/>
+  </p:clrMapOvr>
+</p:sld>
+</file>
+
 <file path=ppt/slides/slide2.xml><?xml version="1.0" encoding="utf-8"?>
 <p:sld xmlns:a="http://schemas.openxmlformats.org/drawingml/2006/main" xmlns:r="http://schemas.openxmlformats.org/officeDocument/2006/relationships" xmlns:p="http://schemas.openxmlformats.org/presentationml/2006/main">
   <p:cSld>
@@ -20044,6 +22228,1871 @@
     <p:extLst>
       <p:ext uri="{BB962C8B-B14F-4D97-AF65-F5344CB8AC3E}">
         <p14:creationId xmlns:p14="http://schemas.microsoft.com/office/powerpoint/2010/main" val="1898038801"/>
+      </p:ext>
+    </p:extLst>
+  </p:cSld>
+  <p:clrMapOvr>
+    <a:masterClrMapping/>
+  </p:clrMapOvr>
+</p:sld>
+</file>
+
+<file path=ppt/slides/slide9.xml><?xml version="1.0" encoding="utf-8"?>
+<p:sld xmlns:a="http://schemas.openxmlformats.org/drawingml/2006/main" xmlns:r="http://schemas.openxmlformats.org/officeDocument/2006/relationships" xmlns:p="http://schemas.openxmlformats.org/presentationml/2006/main">
+  <p:cSld>
+    <p:spTree>
+      <p:nvGrpSpPr>
+        <p:cNvPr id="1" name="">
+          <a:extLst>
+            <a:ext uri="{FF2B5EF4-FFF2-40B4-BE49-F238E27FC236}">
+              <a16:creationId xmlns:a16="http://schemas.microsoft.com/office/drawing/2014/main" id="{BA6F8731-F0D4-E7C9-D7D1-ED25AC0BD4C0}"/>
+            </a:ext>
+          </a:extLst>
+        </p:cNvPr>
+        <p:cNvGrpSpPr/>
+        <p:nvPr/>
+      </p:nvGrpSpPr>
+      <p:grpSpPr>
+        <a:xfrm>
+          <a:off x="0" y="0"/>
+          <a:ext cx="0" cy="0"/>
+          <a:chOff x="0" y="0"/>
+          <a:chExt cx="0" cy="0"/>
+        </a:xfrm>
+      </p:grpSpPr>
+      <p:sp>
+        <p:nvSpPr>
+          <p:cNvPr id="6" name="Rectangle 5">
+            <a:extLst>
+              <a:ext uri="{FF2B5EF4-FFF2-40B4-BE49-F238E27FC236}">
+                <a16:creationId xmlns:a16="http://schemas.microsoft.com/office/drawing/2014/main" id="{A127D132-BD80-6A5A-B6E4-557C5819C3DC}"/>
+              </a:ext>
+            </a:extLst>
+          </p:cNvPr>
+          <p:cNvSpPr/>
+          <p:nvPr/>
+        </p:nvSpPr>
+        <p:spPr>
+          <a:xfrm>
+            <a:off x="1069754" y="344224"/>
+            <a:ext cx="4178108" cy="2889640"/>
+          </a:xfrm>
+          <a:prstGeom prst="rect">
+            <a:avLst/>
+          </a:prstGeom>
+          <a:noFill/>
+          <a:ln w="50800"/>
+        </p:spPr>
+        <p:style>
+          <a:lnRef idx="2">
+            <a:schemeClr val="accent1">
+              <a:shade val="15000"/>
+            </a:schemeClr>
+          </a:lnRef>
+          <a:fillRef idx="1">
+            <a:schemeClr val="accent1"/>
+          </a:fillRef>
+          <a:effectRef idx="0">
+            <a:schemeClr val="accent1"/>
+          </a:effectRef>
+          <a:fontRef idx="minor">
+            <a:schemeClr val="lt1"/>
+          </a:fontRef>
+        </p:style>
+        <p:txBody>
+          <a:bodyPr rtlCol="0" anchor="ctr"/>
+          <a:lstStyle/>
+          <a:p>
+            <a:pPr algn="ctr"/>
+            <a:endParaRPr lang="en-US"/>
+          </a:p>
+        </p:txBody>
+      </p:sp>
+      <p:sp>
+        <p:nvSpPr>
+          <p:cNvPr id="11" name="TextBox 10">
+            <a:extLst>
+              <a:ext uri="{FF2B5EF4-FFF2-40B4-BE49-F238E27FC236}">
+                <a16:creationId xmlns:a16="http://schemas.microsoft.com/office/drawing/2014/main" id="{55B05D43-994B-02D3-1D8C-99E030F91D99}"/>
+              </a:ext>
+            </a:extLst>
+          </p:cNvPr>
+          <p:cNvSpPr txBox="1"/>
+          <p:nvPr/>
+        </p:nvSpPr>
+        <p:spPr>
+          <a:xfrm>
+            <a:off x="1069754" y="26504"/>
+            <a:ext cx="4178108" cy="338554"/>
+          </a:xfrm>
+          <a:prstGeom prst="rect">
+            <a:avLst/>
+          </a:prstGeom>
+          <a:noFill/>
+        </p:spPr>
+        <p:txBody>
+          <a:bodyPr wrap="square" rtlCol="0">
+            <a:spAutoFit/>
+          </a:bodyPr>
+          <a:lstStyle/>
+          <a:p>
+            <a:pPr algn="ctr"/>
+            <a:r>
+              <a:rPr lang="en-US" sz="1600" dirty="0"/>
+              <a:t>Pesticide = 0</a:t>
+            </a:r>
+          </a:p>
+        </p:txBody>
+      </p:sp>
+      <p:sp>
+        <p:nvSpPr>
+          <p:cNvPr id="12" name="TextBox 11">
+            <a:extLst>
+              <a:ext uri="{FF2B5EF4-FFF2-40B4-BE49-F238E27FC236}">
+                <a16:creationId xmlns:a16="http://schemas.microsoft.com/office/drawing/2014/main" id="{CF33B747-F7F2-FEB1-A020-60D0B281ABD2}"/>
+              </a:ext>
+            </a:extLst>
+          </p:cNvPr>
+          <p:cNvSpPr txBox="1"/>
+          <p:nvPr/>
+        </p:nvSpPr>
+        <p:spPr>
+          <a:xfrm>
+            <a:off x="1069754" y="3233865"/>
+            <a:ext cx="1646942" cy="338554"/>
+          </a:xfrm>
+          <a:prstGeom prst="rect">
+            <a:avLst/>
+          </a:prstGeom>
+          <a:noFill/>
+        </p:spPr>
+        <p:txBody>
+          <a:bodyPr wrap="square" rtlCol="0">
+            <a:spAutoFit/>
+          </a:bodyPr>
+          <a:lstStyle/>
+          <a:p>
+            <a:pPr algn="ctr"/>
+            <a:r>
+              <a:rPr lang="en-US" sz="1600" dirty="0"/>
+              <a:t>B-F-</a:t>
+            </a:r>
+          </a:p>
+        </p:txBody>
+      </p:sp>
+      <p:cxnSp>
+        <p:nvCxnSpPr>
+          <p:cNvPr id="16" name="Straight Connector 15">
+            <a:extLst>
+              <a:ext uri="{FF2B5EF4-FFF2-40B4-BE49-F238E27FC236}">
+                <a16:creationId xmlns:a16="http://schemas.microsoft.com/office/drawing/2014/main" id="{2C986803-B7B1-2276-815C-3793DEFA2C7A}"/>
+              </a:ext>
+            </a:extLst>
+          </p:cNvPr>
+          <p:cNvCxnSpPr>
+            <a:stCxn id="6" idx="1"/>
+            <a:endCxn id="6" idx="3"/>
+          </p:cNvCxnSpPr>
+          <p:nvPr/>
+        </p:nvCxnSpPr>
+        <p:spPr>
+          <a:xfrm>
+            <a:off x="1069754" y="1789044"/>
+            <a:ext cx="4178108" cy="0"/>
+          </a:xfrm>
+          <a:prstGeom prst="line">
+            <a:avLst/>
+          </a:prstGeom>
+          <a:ln w="50800">
+            <a:solidFill>
+              <a:schemeClr val="accent2"/>
+            </a:solidFill>
+            <a:prstDash val="dash"/>
+          </a:ln>
+        </p:spPr>
+        <p:style>
+          <a:lnRef idx="1">
+            <a:schemeClr val="accent1"/>
+          </a:lnRef>
+          <a:fillRef idx="0">
+            <a:schemeClr val="accent1"/>
+          </a:fillRef>
+          <a:effectRef idx="0">
+            <a:schemeClr val="accent1"/>
+          </a:effectRef>
+          <a:fontRef idx="minor">
+            <a:schemeClr val="tx1"/>
+          </a:fontRef>
+        </p:style>
+      </p:cxnSp>
+      <p:sp>
+        <p:nvSpPr>
+          <p:cNvPr id="13" name="Rectangle 12">
+            <a:extLst>
+              <a:ext uri="{FF2B5EF4-FFF2-40B4-BE49-F238E27FC236}">
+                <a16:creationId xmlns:a16="http://schemas.microsoft.com/office/drawing/2014/main" id="{484ABCC0-7A44-AF51-F0DE-ECF6B82370EB}"/>
+              </a:ext>
+            </a:extLst>
+          </p:cNvPr>
+          <p:cNvSpPr/>
+          <p:nvPr/>
+        </p:nvSpPr>
+        <p:spPr>
+          <a:xfrm>
+            <a:off x="1616765" y="1802296"/>
+            <a:ext cx="556592" cy="1405064"/>
+          </a:xfrm>
+          <a:prstGeom prst="rect">
+            <a:avLst/>
+          </a:prstGeom>
+          <a:solidFill>
+            <a:schemeClr val="accent1">
+              <a:lumMod val="40000"/>
+              <a:lumOff val="60000"/>
+            </a:schemeClr>
+          </a:solidFill>
+          <a:ln w="63500"/>
+        </p:spPr>
+        <p:style>
+          <a:lnRef idx="2">
+            <a:schemeClr val="accent1">
+              <a:shade val="15000"/>
+            </a:schemeClr>
+          </a:lnRef>
+          <a:fillRef idx="1">
+            <a:schemeClr val="accent1"/>
+          </a:fillRef>
+          <a:effectRef idx="0">
+            <a:schemeClr val="accent1"/>
+          </a:effectRef>
+          <a:fontRef idx="minor">
+            <a:schemeClr val="lt1"/>
+          </a:fontRef>
+        </p:style>
+        <p:txBody>
+          <a:bodyPr rtlCol="0" anchor="ctr"/>
+          <a:lstStyle/>
+          <a:p>
+            <a:pPr algn="ctr"/>
+            <a:endParaRPr lang="en-US"/>
+          </a:p>
+        </p:txBody>
+      </p:sp>
+      <p:sp>
+        <p:nvSpPr>
+          <p:cNvPr id="17" name="TextBox 16">
+            <a:extLst>
+              <a:ext uri="{FF2B5EF4-FFF2-40B4-BE49-F238E27FC236}">
+                <a16:creationId xmlns:a16="http://schemas.microsoft.com/office/drawing/2014/main" id="{E291FA6A-8FE8-104C-40A9-0DF5B225344A}"/>
+              </a:ext>
+            </a:extLst>
+          </p:cNvPr>
+          <p:cNvSpPr txBox="1"/>
+          <p:nvPr/>
+        </p:nvSpPr>
+        <p:spPr>
+          <a:xfrm>
+            <a:off x="-195829" y="1619767"/>
+            <a:ext cx="1646942" cy="338554"/>
+          </a:xfrm>
+          <a:prstGeom prst="rect">
+            <a:avLst/>
+          </a:prstGeom>
+          <a:noFill/>
+        </p:spPr>
+        <p:txBody>
+          <a:bodyPr wrap="square" rtlCol="0">
+            <a:spAutoFit/>
+          </a:bodyPr>
+          <a:lstStyle/>
+          <a:p>
+            <a:pPr algn="ctr"/>
+            <a:r>
+              <a:rPr lang="en-US" sz="1600" dirty="0"/>
+              <a:t>Beta0</a:t>
+            </a:r>
+          </a:p>
+        </p:txBody>
+      </p:sp>
+      <p:sp>
+        <p:nvSpPr>
+          <p:cNvPr id="19" name="TextBox 18">
+            <a:extLst>
+              <a:ext uri="{FF2B5EF4-FFF2-40B4-BE49-F238E27FC236}">
+                <a16:creationId xmlns:a16="http://schemas.microsoft.com/office/drawing/2014/main" id="{EFB38824-342F-5A31-0E38-339117E583A4}"/>
+              </a:ext>
+            </a:extLst>
+          </p:cNvPr>
+          <p:cNvSpPr txBox="1"/>
+          <p:nvPr/>
+        </p:nvSpPr>
+        <p:spPr>
+          <a:xfrm>
+            <a:off x="1616765" y="3247115"/>
+            <a:ext cx="1646942" cy="338554"/>
+          </a:xfrm>
+          <a:prstGeom prst="rect">
+            <a:avLst/>
+          </a:prstGeom>
+          <a:noFill/>
+        </p:spPr>
+        <p:txBody>
+          <a:bodyPr wrap="square" rtlCol="0">
+            <a:spAutoFit/>
+          </a:bodyPr>
+          <a:lstStyle/>
+          <a:p>
+            <a:pPr algn="ctr"/>
+            <a:r>
+              <a:rPr lang="en-US" sz="1600" dirty="0"/>
+              <a:t>B+F-</a:t>
+            </a:r>
+          </a:p>
+        </p:txBody>
+      </p:sp>
+      <p:sp>
+        <p:nvSpPr>
+          <p:cNvPr id="20" name="Rectangle 19">
+            <a:extLst>
+              <a:ext uri="{FF2B5EF4-FFF2-40B4-BE49-F238E27FC236}">
+                <a16:creationId xmlns:a16="http://schemas.microsoft.com/office/drawing/2014/main" id="{AFEEC28A-70C7-83C4-781C-1D08DEA873C0}"/>
+              </a:ext>
+            </a:extLst>
+          </p:cNvPr>
+          <p:cNvSpPr/>
+          <p:nvPr/>
+        </p:nvSpPr>
+        <p:spPr>
+          <a:xfrm>
+            <a:off x="2163776" y="1086678"/>
+            <a:ext cx="556592" cy="2120680"/>
+          </a:xfrm>
+          <a:prstGeom prst="rect">
+            <a:avLst/>
+          </a:prstGeom>
+          <a:solidFill>
+            <a:schemeClr val="accent1">
+              <a:lumMod val="40000"/>
+              <a:lumOff val="60000"/>
+            </a:schemeClr>
+          </a:solidFill>
+          <a:ln w="63500"/>
+        </p:spPr>
+        <p:style>
+          <a:lnRef idx="2">
+            <a:schemeClr val="accent1">
+              <a:shade val="15000"/>
+            </a:schemeClr>
+          </a:lnRef>
+          <a:fillRef idx="1">
+            <a:schemeClr val="accent1"/>
+          </a:fillRef>
+          <a:effectRef idx="0">
+            <a:schemeClr val="accent1"/>
+          </a:effectRef>
+          <a:fontRef idx="minor">
+            <a:schemeClr val="lt1"/>
+          </a:fontRef>
+        </p:style>
+        <p:txBody>
+          <a:bodyPr rtlCol="0" anchor="ctr"/>
+          <a:lstStyle/>
+          <a:p>
+            <a:pPr algn="ctr"/>
+            <a:endParaRPr lang="en-US"/>
+          </a:p>
+        </p:txBody>
+      </p:sp>
+      <p:sp>
+        <p:nvSpPr>
+          <p:cNvPr id="21" name="Left Brace 20">
+            <a:extLst>
+              <a:ext uri="{FF2B5EF4-FFF2-40B4-BE49-F238E27FC236}">
+                <a16:creationId xmlns:a16="http://schemas.microsoft.com/office/drawing/2014/main" id="{1BE59DBF-34D2-3057-150F-679BACB534D0}"/>
+              </a:ext>
+            </a:extLst>
+          </p:cNvPr>
+          <p:cNvSpPr/>
+          <p:nvPr/>
+        </p:nvSpPr>
+        <p:spPr>
+          <a:xfrm>
+            <a:off x="1895060" y="1086678"/>
+            <a:ext cx="212035" cy="702366"/>
+          </a:xfrm>
+          <a:prstGeom prst="leftBrace">
+            <a:avLst/>
+          </a:prstGeom>
+          <a:ln w="50800"/>
+        </p:spPr>
+        <p:style>
+          <a:lnRef idx="1">
+            <a:schemeClr val="accent1"/>
+          </a:lnRef>
+          <a:fillRef idx="0">
+            <a:schemeClr val="accent1"/>
+          </a:fillRef>
+          <a:effectRef idx="0">
+            <a:schemeClr val="accent1"/>
+          </a:effectRef>
+          <a:fontRef idx="minor">
+            <a:schemeClr val="tx1"/>
+          </a:fontRef>
+        </p:style>
+        <p:txBody>
+          <a:bodyPr rtlCol="0" anchor="ctr"/>
+          <a:lstStyle/>
+          <a:p>
+            <a:pPr algn="ctr"/>
+            <a:endParaRPr lang="en-US"/>
+          </a:p>
+        </p:txBody>
+      </p:sp>
+      <p:sp>
+        <p:nvSpPr>
+          <p:cNvPr id="22" name="TextBox 21">
+            <a:extLst>
+              <a:ext uri="{FF2B5EF4-FFF2-40B4-BE49-F238E27FC236}">
+                <a16:creationId xmlns:a16="http://schemas.microsoft.com/office/drawing/2014/main" id="{302BFAD5-5A84-BFEE-C348-3A98D0814EA4}"/>
+              </a:ext>
+            </a:extLst>
+          </p:cNvPr>
+          <p:cNvSpPr txBox="1"/>
+          <p:nvPr/>
+        </p:nvSpPr>
+        <p:spPr>
+          <a:xfrm>
+            <a:off x="793294" y="1268584"/>
+            <a:ext cx="1646942" cy="338554"/>
+          </a:xfrm>
+          <a:prstGeom prst="rect">
+            <a:avLst/>
+          </a:prstGeom>
+          <a:noFill/>
+        </p:spPr>
+        <p:txBody>
+          <a:bodyPr wrap="square" rtlCol="0">
+            <a:spAutoFit/>
+          </a:bodyPr>
+          <a:lstStyle/>
+          <a:p>
+            <a:pPr algn="ctr"/>
+            <a:r>
+              <a:rPr lang="en-US" sz="1600" dirty="0"/>
+              <a:t>Beta1</a:t>
+            </a:r>
+          </a:p>
+        </p:txBody>
+      </p:sp>
+      <p:sp>
+        <p:nvSpPr>
+          <p:cNvPr id="24" name="Rectangle 23">
+            <a:extLst>
+              <a:ext uri="{FF2B5EF4-FFF2-40B4-BE49-F238E27FC236}">
+                <a16:creationId xmlns:a16="http://schemas.microsoft.com/office/drawing/2014/main" id="{251845F6-DF53-1B6E-0242-94731ECDB8BB}"/>
+              </a:ext>
+            </a:extLst>
+          </p:cNvPr>
+          <p:cNvSpPr/>
+          <p:nvPr/>
+        </p:nvSpPr>
+        <p:spPr>
+          <a:xfrm>
+            <a:off x="3273288" y="1777839"/>
+            <a:ext cx="556592" cy="1405064"/>
+          </a:xfrm>
+          <a:prstGeom prst="rect">
+            <a:avLst/>
+          </a:prstGeom>
+          <a:solidFill>
+            <a:schemeClr val="accent1">
+              <a:lumMod val="40000"/>
+              <a:lumOff val="60000"/>
+            </a:schemeClr>
+          </a:solidFill>
+          <a:ln w="63500"/>
+        </p:spPr>
+        <p:style>
+          <a:lnRef idx="2">
+            <a:schemeClr val="accent1">
+              <a:shade val="15000"/>
+            </a:schemeClr>
+          </a:lnRef>
+          <a:fillRef idx="1">
+            <a:schemeClr val="accent1"/>
+          </a:fillRef>
+          <a:effectRef idx="0">
+            <a:schemeClr val="accent1"/>
+          </a:effectRef>
+          <a:fontRef idx="minor">
+            <a:schemeClr val="lt1"/>
+          </a:fontRef>
+        </p:style>
+        <p:txBody>
+          <a:bodyPr rtlCol="0" anchor="ctr"/>
+          <a:lstStyle/>
+          <a:p>
+            <a:pPr algn="ctr"/>
+            <a:endParaRPr lang="en-US"/>
+          </a:p>
+        </p:txBody>
+      </p:sp>
+      <p:sp>
+        <p:nvSpPr>
+          <p:cNvPr id="29" name="Left Brace 28">
+            <a:extLst>
+              <a:ext uri="{FF2B5EF4-FFF2-40B4-BE49-F238E27FC236}">
+                <a16:creationId xmlns:a16="http://schemas.microsoft.com/office/drawing/2014/main" id="{F76FE5F0-44FA-6484-6008-8AC66283589E}"/>
+              </a:ext>
+            </a:extLst>
+          </p:cNvPr>
+          <p:cNvSpPr/>
+          <p:nvPr/>
+        </p:nvSpPr>
+        <p:spPr>
+          <a:xfrm>
+            <a:off x="3518454" y="533564"/>
+            <a:ext cx="205408" cy="520460"/>
+          </a:xfrm>
+          <a:prstGeom prst="leftBrace">
+            <a:avLst/>
+          </a:prstGeom>
+          <a:ln w="50800"/>
+        </p:spPr>
+        <p:style>
+          <a:lnRef idx="1">
+            <a:schemeClr val="accent1"/>
+          </a:lnRef>
+          <a:fillRef idx="0">
+            <a:schemeClr val="accent1"/>
+          </a:fillRef>
+          <a:effectRef idx="0">
+            <a:schemeClr val="accent1"/>
+          </a:effectRef>
+          <a:fontRef idx="minor">
+            <a:schemeClr val="tx1"/>
+          </a:fontRef>
+        </p:style>
+        <p:txBody>
+          <a:bodyPr rtlCol="0" anchor="ctr"/>
+          <a:lstStyle/>
+          <a:p>
+            <a:pPr algn="ctr"/>
+            <a:endParaRPr lang="en-US"/>
+          </a:p>
+        </p:txBody>
+      </p:sp>
+      <p:sp>
+        <p:nvSpPr>
+          <p:cNvPr id="32" name="TextBox 31">
+            <a:extLst>
+              <a:ext uri="{FF2B5EF4-FFF2-40B4-BE49-F238E27FC236}">
+                <a16:creationId xmlns:a16="http://schemas.microsoft.com/office/drawing/2014/main" id="{0A8BAA0D-5FD7-9E84-1692-8BD5CD21D638}"/>
+              </a:ext>
+            </a:extLst>
+          </p:cNvPr>
+          <p:cNvSpPr txBox="1"/>
+          <p:nvPr/>
+        </p:nvSpPr>
+        <p:spPr>
+          <a:xfrm>
+            <a:off x="2416687" y="715470"/>
+            <a:ext cx="1646942" cy="338554"/>
+          </a:xfrm>
+          <a:prstGeom prst="rect">
+            <a:avLst/>
+          </a:prstGeom>
+          <a:noFill/>
+        </p:spPr>
+        <p:txBody>
+          <a:bodyPr wrap="square" rtlCol="0">
+            <a:spAutoFit/>
+          </a:bodyPr>
+          <a:lstStyle/>
+          <a:p>
+            <a:pPr algn="ctr"/>
+            <a:r>
+              <a:rPr lang="en-US" sz="1600" dirty="0"/>
+              <a:t>Beta6</a:t>
+            </a:r>
+          </a:p>
+        </p:txBody>
+      </p:sp>
+      <p:sp>
+        <p:nvSpPr>
+          <p:cNvPr id="33" name="TextBox 32">
+            <a:extLst>
+              <a:ext uri="{FF2B5EF4-FFF2-40B4-BE49-F238E27FC236}">
+                <a16:creationId xmlns:a16="http://schemas.microsoft.com/office/drawing/2014/main" id="{8B2FC2B3-098D-9171-A71B-20D0DF28FE5C}"/>
+              </a:ext>
+            </a:extLst>
+          </p:cNvPr>
+          <p:cNvSpPr txBox="1"/>
+          <p:nvPr/>
+        </p:nvSpPr>
+        <p:spPr>
+          <a:xfrm>
+            <a:off x="2729949" y="3242965"/>
+            <a:ext cx="1646942" cy="338554"/>
+          </a:xfrm>
+          <a:prstGeom prst="rect">
+            <a:avLst/>
+          </a:prstGeom>
+          <a:noFill/>
+        </p:spPr>
+        <p:txBody>
+          <a:bodyPr wrap="square" rtlCol="0">
+            <a:spAutoFit/>
+          </a:bodyPr>
+          <a:lstStyle/>
+          <a:p>
+            <a:pPr algn="ctr"/>
+            <a:r>
+              <a:rPr lang="en-US" sz="1600" dirty="0"/>
+              <a:t>B-F+</a:t>
+            </a:r>
+          </a:p>
+        </p:txBody>
+      </p:sp>
+      <p:sp>
+        <p:nvSpPr>
+          <p:cNvPr id="25" name="TextBox 24">
+            <a:extLst>
+              <a:ext uri="{FF2B5EF4-FFF2-40B4-BE49-F238E27FC236}">
+                <a16:creationId xmlns:a16="http://schemas.microsoft.com/office/drawing/2014/main" id="{DD6C9E0B-3951-096A-544B-1DA5536F4FDF}"/>
+              </a:ext>
+            </a:extLst>
+          </p:cNvPr>
+          <p:cNvSpPr txBox="1"/>
+          <p:nvPr/>
+        </p:nvSpPr>
+        <p:spPr>
+          <a:xfrm>
+            <a:off x="3273288" y="3222658"/>
+            <a:ext cx="1646942" cy="338554"/>
+          </a:xfrm>
+          <a:prstGeom prst="rect">
+            <a:avLst/>
+          </a:prstGeom>
+          <a:noFill/>
+        </p:spPr>
+        <p:txBody>
+          <a:bodyPr wrap="square" rtlCol="0">
+            <a:spAutoFit/>
+          </a:bodyPr>
+          <a:lstStyle/>
+          <a:p>
+            <a:pPr algn="ctr"/>
+            <a:r>
+              <a:rPr lang="en-US" sz="1600" dirty="0"/>
+              <a:t>B+F+</a:t>
+            </a:r>
+          </a:p>
+        </p:txBody>
+      </p:sp>
+      <p:sp>
+        <p:nvSpPr>
+          <p:cNvPr id="35" name="Left Brace 34">
+            <a:extLst>
+              <a:ext uri="{FF2B5EF4-FFF2-40B4-BE49-F238E27FC236}">
+                <a16:creationId xmlns:a16="http://schemas.microsoft.com/office/drawing/2014/main" id="{C11268DA-4C10-20FA-4EBB-AB2E7252E65E}"/>
+              </a:ext>
+            </a:extLst>
+          </p:cNvPr>
+          <p:cNvSpPr/>
+          <p:nvPr/>
+        </p:nvSpPr>
+        <p:spPr>
+          <a:xfrm>
+            <a:off x="3079295" y="1685075"/>
+            <a:ext cx="212035" cy="220237"/>
+          </a:xfrm>
+          <a:prstGeom prst="leftBrace">
+            <a:avLst/>
+          </a:prstGeom>
+          <a:ln w="50800"/>
+        </p:spPr>
+        <p:style>
+          <a:lnRef idx="1">
+            <a:schemeClr val="accent1"/>
+          </a:lnRef>
+          <a:fillRef idx="0">
+            <a:schemeClr val="accent1"/>
+          </a:fillRef>
+          <a:effectRef idx="0">
+            <a:schemeClr val="accent1"/>
+          </a:effectRef>
+          <a:fontRef idx="minor">
+            <a:schemeClr val="tx1"/>
+          </a:fontRef>
+        </p:style>
+        <p:txBody>
+          <a:bodyPr rtlCol="0" anchor="ctr"/>
+          <a:lstStyle/>
+          <a:p>
+            <a:pPr algn="ctr"/>
+            <a:endParaRPr lang="en-US"/>
+          </a:p>
+        </p:txBody>
+      </p:sp>
+      <p:sp>
+        <p:nvSpPr>
+          <p:cNvPr id="36" name="TextBox 35">
+            <a:extLst>
+              <a:ext uri="{FF2B5EF4-FFF2-40B4-BE49-F238E27FC236}">
+                <a16:creationId xmlns:a16="http://schemas.microsoft.com/office/drawing/2014/main" id="{4A02E21C-39CC-1699-47FF-24183E5ED4A1}"/>
+              </a:ext>
+            </a:extLst>
+          </p:cNvPr>
+          <p:cNvSpPr txBox="1"/>
+          <p:nvPr/>
+        </p:nvSpPr>
+        <p:spPr>
+          <a:xfrm>
+            <a:off x="1977529" y="1619767"/>
+            <a:ext cx="1646942" cy="338554"/>
+          </a:xfrm>
+          <a:prstGeom prst="rect">
+            <a:avLst/>
+          </a:prstGeom>
+          <a:noFill/>
+        </p:spPr>
+        <p:txBody>
+          <a:bodyPr wrap="square" rtlCol="0">
+            <a:spAutoFit/>
+          </a:bodyPr>
+          <a:lstStyle/>
+          <a:p>
+            <a:pPr algn="ctr"/>
+            <a:r>
+              <a:rPr lang="en-US" sz="1600" dirty="0"/>
+              <a:t>Beta2</a:t>
+            </a:r>
+          </a:p>
+        </p:txBody>
+      </p:sp>
+      <p:sp>
+        <p:nvSpPr>
+          <p:cNvPr id="55" name="Rectangle 54">
+            <a:extLst>
+              <a:ext uri="{FF2B5EF4-FFF2-40B4-BE49-F238E27FC236}">
+                <a16:creationId xmlns:a16="http://schemas.microsoft.com/office/drawing/2014/main" id="{50B1FC35-A2C4-A699-8282-4762EBFF68BE}"/>
+              </a:ext>
+            </a:extLst>
+          </p:cNvPr>
+          <p:cNvSpPr/>
+          <p:nvPr/>
+        </p:nvSpPr>
+        <p:spPr>
+          <a:xfrm>
+            <a:off x="5509952" y="340749"/>
+            <a:ext cx="4178108" cy="2889640"/>
+          </a:xfrm>
+          <a:prstGeom prst="rect">
+            <a:avLst/>
+          </a:prstGeom>
+          <a:noFill/>
+          <a:ln w="50800"/>
+        </p:spPr>
+        <p:style>
+          <a:lnRef idx="2">
+            <a:schemeClr val="accent1">
+              <a:shade val="15000"/>
+            </a:schemeClr>
+          </a:lnRef>
+          <a:fillRef idx="1">
+            <a:schemeClr val="accent1"/>
+          </a:fillRef>
+          <a:effectRef idx="0">
+            <a:schemeClr val="accent1"/>
+          </a:effectRef>
+          <a:fontRef idx="minor">
+            <a:schemeClr val="lt1"/>
+          </a:fontRef>
+        </p:style>
+        <p:txBody>
+          <a:bodyPr rtlCol="0" anchor="ctr"/>
+          <a:lstStyle/>
+          <a:p>
+            <a:pPr algn="ctr"/>
+            <a:endParaRPr lang="en-US"/>
+          </a:p>
+        </p:txBody>
+      </p:sp>
+      <p:sp>
+        <p:nvSpPr>
+          <p:cNvPr id="56" name="TextBox 55">
+            <a:extLst>
+              <a:ext uri="{FF2B5EF4-FFF2-40B4-BE49-F238E27FC236}">
+                <a16:creationId xmlns:a16="http://schemas.microsoft.com/office/drawing/2014/main" id="{7A28EB7A-B4DF-8A69-FEC6-EB17059ED75A}"/>
+              </a:ext>
+            </a:extLst>
+          </p:cNvPr>
+          <p:cNvSpPr txBox="1"/>
+          <p:nvPr/>
+        </p:nvSpPr>
+        <p:spPr>
+          <a:xfrm>
+            <a:off x="5509952" y="23029"/>
+            <a:ext cx="4178108" cy="338554"/>
+          </a:xfrm>
+          <a:prstGeom prst="rect">
+            <a:avLst/>
+          </a:prstGeom>
+          <a:noFill/>
+        </p:spPr>
+        <p:txBody>
+          <a:bodyPr wrap="square" rtlCol="0">
+            <a:spAutoFit/>
+          </a:bodyPr>
+          <a:lstStyle/>
+          <a:p>
+            <a:pPr algn="ctr"/>
+            <a:r>
+              <a:rPr lang="en-US" sz="1600" dirty="0"/>
+              <a:t>Pesticide = 1</a:t>
+            </a:r>
+          </a:p>
+        </p:txBody>
+      </p:sp>
+      <p:sp>
+        <p:nvSpPr>
+          <p:cNvPr id="57" name="TextBox 56">
+            <a:extLst>
+              <a:ext uri="{FF2B5EF4-FFF2-40B4-BE49-F238E27FC236}">
+                <a16:creationId xmlns:a16="http://schemas.microsoft.com/office/drawing/2014/main" id="{586EBA23-7EB4-CF94-7D4D-AC4BEEDCCD1B}"/>
+              </a:ext>
+            </a:extLst>
+          </p:cNvPr>
+          <p:cNvSpPr txBox="1"/>
+          <p:nvPr/>
+        </p:nvSpPr>
+        <p:spPr>
+          <a:xfrm>
+            <a:off x="5509952" y="3230390"/>
+            <a:ext cx="1646942" cy="338554"/>
+          </a:xfrm>
+          <a:prstGeom prst="rect">
+            <a:avLst/>
+          </a:prstGeom>
+          <a:noFill/>
+        </p:spPr>
+        <p:txBody>
+          <a:bodyPr wrap="square" rtlCol="0">
+            <a:spAutoFit/>
+          </a:bodyPr>
+          <a:lstStyle/>
+          <a:p>
+            <a:pPr algn="ctr"/>
+            <a:r>
+              <a:rPr lang="en-US" sz="1600" dirty="0"/>
+              <a:t>B-F-</a:t>
+            </a:r>
+          </a:p>
+        </p:txBody>
+      </p:sp>
+      <p:cxnSp>
+        <p:nvCxnSpPr>
+          <p:cNvPr id="58" name="Straight Connector 57">
+            <a:extLst>
+              <a:ext uri="{FF2B5EF4-FFF2-40B4-BE49-F238E27FC236}">
+                <a16:creationId xmlns:a16="http://schemas.microsoft.com/office/drawing/2014/main" id="{8C2D268A-97D1-D722-7E11-FBAC2724B4DE}"/>
+              </a:ext>
+            </a:extLst>
+          </p:cNvPr>
+          <p:cNvCxnSpPr>
+            <a:stCxn id="55" idx="1"/>
+            <a:endCxn id="55" idx="3"/>
+          </p:cNvCxnSpPr>
+          <p:nvPr/>
+        </p:nvCxnSpPr>
+        <p:spPr>
+          <a:xfrm>
+            <a:off x="5509952" y="1785569"/>
+            <a:ext cx="4178108" cy="0"/>
+          </a:xfrm>
+          <a:prstGeom prst="line">
+            <a:avLst/>
+          </a:prstGeom>
+          <a:ln w="50800">
+            <a:solidFill>
+              <a:schemeClr val="accent2"/>
+            </a:solidFill>
+            <a:prstDash val="dash"/>
+          </a:ln>
+        </p:spPr>
+        <p:style>
+          <a:lnRef idx="1">
+            <a:schemeClr val="accent1"/>
+          </a:lnRef>
+          <a:fillRef idx="0">
+            <a:schemeClr val="accent1"/>
+          </a:fillRef>
+          <a:effectRef idx="0">
+            <a:schemeClr val="accent1"/>
+          </a:effectRef>
+          <a:fontRef idx="minor">
+            <a:schemeClr val="tx1"/>
+          </a:fontRef>
+        </p:style>
+      </p:cxnSp>
+      <p:sp>
+        <p:nvSpPr>
+          <p:cNvPr id="59" name="Rectangle 58">
+            <a:extLst>
+              <a:ext uri="{FF2B5EF4-FFF2-40B4-BE49-F238E27FC236}">
+                <a16:creationId xmlns:a16="http://schemas.microsoft.com/office/drawing/2014/main" id="{095E78BA-2DAF-4F27-51B5-8F46B208A6BF}"/>
+              </a:ext>
+            </a:extLst>
+          </p:cNvPr>
+          <p:cNvSpPr/>
+          <p:nvPr/>
+        </p:nvSpPr>
+        <p:spPr>
+          <a:xfrm>
+            <a:off x="6056963" y="1798821"/>
+            <a:ext cx="556592" cy="1405064"/>
+          </a:xfrm>
+          <a:prstGeom prst="rect">
+            <a:avLst/>
+          </a:prstGeom>
+          <a:solidFill>
+            <a:schemeClr val="accent1">
+              <a:lumMod val="40000"/>
+              <a:lumOff val="60000"/>
+            </a:schemeClr>
+          </a:solidFill>
+          <a:ln w="63500"/>
+        </p:spPr>
+        <p:style>
+          <a:lnRef idx="2">
+            <a:schemeClr val="accent1">
+              <a:shade val="15000"/>
+            </a:schemeClr>
+          </a:lnRef>
+          <a:fillRef idx="1">
+            <a:schemeClr val="accent1"/>
+          </a:fillRef>
+          <a:effectRef idx="0">
+            <a:schemeClr val="accent1"/>
+          </a:effectRef>
+          <a:fontRef idx="minor">
+            <a:schemeClr val="lt1"/>
+          </a:fontRef>
+        </p:style>
+        <p:txBody>
+          <a:bodyPr rtlCol="0" anchor="ctr"/>
+          <a:lstStyle/>
+          <a:p>
+            <a:pPr algn="ctr"/>
+            <a:endParaRPr lang="en-US"/>
+          </a:p>
+        </p:txBody>
+      </p:sp>
+      <p:sp>
+        <p:nvSpPr>
+          <p:cNvPr id="60" name="TextBox 59">
+            <a:extLst>
+              <a:ext uri="{FF2B5EF4-FFF2-40B4-BE49-F238E27FC236}">
+                <a16:creationId xmlns:a16="http://schemas.microsoft.com/office/drawing/2014/main" id="{173BB87F-CBD3-7C25-AFBC-8CB749362F73}"/>
+              </a:ext>
+            </a:extLst>
+          </p:cNvPr>
+          <p:cNvSpPr txBox="1"/>
+          <p:nvPr/>
+        </p:nvSpPr>
+        <p:spPr>
+          <a:xfrm>
+            <a:off x="6056963" y="3243640"/>
+            <a:ext cx="1646942" cy="338554"/>
+          </a:xfrm>
+          <a:prstGeom prst="rect">
+            <a:avLst/>
+          </a:prstGeom>
+          <a:noFill/>
+        </p:spPr>
+        <p:txBody>
+          <a:bodyPr wrap="square" rtlCol="0">
+            <a:spAutoFit/>
+          </a:bodyPr>
+          <a:lstStyle/>
+          <a:p>
+            <a:pPr algn="ctr"/>
+            <a:r>
+              <a:rPr lang="en-US" sz="1600" dirty="0"/>
+              <a:t>B+F-</a:t>
+            </a:r>
+          </a:p>
+        </p:txBody>
+      </p:sp>
+      <p:sp>
+        <p:nvSpPr>
+          <p:cNvPr id="61" name="Rectangle 60">
+            <a:extLst>
+              <a:ext uri="{FF2B5EF4-FFF2-40B4-BE49-F238E27FC236}">
+                <a16:creationId xmlns:a16="http://schemas.microsoft.com/office/drawing/2014/main" id="{C5D6A7F6-8F0B-A1CD-E006-CB9209F95FF7}"/>
+              </a:ext>
+            </a:extLst>
+          </p:cNvPr>
+          <p:cNvSpPr/>
+          <p:nvPr/>
+        </p:nvSpPr>
+        <p:spPr>
+          <a:xfrm>
+            <a:off x="6603974" y="1083203"/>
+            <a:ext cx="556592" cy="2120680"/>
+          </a:xfrm>
+          <a:prstGeom prst="rect">
+            <a:avLst/>
+          </a:prstGeom>
+          <a:solidFill>
+            <a:schemeClr val="accent1">
+              <a:lumMod val="40000"/>
+              <a:lumOff val="60000"/>
+            </a:schemeClr>
+          </a:solidFill>
+          <a:ln w="63500"/>
+        </p:spPr>
+        <p:style>
+          <a:lnRef idx="2">
+            <a:schemeClr val="accent1">
+              <a:shade val="15000"/>
+            </a:schemeClr>
+          </a:lnRef>
+          <a:fillRef idx="1">
+            <a:schemeClr val="accent1"/>
+          </a:fillRef>
+          <a:effectRef idx="0">
+            <a:schemeClr val="accent1"/>
+          </a:effectRef>
+          <a:fontRef idx="minor">
+            <a:schemeClr val="lt1"/>
+          </a:fontRef>
+        </p:style>
+        <p:txBody>
+          <a:bodyPr rtlCol="0" anchor="ctr"/>
+          <a:lstStyle/>
+          <a:p>
+            <a:pPr algn="ctr"/>
+            <a:endParaRPr lang="en-US"/>
+          </a:p>
+        </p:txBody>
+      </p:sp>
+      <p:sp>
+        <p:nvSpPr>
+          <p:cNvPr id="62" name="Left Brace 61">
+            <a:extLst>
+              <a:ext uri="{FF2B5EF4-FFF2-40B4-BE49-F238E27FC236}">
+                <a16:creationId xmlns:a16="http://schemas.microsoft.com/office/drawing/2014/main" id="{3B153CB6-A7F1-0908-20C2-861042C1E855}"/>
+              </a:ext>
+            </a:extLst>
+          </p:cNvPr>
+          <p:cNvSpPr/>
+          <p:nvPr/>
+        </p:nvSpPr>
+        <p:spPr>
+          <a:xfrm>
+            <a:off x="6335258" y="1083203"/>
+            <a:ext cx="212035" cy="702366"/>
+          </a:xfrm>
+          <a:prstGeom prst="leftBrace">
+            <a:avLst/>
+          </a:prstGeom>
+          <a:ln w="50800"/>
+        </p:spPr>
+        <p:style>
+          <a:lnRef idx="1">
+            <a:schemeClr val="accent1"/>
+          </a:lnRef>
+          <a:fillRef idx="0">
+            <a:schemeClr val="accent1"/>
+          </a:fillRef>
+          <a:effectRef idx="0">
+            <a:schemeClr val="accent1"/>
+          </a:effectRef>
+          <a:fontRef idx="minor">
+            <a:schemeClr val="tx1"/>
+          </a:fontRef>
+        </p:style>
+        <p:txBody>
+          <a:bodyPr rtlCol="0" anchor="ctr"/>
+          <a:lstStyle/>
+          <a:p>
+            <a:pPr algn="ctr"/>
+            <a:endParaRPr lang="en-US"/>
+          </a:p>
+        </p:txBody>
+      </p:sp>
+      <p:sp>
+        <p:nvSpPr>
+          <p:cNvPr id="63" name="TextBox 62">
+            <a:extLst>
+              <a:ext uri="{FF2B5EF4-FFF2-40B4-BE49-F238E27FC236}">
+                <a16:creationId xmlns:a16="http://schemas.microsoft.com/office/drawing/2014/main" id="{C96BC186-2155-E1AC-8EA9-CF8BA279A862}"/>
+              </a:ext>
+            </a:extLst>
+          </p:cNvPr>
+          <p:cNvSpPr txBox="1"/>
+          <p:nvPr/>
+        </p:nvSpPr>
+        <p:spPr>
+          <a:xfrm>
+            <a:off x="5233492" y="1265109"/>
+            <a:ext cx="1646942" cy="338554"/>
+          </a:xfrm>
+          <a:prstGeom prst="rect">
+            <a:avLst/>
+          </a:prstGeom>
+          <a:noFill/>
+        </p:spPr>
+        <p:txBody>
+          <a:bodyPr wrap="square" rtlCol="0">
+            <a:spAutoFit/>
+          </a:bodyPr>
+          <a:lstStyle/>
+          <a:p>
+            <a:pPr algn="ctr"/>
+            <a:r>
+              <a:rPr lang="en-US" sz="1600" dirty="0"/>
+              <a:t>Beta1</a:t>
+            </a:r>
+          </a:p>
+        </p:txBody>
+      </p:sp>
+      <p:sp>
+        <p:nvSpPr>
+          <p:cNvPr id="64" name="Rectangle 63">
+            <a:extLst>
+              <a:ext uri="{FF2B5EF4-FFF2-40B4-BE49-F238E27FC236}">
+                <a16:creationId xmlns:a16="http://schemas.microsoft.com/office/drawing/2014/main" id="{185EBA42-640A-8935-7E1B-B18B97D0FB32}"/>
+              </a:ext>
+            </a:extLst>
+          </p:cNvPr>
+          <p:cNvSpPr/>
+          <p:nvPr/>
+        </p:nvSpPr>
+        <p:spPr>
+          <a:xfrm>
+            <a:off x="7713486" y="1774364"/>
+            <a:ext cx="556592" cy="1405064"/>
+          </a:xfrm>
+          <a:prstGeom prst="rect">
+            <a:avLst/>
+          </a:prstGeom>
+          <a:solidFill>
+            <a:schemeClr val="accent1">
+              <a:lumMod val="40000"/>
+              <a:lumOff val="60000"/>
+            </a:schemeClr>
+          </a:solidFill>
+          <a:ln w="63500"/>
+        </p:spPr>
+        <p:style>
+          <a:lnRef idx="2">
+            <a:schemeClr val="accent1">
+              <a:shade val="15000"/>
+            </a:schemeClr>
+          </a:lnRef>
+          <a:fillRef idx="1">
+            <a:schemeClr val="accent1"/>
+          </a:fillRef>
+          <a:effectRef idx="0">
+            <a:schemeClr val="accent1"/>
+          </a:effectRef>
+          <a:fontRef idx="minor">
+            <a:schemeClr val="lt1"/>
+          </a:fontRef>
+        </p:style>
+        <p:txBody>
+          <a:bodyPr rtlCol="0" anchor="ctr"/>
+          <a:lstStyle/>
+          <a:p>
+            <a:pPr algn="ctr"/>
+            <a:endParaRPr lang="en-US"/>
+          </a:p>
+        </p:txBody>
+      </p:sp>
+      <p:sp>
+        <p:nvSpPr>
+          <p:cNvPr id="66" name="Left Brace 65">
+            <a:extLst>
+              <a:ext uri="{FF2B5EF4-FFF2-40B4-BE49-F238E27FC236}">
+                <a16:creationId xmlns:a16="http://schemas.microsoft.com/office/drawing/2014/main" id="{5C1A9CAA-646C-B9A3-D540-84B9A4FE099E}"/>
+              </a:ext>
+            </a:extLst>
+          </p:cNvPr>
+          <p:cNvSpPr/>
+          <p:nvPr/>
+        </p:nvSpPr>
+        <p:spPr>
+          <a:xfrm>
+            <a:off x="8091172" y="530089"/>
+            <a:ext cx="205408" cy="520460"/>
+          </a:xfrm>
+          <a:prstGeom prst="leftBrace">
+            <a:avLst/>
+          </a:prstGeom>
+          <a:ln w="50800"/>
+        </p:spPr>
+        <p:style>
+          <a:lnRef idx="1">
+            <a:schemeClr val="accent1"/>
+          </a:lnRef>
+          <a:fillRef idx="0">
+            <a:schemeClr val="accent1"/>
+          </a:fillRef>
+          <a:effectRef idx="0">
+            <a:schemeClr val="accent1"/>
+          </a:effectRef>
+          <a:fontRef idx="minor">
+            <a:schemeClr val="tx1"/>
+          </a:fontRef>
+        </p:style>
+        <p:txBody>
+          <a:bodyPr rtlCol="0" anchor="ctr"/>
+          <a:lstStyle/>
+          <a:p>
+            <a:pPr algn="ctr"/>
+            <a:endParaRPr lang="en-US"/>
+          </a:p>
+        </p:txBody>
+      </p:sp>
+      <p:sp>
+        <p:nvSpPr>
+          <p:cNvPr id="67" name="TextBox 66">
+            <a:extLst>
+              <a:ext uri="{FF2B5EF4-FFF2-40B4-BE49-F238E27FC236}">
+                <a16:creationId xmlns:a16="http://schemas.microsoft.com/office/drawing/2014/main" id="{2881C07D-9EB8-7812-B785-BA7B61379758}"/>
+              </a:ext>
+            </a:extLst>
+          </p:cNvPr>
+          <p:cNvSpPr txBox="1"/>
+          <p:nvPr/>
+        </p:nvSpPr>
+        <p:spPr>
+          <a:xfrm>
+            <a:off x="6989405" y="711995"/>
+            <a:ext cx="1646942" cy="338554"/>
+          </a:xfrm>
+          <a:prstGeom prst="rect">
+            <a:avLst/>
+          </a:prstGeom>
+          <a:noFill/>
+        </p:spPr>
+        <p:txBody>
+          <a:bodyPr wrap="square" rtlCol="0">
+            <a:spAutoFit/>
+          </a:bodyPr>
+          <a:lstStyle/>
+          <a:p>
+            <a:pPr algn="ctr"/>
+            <a:r>
+              <a:rPr lang="en-US" sz="1600" dirty="0"/>
+              <a:t>Beta6</a:t>
+            </a:r>
+          </a:p>
+        </p:txBody>
+      </p:sp>
+      <p:sp>
+        <p:nvSpPr>
+          <p:cNvPr id="68" name="TextBox 67">
+            <a:extLst>
+              <a:ext uri="{FF2B5EF4-FFF2-40B4-BE49-F238E27FC236}">
+                <a16:creationId xmlns:a16="http://schemas.microsoft.com/office/drawing/2014/main" id="{474EB252-8BF4-55AF-9F4D-422FFB4E10FB}"/>
+              </a:ext>
+            </a:extLst>
+          </p:cNvPr>
+          <p:cNvSpPr txBox="1"/>
+          <p:nvPr/>
+        </p:nvSpPr>
+        <p:spPr>
+          <a:xfrm>
+            <a:off x="7170147" y="3239490"/>
+            <a:ext cx="1646942" cy="338554"/>
+          </a:xfrm>
+          <a:prstGeom prst="rect">
+            <a:avLst/>
+          </a:prstGeom>
+          <a:noFill/>
+        </p:spPr>
+        <p:txBody>
+          <a:bodyPr wrap="square" rtlCol="0">
+            <a:spAutoFit/>
+          </a:bodyPr>
+          <a:lstStyle/>
+          <a:p>
+            <a:pPr algn="ctr"/>
+            <a:r>
+              <a:rPr lang="en-US" sz="1600" dirty="0"/>
+              <a:t>B-F+</a:t>
+            </a:r>
+          </a:p>
+        </p:txBody>
+      </p:sp>
+      <p:sp>
+        <p:nvSpPr>
+          <p:cNvPr id="69" name="TextBox 68">
+            <a:extLst>
+              <a:ext uri="{FF2B5EF4-FFF2-40B4-BE49-F238E27FC236}">
+                <a16:creationId xmlns:a16="http://schemas.microsoft.com/office/drawing/2014/main" id="{8723A368-B4D5-AD86-666E-5B08F64DD7B5}"/>
+              </a:ext>
+            </a:extLst>
+          </p:cNvPr>
+          <p:cNvSpPr txBox="1"/>
+          <p:nvPr/>
+        </p:nvSpPr>
+        <p:spPr>
+          <a:xfrm>
+            <a:off x="7713486" y="3219183"/>
+            <a:ext cx="1646942" cy="338554"/>
+          </a:xfrm>
+          <a:prstGeom prst="rect">
+            <a:avLst/>
+          </a:prstGeom>
+          <a:noFill/>
+        </p:spPr>
+        <p:txBody>
+          <a:bodyPr wrap="square" rtlCol="0">
+            <a:spAutoFit/>
+          </a:bodyPr>
+          <a:lstStyle/>
+          <a:p>
+            <a:pPr algn="ctr"/>
+            <a:r>
+              <a:rPr lang="en-US" sz="1600" dirty="0"/>
+              <a:t>B+F+</a:t>
+            </a:r>
+          </a:p>
+        </p:txBody>
+      </p:sp>
+      <p:sp>
+        <p:nvSpPr>
+          <p:cNvPr id="70" name="Left Brace 69">
+            <a:extLst>
+              <a:ext uri="{FF2B5EF4-FFF2-40B4-BE49-F238E27FC236}">
+                <a16:creationId xmlns:a16="http://schemas.microsoft.com/office/drawing/2014/main" id="{97E369EC-24BF-6FEE-535F-070F3DBFF388}"/>
+              </a:ext>
+            </a:extLst>
+          </p:cNvPr>
+          <p:cNvSpPr/>
+          <p:nvPr/>
+        </p:nvSpPr>
+        <p:spPr>
+          <a:xfrm>
+            <a:off x="7519493" y="1681600"/>
+            <a:ext cx="212035" cy="220237"/>
+          </a:xfrm>
+          <a:prstGeom prst="leftBrace">
+            <a:avLst/>
+          </a:prstGeom>
+          <a:ln w="50800"/>
+        </p:spPr>
+        <p:style>
+          <a:lnRef idx="1">
+            <a:schemeClr val="accent1"/>
+          </a:lnRef>
+          <a:fillRef idx="0">
+            <a:schemeClr val="accent1"/>
+          </a:fillRef>
+          <a:effectRef idx="0">
+            <a:schemeClr val="accent1"/>
+          </a:effectRef>
+          <a:fontRef idx="minor">
+            <a:schemeClr val="tx1"/>
+          </a:fontRef>
+        </p:style>
+        <p:txBody>
+          <a:bodyPr rtlCol="0" anchor="ctr"/>
+          <a:lstStyle/>
+          <a:p>
+            <a:pPr algn="ctr"/>
+            <a:endParaRPr lang="en-US"/>
+          </a:p>
+        </p:txBody>
+      </p:sp>
+      <p:sp>
+        <p:nvSpPr>
+          <p:cNvPr id="71" name="TextBox 70">
+            <a:extLst>
+              <a:ext uri="{FF2B5EF4-FFF2-40B4-BE49-F238E27FC236}">
+                <a16:creationId xmlns:a16="http://schemas.microsoft.com/office/drawing/2014/main" id="{17F91C62-F748-426C-DBB7-A97054D3B72F}"/>
+              </a:ext>
+            </a:extLst>
+          </p:cNvPr>
+          <p:cNvSpPr txBox="1"/>
+          <p:nvPr/>
+        </p:nvSpPr>
+        <p:spPr>
+          <a:xfrm>
+            <a:off x="6417727" y="1616292"/>
+            <a:ext cx="1646942" cy="338554"/>
+          </a:xfrm>
+          <a:prstGeom prst="rect">
+            <a:avLst/>
+          </a:prstGeom>
+          <a:noFill/>
+        </p:spPr>
+        <p:txBody>
+          <a:bodyPr wrap="square" rtlCol="0">
+            <a:spAutoFit/>
+          </a:bodyPr>
+          <a:lstStyle/>
+          <a:p>
+            <a:pPr algn="ctr"/>
+            <a:r>
+              <a:rPr lang="en-US" sz="1600" dirty="0"/>
+              <a:t>Beta7</a:t>
+            </a:r>
+          </a:p>
+        </p:txBody>
+      </p:sp>
+      <p:sp>
+        <p:nvSpPr>
+          <p:cNvPr id="72" name="TextBox 71">
+            <a:extLst>
+              <a:ext uri="{FF2B5EF4-FFF2-40B4-BE49-F238E27FC236}">
+                <a16:creationId xmlns:a16="http://schemas.microsoft.com/office/drawing/2014/main" id="{87BAEA6E-DDCE-7FF6-63E1-9C35614EDE5A}"/>
+              </a:ext>
+            </a:extLst>
+          </p:cNvPr>
+          <p:cNvSpPr txBox="1"/>
+          <p:nvPr/>
+        </p:nvSpPr>
+        <p:spPr>
+          <a:xfrm>
+            <a:off x="4819361" y="1516901"/>
+            <a:ext cx="1646942" cy="338554"/>
+          </a:xfrm>
+          <a:prstGeom prst="rect">
+            <a:avLst/>
+          </a:prstGeom>
+          <a:noFill/>
+        </p:spPr>
+        <p:txBody>
+          <a:bodyPr wrap="square" rtlCol="0">
+            <a:spAutoFit/>
+          </a:bodyPr>
+          <a:lstStyle/>
+          <a:p>
+            <a:pPr algn="ctr"/>
+            <a:r>
+              <a:rPr lang="en-US" sz="1600" dirty="0"/>
+              <a:t>Beta5</a:t>
+            </a:r>
+          </a:p>
+        </p:txBody>
+      </p:sp>
+      <p:sp>
+        <p:nvSpPr>
+          <p:cNvPr id="73" name="Left Brace 72">
+            <a:extLst>
+              <a:ext uri="{FF2B5EF4-FFF2-40B4-BE49-F238E27FC236}">
+                <a16:creationId xmlns:a16="http://schemas.microsoft.com/office/drawing/2014/main" id="{CE4AD58A-F6CB-66FE-44E6-BB0C2566FBDB}"/>
+              </a:ext>
+            </a:extLst>
+          </p:cNvPr>
+          <p:cNvSpPr/>
+          <p:nvPr/>
+        </p:nvSpPr>
+        <p:spPr>
+          <a:xfrm>
+            <a:off x="5816588" y="1675450"/>
+            <a:ext cx="212035" cy="220237"/>
+          </a:xfrm>
+          <a:prstGeom prst="leftBrace">
+            <a:avLst/>
+          </a:prstGeom>
+          <a:ln w="50800"/>
+        </p:spPr>
+        <p:style>
+          <a:lnRef idx="1">
+            <a:schemeClr val="accent1"/>
+          </a:lnRef>
+          <a:fillRef idx="0">
+            <a:schemeClr val="accent1"/>
+          </a:fillRef>
+          <a:effectRef idx="0">
+            <a:schemeClr val="accent1"/>
+          </a:effectRef>
+          <a:fontRef idx="minor">
+            <a:schemeClr val="tx1"/>
+          </a:fontRef>
+        </p:style>
+        <p:txBody>
+          <a:bodyPr rtlCol="0" anchor="ctr"/>
+          <a:lstStyle/>
+          <a:p>
+            <a:pPr algn="ctr"/>
+            <a:endParaRPr lang="en-US"/>
+          </a:p>
+        </p:txBody>
+      </p:sp>
+      <p:cxnSp>
+        <p:nvCxnSpPr>
+          <p:cNvPr id="74" name="Straight Connector 73">
+            <a:extLst>
+              <a:ext uri="{FF2B5EF4-FFF2-40B4-BE49-F238E27FC236}">
+                <a16:creationId xmlns:a16="http://schemas.microsoft.com/office/drawing/2014/main" id="{A818874F-C8AA-3E87-C09C-20AD01E0E28E}"/>
+              </a:ext>
+            </a:extLst>
+          </p:cNvPr>
+          <p:cNvCxnSpPr>
+            <a:cxnSpLocks/>
+          </p:cNvCxnSpPr>
+          <p:nvPr/>
+        </p:nvCxnSpPr>
+        <p:spPr>
+          <a:xfrm>
+            <a:off x="2730307" y="1083203"/>
+            <a:ext cx="1646584" cy="0"/>
+          </a:xfrm>
+          <a:prstGeom prst="line">
+            <a:avLst/>
+          </a:prstGeom>
+          <a:ln w="50800">
+            <a:solidFill>
+              <a:schemeClr val="accent6">
+                <a:lumMod val="60000"/>
+                <a:lumOff val="40000"/>
+              </a:schemeClr>
+            </a:solidFill>
+            <a:prstDash val="dash"/>
+          </a:ln>
+        </p:spPr>
+        <p:style>
+          <a:lnRef idx="1">
+            <a:schemeClr val="accent1"/>
+          </a:lnRef>
+          <a:fillRef idx="0">
+            <a:schemeClr val="accent1"/>
+          </a:fillRef>
+          <a:effectRef idx="0">
+            <a:schemeClr val="accent1"/>
+          </a:effectRef>
+          <a:fontRef idx="minor">
+            <a:schemeClr val="tx1"/>
+          </a:fontRef>
+        </p:style>
+      </p:cxnSp>
+      <p:sp>
+        <p:nvSpPr>
+          <p:cNvPr id="28" name="Rectangle 27">
+            <a:extLst>
+              <a:ext uri="{FF2B5EF4-FFF2-40B4-BE49-F238E27FC236}">
+                <a16:creationId xmlns:a16="http://schemas.microsoft.com/office/drawing/2014/main" id="{B7E86F5E-C688-BF57-2409-CE2E6847DB53}"/>
+              </a:ext>
+            </a:extLst>
+          </p:cNvPr>
+          <p:cNvSpPr/>
+          <p:nvPr/>
+        </p:nvSpPr>
+        <p:spPr>
+          <a:xfrm>
+            <a:off x="3820299" y="533564"/>
+            <a:ext cx="556592" cy="2649337"/>
+          </a:xfrm>
+          <a:prstGeom prst="rect">
+            <a:avLst/>
+          </a:prstGeom>
+          <a:solidFill>
+            <a:schemeClr val="accent1">
+              <a:lumMod val="40000"/>
+              <a:lumOff val="60000"/>
+            </a:schemeClr>
+          </a:solidFill>
+          <a:ln w="63500"/>
+        </p:spPr>
+        <p:style>
+          <a:lnRef idx="2">
+            <a:schemeClr val="accent1">
+              <a:shade val="15000"/>
+            </a:schemeClr>
+          </a:lnRef>
+          <a:fillRef idx="1">
+            <a:schemeClr val="accent1"/>
+          </a:fillRef>
+          <a:effectRef idx="0">
+            <a:schemeClr val="accent1"/>
+          </a:effectRef>
+          <a:fontRef idx="minor">
+            <a:schemeClr val="lt1"/>
+          </a:fontRef>
+        </p:style>
+        <p:txBody>
+          <a:bodyPr rtlCol="0" anchor="ctr"/>
+          <a:lstStyle/>
+          <a:p>
+            <a:pPr algn="ctr"/>
+            <a:endParaRPr lang="en-US"/>
+          </a:p>
+        </p:txBody>
+      </p:sp>
+      <p:sp>
+        <p:nvSpPr>
+          <p:cNvPr id="77" name="Left Brace 76">
+            <a:extLst>
+              <a:ext uri="{FF2B5EF4-FFF2-40B4-BE49-F238E27FC236}">
+                <a16:creationId xmlns:a16="http://schemas.microsoft.com/office/drawing/2014/main" id="{74867175-A0BB-6367-5E64-8F8DD8169927}"/>
+              </a:ext>
+            </a:extLst>
+          </p:cNvPr>
+          <p:cNvSpPr/>
+          <p:nvPr/>
+        </p:nvSpPr>
+        <p:spPr>
+          <a:xfrm>
+            <a:off x="8085621" y="1063325"/>
+            <a:ext cx="212035" cy="702366"/>
+          </a:xfrm>
+          <a:prstGeom prst="leftBrace">
+            <a:avLst/>
+          </a:prstGeom>
+          <a:ln w="50800"/>
+        </p:spPr>
+        <p:style>
+          <a:lnRef idx="1">
+            <a:schemeClr val="accent1"/>
+          </a:lnRef>
+          <a:fillRef idx="0">
+            <a:schemeClr val="accent1"/>
+          </a:fillRef>
+          <a:effectRef idx="0">
+            <a:schemeClr val="accent1"/>
+          </a:effectRef>
+          <a:fontRef idx="minor">
+            <a:schemeClr val="tx1"/>
+          </a:fontRef>
+        </p:style>
+        <p:txBody>
+          <a:bodyPr rtlCol="0" anchor="ctr"/>
+          <a:lstStyle/>
+          <a:p>
+            <a:pPr algn="ctr"/>
+            <a:endParaRPr lang="en-US"/>
+          </a:p>
+        </p:txBody>
+      </p:sp>
+      <p:sp>
+        <p:nvSpPr>
+          <p:cNvPr id="78" name="TextBox 77">
+            <a:extLst>
+              <a:ext uri="{FF2B5EF4-FFF2-40B4-BE49-F238E27FC236}">
+                <a16:creationId xmlns:a16="http://schemas.microsoft.com/office/drawing/2014/main" id="{9BA7CB16-470F-39BF-E5C4-6E50B6C807D8}"/>
+              </a:ext>
+            </a:extLst>
+          </p:cNvPr>
+          <p:cNvSpPr txBox="1"/>
+          <p:nvPr/>
+        </p:nvSpPr>
+        <p:spPr>
+          <a:xfrm>
+            <a:off x="6983855" y="1245231"/>
+            <a:ext cx="1646942" cy="338554"/>
+          </a:xfrm>
+          <a:prstGeom prst="rect">
+            <a:avLst/>
+          </a:prstGeom>
+          <a:noFill/>
+        </p:spPr>
+        <p:txBody>
+          <a:bodyPr wrap="square" rtlCol="0">
+            <a:spAutoFit/>
+          </a:bodyPr>
+          <a:lstStyle/>
+          <a:p>
+            <a:pPr algn="ctr"/>
+            <a:r>
+              <a:rPr lang="en-US" sz="1600" dirty="0"/>
+              <a:t>Beta1</a:t>
+            </a:r>
+          </a:p>
+        </p:txBody>
+      </p:sp>
+      <p:cxnSp>
+        <p:nvCxnSpPr>
+          <p:cNvPr id="79" name="Straight Connector 78">
+            <a:extLst>
+              <a:ext uri="{FF2B5EF4-FFF2-40B4-BE49-F238E27FC236}">
+                <a16:creationId xmlns:a16="http://schemas.microsoft.com/office/drawing/2014/main" id="{1CEF0D32-F0F7-0BA5-B72F-3E1B9BF0E87D}"/>
+              </a:ext>
+            </a:extLst>
+          </p:cNvPr>
+          <p:cNvCxnSpPr>
+            <a:cxnSpLocks/>
+          </p:cNvCxnSpPr>
+          <p:nvPr/>
+        </p:nvCxnSpPr>
+        <p:spPr>
+          <a:xfrm>
+            <a:off x="4424570" y="530089"/>
+            <a:ext cx="4507395" cy="0"/>
+          </a:xfrm>
+          <a:prstGeom prst="line">
+            <a:avLst/>
+          </a:prstGeom>
+          <a:ln w="50800">
+            <a:solidFill>
+              <a:schemeClr val="accent6">
+                <a:lumMod val="60000"/>
+                <a:lumOff val="40000"/>
+              </a:schemeClr>
+            </a:solidFill>
+            <a:prstDash val="dash"/>
+          </a:ln>
+        </p:spPr>
+        <p:style>
+          <a:lnRef idx="1">
+            <a:schemeClr val="accent1"/>
+          </a:lnRef>
+          <a:fillRef idx="0">
+            <a:schemeClr val="accent1"/>
+          </a:fillRef>
+          <a:effectRef idx="0">
+            <a:schemeClr val="accent1"/>
+          </a:effectRef>
+          <a:fontRef idx="minor">
+            <a:schemeClr val="tx1"/>
+          </a:fontRef>
+        </p:style>
+      </p:cxnSp>
+      <p:sp>
+        <p:nvSpPr>
+          <p:cNvPr id="65" name="Rectangle 64">
+            <a:extLst>
+              <a:ext uri="{FF2B5EF4-FFF2-40B4-BE49-F238E27FC236}">
+                <a16:creationId xmlns:a16="http://schemas.microsoft.com/office/drawing/2014/main" id="{AC01C901-D742-327E-E7E1-25BC7943FE70}"/>
+              </a:ext>
+            </a:extLst>
+          </p:cNvPr>
+          <p:cNvSpPr/>
+          <p:nvPr/>
+        </p:nvSpPr>
+        <p:spPr>
+          <a:xfrm>
+            <a:off x="8260497" y="2282999"/>
+            <a:ext cx="556592" cy="896427"/>
+          </a:xfrm>
+          <a:prstGeom prst="rect">
+            <a:avLst/>
+          </a:prstGeom>
+          <a:solidFill>
+            <a:schemeClr val="accent1">
+              <a:lumMod val="40000"/>
+              <a:lumOff val="60000"/>
+            </a:schemeClr>
+          </a:solidFill>
+          <a:ln w="63500"/>
+        </p:spPr>
+        <p:style>
+          <a:lnRef idx="2">
+            <a:schemeClr val="accent1">
+              <a:shade val="15000"/>
+            </a:schemeClr>
+          </a:lnRef>
+          <a:fillRef idx="1">
+            <a:schemeClr val="accent1"/>
+          </a:fillRef>
+          <a:effectRef idx="0">
+            <a:schemeClr val="accent1"/>
+          </a:effectRef>
+          <a:fontRef idx="minor">
+            <a:schemeClr val="lt1"/>
+          </a:fontRef>
+        </p:style>
+        <p:txBody>
+          <a:bodyPr rtlCol="0" anchor="ctr"/>
+          <a:lstStyle/>
+          <a:p>
+            <a:pPr algn="ctr"/>
+            <a:endParaRPr lang="en-US"/>
+          </a:p>
+        </p:txBody>
+      </p:sp>
+      <p:sp>
+        <p:nvSpPr>
+          <p:cNvPr id="81" name="Left Brace 80">
+            <a:extLst>
+              <a:ext uri="{FF2B5EF4-FFF2-40B4-BE49-F238E27FC236}">
+                <a16:creationId xmlns:a16="http://schemas.microsoft.com/office/drawing/2014/main" id="{A41BE30A-1703-C1B6-0BB9-81C99FA5CE99}"/>
+              </a:ext>
+            </a:extLst>
+          </p:cNvPr>
+          <p:cNvSpPr/>
+          <p:nvPr/>
+        </p:nvSpPr>
+        <p:spPr>
+          <a:xfrm flipH="1">
+            <a:off x="8817089" y="591775"/>
+            <a:ext cx="205408" cy="1651455"/>
+          </a:xfrm>
+          <a:prstGeom prst="leftBrace">
+            <a:avLst/>
+          </a:prstGeom>
+          <a:ln w="50800"/>
+        </p:spPr>
+        <p:style>
+          <a:lnRef idx="1">
+            <a:schemeClr val="accent1"/>
+          </a:lnRef>
+          <a:fillRef idx="0">
+            <a:schemeClr val="accent1"/>
+          </a:fillRef>
+          <a:effectRef idx="0">
+            <a:schemeClr val="accent1"/>
+          </a:effectRef>
+          <a:fontRef idx="minor">
+            <a:schemeClr val="tx1"/>
+          </a:fontRef>
+        </p:style>
+        <p:txBody>
+          <a:bodyPr rtlCol="0" anchor="ctr"/>
+          <a:lstStyle/>
+          <a:p>
+            <a:pPr algn="ctr"/>
+            <a:endParaRPr lang="en-US"/>
+          </a:p>
+        </p:txBody>
+      </p:sp>
+      <p:sp>
+        <p:nvSpPr>
+          <p:cNvPr id="82" name="TextBox 81">
+            <a:extLst>
+              <a:ext uri="{FF2B5EF4-FFF2-40B4-BE49-F238E27FC236}">
+                <a16:creationId xmlns:a16="http://schemas.microsoft.com/office/drawing/2014/main" id="{00D45AED-FBF2-B280-B371-5EA625D49383}"/>
+              </a:ext>
+            </a:extLst>
+          </p:cNvPr>
+          <p:cNvSpPr txBox="1"/>
+          <p:nvPr/>
+        </p:nvSpPr>
+        <p:spPr>
+          <a:xfrm>
+            <a:off x="8491298" y="1237606"/>
+            <a:ext cx="1646942" cy="338554"/>
+          </a:xfrm>
+          <a:prstGeom prst="rect">
+            <a:avLst/>
+          </a:prstGeom>
+          <a:noFill/>
+        </p:spPr>
+        <p:txBody>
+          <a:bodyPr wrap="square" rtlCol="0">
+            <a:spAutoFit/>
+          </a:bodyPr>
+          <a:lstStyle/>
+          <a:p>
+            <a:pPr algn="ctr"/>
+            <a:r>
+              <a:rPr lang="en-US" sz="1600" dirty="0"/>
+              <a:t>Beta8</a:t>
+            </a:r>
+          </a:p>
+        </p:txBody>
+      </p:sp>
+    </p:spTree>
+    <p:extLst>
+      <p:ext uri="{BB962C8B-B14F-4D97-AF65-F5344CB8AC3E}">
+        <p14:creationId xmlns:p14="http://schemas.microsoft.com/office/powerpoint/2010/main" val="1855999658"/>
       </p:ext>
     </p:extLst>
   </p:cSld>
